--- a/presentación segunda iteración.pptx
+++ b/presentación segunda iteración.pptx
@@ -1027,6 +1027,13 @@
         </dgm:presLayoutVars>
       </dgm:prSet>
       <dgm:spPr/>
+      <dgm:t>
+        <a:bodyPr/>
+        <a:lstStyle/>
+        <a:p>
+          <a:endParaRPr lang="es-CL"/>
+        </a:p>
+      </dgm:t>
     </dgm:pt>
     <dgm:pt modelId="{C76C1348-8C62-49B3-ABA8-46DE86A2A3CA}" type="pres">
       <dgm:prSet presAssocID="{D3ABA2B6-C41E-490A-911C-73CE6BD68259}" presName="node" presStyleLbl="node1" presStyleIdx="0" presStyleCnt="3" custRadScaleRad="77249">
@@ -1046,10 +1053,24 @@
     <dgm:pt modelId="{C2AAD9A6-BC90-4D96-8982-800C7083F0C6}" type="pres">
       <dgm:prSet presAssocID="{337644EC-83B6-4611-A95E-0EC59DE0D77A}" presName="sibTrans" presStyleLbl="sibTrans2D1" presStyleIdx="0" presStyleCnt="3"/>
       <dgm:spPr/>
+      <dgm:t>
+        <a:bodyPr/>
+        <a:lstStyle/>
+        <a:p>
+          <a:endParaRPr lang="es-CL"/>
+        </a:p>
+      </dgm:t>
     </dgm:pt>
     <dgm:pt modelId="{7C1C6277-21E4-4D5F-99E4-31D89B49B00D}" type="pres">
       <dgm:prSet presAssocID="{337644EC-83B6-4611-A95E-0EC59DE0D77A}" presName="connectorText" presStyleLbl="sibTrans2D1" presStyleIdx="0" presStyleCnt="3"/>
       <dgm:spPr/>
+      <dgm:t>
+        <a:bodyPr/>
+        <a:lstStyle/>
+        <a:p>
+          <a:endParaRPr lang="es-CL"/>
+        </a:p>
+      </dgm:t>
     </dgm:pt>
     <dgm:pt modelId="{06F5E886-E7D3-456B-8D24-E4CA36151A7B}" type="pres">
       <dgm:prSet presAssocID="{9474E583-2014-4B75-AB52-B5B7B5D215B9}" presName="node" presStyleLbl="node1" presStyleIdx="1" presStyleCnt="3" custRadScaleRad="117820" custRadScaleInc="-8118">
@@ -1069,10 +1090,24 @@
     <dgm:pt modelId="{8CB5DCE5-D772-494C-8EF7-F1A91BF218AB}" type="pres">
       <dgm:prSet presAssocID="{68D4C86A-FA90-499E-9B13-6C25D56EFA6B}" presName="sibTrans" presStyleLbl="sibTrans2D1" presStyleIdx="1" presStyleCnt="3"/>
       <dgm:spPr/>
+      <dgm:t>
+        <a:bodyPr/>
+        <a:lstStyle/>
+        <a:p>
+          <a:endParaRPr lang="es-CL"/>
+        </a:p>
+      </dgm:t>
     </dgm:pt>
     <dgm:pt modelId="{394C58C6-186C-49FA-998F-0641A934E343}" type="pres">
       <dgm:prSet presAssocID="{68D4C86A-FA90-499E-9B13-6C25D56EFA6B}" presName="connectorText" presStyleLbl="sibTrans2D1" presStyleIdx="1" presStyleCnt="3"/>
       <dgm:spPr/>
+      <dgm:t>
+        <a:bodyPr/>
+        <a:lstStyle/>
+        <a:p>
+          <a:endParaRPr lang="es-CL"/>
+        </a:p>
+      </dgm:t>
     </dgm:pt>
     <dgm:pt modelId="{C7176718-3917-479F-9504-34D548C915B5}" type="pres">
       <dgm:prSet presAssocID="{5C8E2945-4321-49DA-95E2-0EF98027F38C}" presName="node" presStyleLbl="node1" presStyleIdx="2" presStyleCnt="3" custRadScaleRad="122381" custRadScaleInc="9781">
@@ -1081,14 +1116,35 @@
         </dgm:presLayoutVars>
       </dgm:prSet>
       <dgm:spPr/>
+      <dgm:t>
+        <a:bodyPr/>
+        <a:lstStyle/>
+        <a:p>
+          <a:endParaRPr lang="es-CL"/>
+        </a:p>
+      </dgm:t>
     </dgm:pt>
     <dgm:pt modelId="{37311926-2A8B-4C4C-A44C-204F5F0FD710}" type="pres">
       <dgm:prSet presAssocID="{51CBE1AA-AE16-4507-97F8-F1F1E555604E}" presName="sibTrans" presStyleLbl="sibTrans2D1" presStyleIdx="2" presStyleCnt="3"/>
       <dgm:spPr/>
+      <dgm:t>
+        <a:bodyPr/>
+        <a:lstStyle/>
+        <a:p>
+          <a:endParaRPr lang="es-CL"/>
+        </a:p>
+      </dgm:t>
     </dgm:pt>
     <dgm:pt modelId="{BB3BBE82-C04F-457E-8021-AE25168421DE}" type="pres">
       <dgm:prSet presAssocID="{51CBE1AA-AE16-4507-97F8-F1F1E555604E}" presName="connectorText" presStyleLbl="sibTrans2D1" presStyleIdx="2" presStyleCnt="3"/>
       <dgm:spPr/>
+      <dgm:t>
+        <a:bodyPr/>
+        <a:lstStyle/>
+        <a:p>
+          <a:endParaRPr lang="es-CL"/>
+        </a:p>
+      </dgm:t>
     </dgm:pt>
   </dgm:ptLst>
   <dgm:cxnLst>
@@ -1096,8 +1152,8 @@
     <dgm:cxn modelId="{4C96C26D-9448-4825-8F24-2A4747BC12AC}" type="presOf" srcId="{03E7A159-C309-46C3-8294-6B81F358593A}" destId="{E4E22BD4-7C9D-4482-9FA8-FA829EA906BE}" srcOrd="0" destOrd="0" presId="urn:microsoft.com/office/officeart/2005/8/layout/cycle2"/>
     <dgm:cxn modelId="{F9D466A1-D16E-4C62-8823-7BABF4CCBF56}" type="presOf" srcId="{68D4C86A-FA90-499E-9B13-6C25D56EFA6B}" destId="{394C58C6-186C-49FA-998F-0641A934E343}" srcOrd="1" destOrd="0" presId="urn:microsoft.com/office/officeart/2005/8/layout/cycle2"/>
     <dgm:cxn modelId="{F926F720-0A92-4D4C-BE02-E98942356A50}" type="presOf" srcId="{51CBE1AA-AE16-4507-97F8-F1F1E555604E}" destId="{BB3BBE82-C04F-457E-8021-AE25168421DE}" srcOrd="1" destOrd="0" presId="urn:microsoft.com/office/officeart/2005/8/layout/cycle2"/>
+    <dgm:cxn modelId="{8705DFEF-0634-4FD9-A33B-16223F9A1811}" type="presOf" srcId="{5C8E2945-4321-49DA-95E2-0EF98027F38C}" destId="{C7176718-3917-479F-9504-34D548C915B5}" srcOrd="0" destOrd="0" presId="urn:microsoft.com/office/officeart/2005/8/layout/cycle2"/>
     <dgm:cxn modelId="{06738862-1034-439B-A9FD-7DA146C8F645}" type="presOf" srcId="{68D4C86A-FA90-499E-9B13-6C25D56EFA6B}" destId="{8CB5DCE5-D772-494C-8EF7-F1A91BF218AB}" srcOrd="0" destOrd="0" presId="urn:microsoft.com/office/officeart/2005/8/layout/cycle2"/>
-    <dgm:cxn modelId="{8705DFEF-0634-4FD9-A33B-16223F9A1811}" type="presOf" srcId="{5C8E2945-4321-49DA-95E2-0EF98027F38C}" destId="{C7176718-3917-479F-9504-34D548C915B5}" srcOrd="0" destOrd="0" presId="urn:microsoft.com/office/officeart/2005/8/layout/cycle2"/>
     <dgm:cxn modelId="{EB03D908-87E0-4371-B170-52A1FDC6B1AA}" type="presOf" srcId="{9474E583-2014-4B75-AB52-B5B7B5D215B9}" destId="{06F5E886-E7D3-456B-8D24-E4CA36151A7B}" srcOrd="0" destOrd="0" presId="urn:microsoft.com/office/officeart/2005/8/layout/cycle2"/>
     <dgm:cxn modelId="{19C52D8A-D6E9-4F48-909C-C7E88C45E678}" type="presOf" srcId="{337644EC-83B6-4611-A95E-0EC59DE0D77A}" destId="{C2AAD9A6-BC90-4D96-8982-800C7083F0C6}" srcOrd="0" destOrd="0" presId="urn:microsoft.com/office/officeart/2005/8/layout/cycle2"/>
     <dgm:cxn modelId="{6E1790FA-495E-4C20-9D85-018048A28BEE}" type="presOf" srcId="{337644EC-83B6-4611-A95E-0EC59DE0D77A}" destId="{7C1C6277-21E4-4D5F-99E4-31D89B49B00D}" srcOrd="1" destOrd="0" presId="urn:microsoft.com/office/officeart/2005/8/layout/cycle2"/>
@@ -3201,31 +3257,41 @@
           <a:p>
             <a:r>
               <a:rPr lang="es-CL" dirty="0" smtClean="0"/>
-              <a:t>Quienes</a:t>
-            </a:r>
-            <a:r>
-              <a:rPr lang="es-CL" baseline="0" dirty="0" smtClean="0"/>
-              <a:t> somos</a:t>
-            </a:r>
-          </a:p>
-          <a:p>
-            <a:pPr marL="171450" indent="-171450">
-              <a:buFont typeface="Arial" panose="020B0604020202020204" pitchFamily="34" charset="0"/>
-              <a:buChar char="•"/>
-            </a:pPr>
-            <a:r>
-              <a:rPr lang="es-CL" baseline="0" dirty="0" smtClean="0"/>
-              <a:t>S</a:t>
-            </a:r>
-          </a:p>
-          <a:p>
-            <a:endParaRPr lang="es-CL" baseline="0" dirty="0" smtClean="0"/>
-          </a:p>
-          <a:p>
-            <a:r>
-              <a:rPr lang="es-CL" baseline="0" dirty="0" smtClean="0"/>
-              <a:t>Qué hacemos</a:t>
-            </a:r>
+              <a:t>¿Quiénes somos?</a:t>
+            </a:r>
+          </a:p>
+          <a:p>
+            <a:r>
+              <a:rPr lang="es-CL" dirty="0" smtClean="0"/>
+              <a:t>Buenas tardes, somos el grupo 1 y vamos a presentar la iteración 2 de nuestro proyecto Centro médico Hipócrates. </a:t>
+            </a:r>
+          </a:p>
+          <a:p>
+            <a:r>
+              <a:rPr lang="es-CL" dirty="0" smtClean="0"/>
+              <a:t>Nuestro grupo está compuesto por: Elías Baeza, Gonzalo López, Tomás Muñiz, Pablo de la </a:t>
+            </a:r>
+            <a:r>
+              <a:rPr lang="es-CL" dirty="0" err="1" smtClean="0"/>
+              <a:t>Sotta</a:t>
+            </a:r>
+            <a:r>
+              <a:rPr lang="es-CL" dirty="0" smtClean="0"/>
+              <a:t> y Fabián </a:t>
+            </a:r>
+            <a:r>
+              <a:rPr lang="es-CL" u="sng" dirty="0" smtClean="0"/>
+              <a:t>Jaque</a:t>
+            </a:r>
+            <a:r>
+              <a:rPr lang="es-CL" dirty="0" smtClean="0"/>
+              <a:t>.</a:t>
+            </a:r>
+          </a:p>
+          <a:p>
+            <a:endParaRPr lang="es-CL" dirty="0" smtClean="0"/>
+          </a:p>
+          <a:p>
             <a:endParaRPr lang="es-CL" dirty="0"/>
           </a:p>
         </p:txBody>
@@ -4091,7 +4157,29 @@
             </a:r>
             <a:r>
               <a:rPr lang="es-CL" dirty="0" smtClean="0"/>
-              <a:t> 11. La base de datos fue diseñada respetando la forma normal 3. Las tablas están debidamente documentadas en un diccionario de datos.</a:t>
+              <a:t> 11. </a:t>
+            </a:r>
+            <a:endParaRPr lang="es-CL" dirty="0" smtClean="0"/>
+          </a:p>
+          <a:p>
+            <a:r>
+              <a:rPr lang="es-CL" dirty="0" smtClean="0"/>
+              <a:t>La </a:t>
+            </a:r>
+            <a:r>
+              <a:rPr lang="es-CL" dirty="0" smtClean="0"/>
+              <a:t>base de datos fue diseñada respetando la forma normal 3. </a:t>
+            </a:r>
+            <a:endParaRPr lang="es-CL" dirty="0" smtClean="0"/>
+          </a:p>
+          <a:p>
+            <a:r>
+              <a:rPr lang="es-CL" dirty="0" smtClean="0"/>
+              <a:t>Las </a:t>
+            </a:r>
+            <a:r>
+              <a:rPr lang="es-CL" dirty="0" smtClean="0"/>
+              <a:t>tablas están debidamente documentadas en un diccionario de datos.</a:t>
             </a:r>
           </a:p>
           <a:p>
@@ -4650,31 +4738,114 @@
           <a:lstStyle/>
           <a:p>
             <a:r>
-              <a:rPr lang="es-ES_tradnl" sz="1200" dirty="0" smtClean="0"/>
-              <a:t>Arquitectura: Pablo de la Sotta</a:t>
-            </a:r>
-          </a:p>
-          <a:p>
-            <a:r>
-              <a:rPr lang="es-ES_tradnl" sz="1200" dirty="0" smtClean="0"/>
-              <a:t>Matrices de trazabilidad: Elías Baeza</a:t>
-            </a:r>
-          </a:p>
-          <a:p>
-            <a:r>
-              <a:rPr lang="es-ES_tradnl" sz="1200" dirty="0" smtClean="0"/>
-              <a:t>Modelo de clases: Pablo de la Sotta</a:t>
-            </a:r>
-          </a:p>
-          <a:p>
-            <a:r>
-              <a:rPr lang="es-ES_tradnl" sz="1200" dirty="0" smtClean="0"/>
-              <a:t>Modelo de datos: Gonzalo</a:t>
-            </a:r>
-            <a:r>
-              <a:rPr lang="es-ES_tradnl" sz="1200" baseline="0" dirty="0" smtClean="0"/>
-              <a:t> López</a:t>
-            </a:r>
+              <a:rPr lang="es-CL" dirty="0" smtClean="0"/>
+              <a:t>En esta presentación hablaremos de:</a:t>
+            </a:r>
+          </a:p>
+          <a:p>
+            <a:endParaRPr lang="es-CL" dirty="0" smtClean="0"/>
+          </a:p>
+          <a:p>
+            <a:r>
+              <a:rPr lang="es-CL" dirty="0" smtClean="0"/>
+              <a:t>Nuestro cliente y su problema</a:t>
+            </a:r>
+          </a:p>
+          <a:p>
+            <a:endParaRPr lang="es-CL" dirty="0" smtClean="0"/>
+          </a:p>
+          <a:p>
+            <a:r>
+              <a:rPr lang="es-CL" dirty="0" smtClean="0"/>
+              <a:t>Iteración 1: Planificación</a:t>
+            </a:r>
+            <a:r>
+              <a:rPr lang="es-CL" baseline="0" dirty="0" smtClean="0"/>
+              <a:t> del proyecto</a:t>
+            </a:r>
+            <a:endParaRPr lang="es-CL" dirty="0" smtClean="0"/>
+          </a:p>
+          <a:p>
+            <a:pPr marL="228600" indent="-228600">
+              <a:buFont typeface="+mj-lt"/>
+              <a:buAutoNum type="arabicPeriod"/>
+            </a:pPr>
+            <a:r>
+              <a:rPr lang="es-CL" dirty="0" smtClean="0"/>
+              <a:t>Alcance</a:t>
+            </a:r>
+          </a:p>
+          <a:p>
+            <a:pPr marL="228600" indent="-228600">
+              <a:buFont typeface="+mj-lt"/>
+              <a:buAutoNum type="arabicPeriod"/>
+            </a:pPr>
+            <a:r>
+              <a:rPr lang="es-CL" dirty="0" smtClean="0"/>
+              <a:t>Organización del equipo</a:t>
+            </a:r>
+          </a:p>
+          <a:p>
+            <a:pPr marL="228600" indent="-228600">
+              <a:buFont typeface="+mj-lt"/>
+              <a:buAutoNum type="arabicPeriod"/>
+            </a:pPr>
+            <a:r>
+              <a:rPr lang="es-CL" dirty="0" smtClean="0"/>
+              <a:t>Calendarización y entregables</a:t>
+            </a:r>
+            <a:endParaRPr lang="es-CL" u="sng" dirty="0" smtClean="0"/>
+          </a:p>
+          <a:p>
+            <a:endParaRPr lang="es-CL" dirty="0" smtClean="0"/>
+          </a:p>
+          <a:p>
+            <a:r>
+              <a:rPr lang="es-CL" dirty="0" smtClean="0"/>
+              <a:t>Iteración 2: Diseño y construcción del </a:t>
+            </a:r>
+            <a:r>
+              <a:rPr lang="es-CL" dirty="0" err="1" smtClean="0"/>
+              <a:t>backend</a:t>
+            </a:r>
+            <a:endParaRPr lang="es-CL" dirty="0" smtClean="0"/>
+          </a:p>
+          <a:p>
+            <a:pPr marL="228600" indent="-228600">
+              <a:buFont typeface="+mj-lt"/>
+              <a:buAutoNum type="arabicPeriod"/>
+            </a:pPr>
+            <a:r>
+              <a:rPr lang="es-CL" dirty="0" smtClean="0"/>
+              <a:t>Arquitectura</a:t>
+            </a:r>
+          </a:p>
+          <a:p>
+            <a:pPr marL="228600" indent="-228600">
+              <a:buFont typeface="+mj-lt"/>
+              <a:buAutoNum type="arabicPeriod"/>
+            </a:pPr>
+            <a:r>
+              <a:rPr lang="es-CL" dirty="0" smtClean="0"/>
+              <a:t>Modelo de clases, construcción y </a:t>
+            </a:r>
+            <a:r>
+              <a:rPr lang="es-CL" dirty="0" err="1" smtClean="0"/>
+              <a:t>testing</a:t>
+            </a:r>
+            <a:endParaRPr lang="es-CL" dirty="0" smtClean="0"/>
+          </a:p>
+          <a:p>
+            <a:pPr marL="228600" indent="-228600">
+              <a:buFont typeface="+mj-lt"/>
+              <a:buAutoNum type="arabicPeriod"/>
+            </a:pPr>
+            <a:r>
+              <a:rPr lang="es-CL" dirty="0" smtClean="0"/>
+              <a:t>Modelo de datos.</a:t>
+            </a:r>
+          </a:p>
+          <a:p>
             <a:endParaRPr lang="es-CL" dirty="0"/>
           </a:p>
         </p:txBody>
@@ -9952,11 +10123,7 @@
           <a:p>
             <a:r>
               <a:rPr lang="es-ES_tradnl" dirty="0" smtClean="0"/>
-              <a:t>Fig. </a:t>
-            </a:r>
-            <a:r>
-              <a:rPr lang="es-ES_tradnl" dirty="0" smtClean="0"/>
-              <a:t>3: Carta Gantt: Primera iteración</a:t>
+              <a:t>Fig. 3: Carta Gantt: Primera iteración</a:t>
             </a:r>
             <a:endParaRPr lang="es-ES_tradnl" dirty="0"/>
           </a:p>
@@ -10776,19 +10943,7 @@
           <a:p>
             <a:r>
               <a:rPr lang="es-ES_tradnl" dirty="0" smtClean="0"/>
-              <a:t>Fig. </a:t>
-            </a:r>
-            <a:r>
-              <a:rPr lang="es-ES_tradnl" dirty="0" smtClean="0"/>
-              <a:t>6: </a:t>
-            </a:r>
-            <a:r>
-              <a:rPr lang="es-ES_tradnl" dirty="0" smtClean="0"/>
-              <a:t>Diagrama de </a:t>
-            </a:r>
-            <a:r>
-              <a:rPr lang="es-ES_tradnl" dirty="0" smtClean="0"/>
-              <a:t>despliegue</a:t>
+              <a:t>Fig. 6: Diagrama de despliegue</a:t>
             </a:r>
             <a:endParaRPr lang="es-ES_tradnl" dirty="0"/>
           </a:p>
@@ -10989,11 +11144,11 @@
           <p:nvPr/>
         </p:nvPicPr>
         <p:blipFill rotWithShape="1">
-          <a:blip r:embed="rId7" cstate="print">
+          <a:blip r:embed="rId8" cstate="print">
             <a:extLst>
               <a:ext uri="{BEBA8EAE-BF5A-486C-A8C5-ECC9F3942E4B}">
                 <a14:imgProps xmlns:a14="http://schemas.microsoft.com/office/drawing/2010/main">
-                  <a14:imgLayer r:embed="rId8">
+                  <a14:imgLayer r:embed="rId9">
                     <a14:imgEffect>
                       <a14:backgroundRemoval t="10000" b="90000" l="5217" r="97826">
                         <a14:foregroundMark x1="42174" y1="42174" x2="42174" y2="42174"/>
@@ -11150,15 +11305,7 @@
           <a:p>
             <a:r>
               <a:rPr lang="es-ES_tradnl" dirty="0" smtClean="0"/>
-              <a:t>Fig. </a:t>
-            </a:r>
-            <a:r>
-              <a:rPr lang="es-ES_tradnl" dirty="0" smtClean="0"/>
-              <a:t>7: </a:t>
-            </a:r>
-            <a:r>
-              <a:rPr lang="es-ES_tradnl" dirty="0" smtClean="0"/>
-              <a:t>Modelo de datos de CMH.</a:t>
+              <a:t>Fig. 7: Modelo de datos de CMH.</a:t>
             </a:r>
           </a:p>
         </p:txBody>
@@ -11353,23 +11500,7 @@
             <a:pPr algn="ctr"/>
             <a:r>
               <a:rPr lang="es-ES_tradnl" dirty="0" smtClean="0"/>
-              <a:t>Fig. </a:t>
-            </a:r>
-            <a:r>
-              <a:rPr lang="es-ES_tradnl" dirty="0" smtClean="0"/>
-              <a:t>8: </a:t>
-            </a:r>
-            <a:r>
-              <a:rPr lang="es-ES_tradnl" dirty="0" smtClean="0"/>
-              <a:t>Modelo de datos </a:t>
-            </a:r>
-            <a:r>
-              <a:rPr lang="es-ES_tradnl" dirty="0" smtClean="0"/>
-              <a:t>aseguradora</a:t>
-            </a:r>
-            <a:r>
-              <a:rPr lang="es-ES_tradnl" dirty="0" smtClean="0"/>
-              <a:t>.</a:t>
+              <a:t>Fig. 8: Modelo de datos aseguradora.</a:t>
             </a:r>
             <a:endParaRPr lang="es-ES_tradnl" dirty="0"/>
           </a:p>
@@ -11975,17 +12106,12 @@
               <a:rPr lang="es-ES_tradnl" sz="3000" dirty="0" smtClean="0"/>
               <a:t>Arquitectura</a:t>
             </a:r>
-            <a:endParaRPr lang="es-ES_tradnl" sz="3000" dirty="0" smtClean="0"/>
           </a:p>
           <a:p>
             <a:pPr lvl="1"/>
             <a:r>
               <a:rPr lang="es-ES_tradnl" sz="3000" dirty="0"/>
-              <a:t>Modelo de </a:t>
-            </a:r>
-            <a:r>
-              <a:rPr lang="es-ES_tradnl" sz="3000" dirty="0"/>
-              <a:t>clases, </a:t>
+              <a:t>Modelo de clases, </a:t>
             </a:r>
             <a:r>
               <a:rPr lang="es-ES_tradnl" sz="3000" dirty="0" smtClean="0"/>
@@ -12001,13 +12127,8 @@
             <a:pPr lvl="1"/>
             <a:r>
               <a:rPr lang="es-ES_tradnl" sz="3000" dirty="0" smtClean="0"/>
-              <a:t>Modelo </a:t>
-            </a:r>
-            <a:r>
-              <a:rPr lang="es-ES_tradnl" sz="3000" dirty="0" smtClean="0"/>
-              <a:t>de datos</a:t>
-            </a:r>
-            <a:endParaRPr lang="es-ES_tradnl" sz="3000" dirty="0" smtClean="0"/>
+              <a:t>Modelo de datos</a:t>
+            </a:r>
           </a:p>
         </p:txBody>
       </p:sp>
@@ -12630,7 +12751,6 @@
               <a:rPr lang="es-ES_tradnl" sz="3200" dirty="0" smtClean="0"/>
               <a:t>Procesos financieros con alta tasa de error</a:t>
             </a:r>
-            <a:endParaRPr lang="es-ES_tradnl" sz="3200" dirty="0" smtClean="0"/>
           </a:p>
           <a:p>
             <a:endParaRPr lang="es-ES_tradnl" sz="3200" dirty="0" smtClean="0"/>

--- a/presentación segunda iteración.pptx
+++ b/presentación segunda iteración.pptx
@@ -5,7 +5,7 @@
     <p:sldMasterId id="2147483810" r:id="rId1"/>
   </p:sldMasterIdLst>
   <p:notesMasterIdLst>
-    <p:notesMasterId r:id="rId23"/>
+    <p:notesMasterId r:id="rId24"/>
   </p:notesMasterIdLst>
   <p:sldIdLst>
     <p:sldId id="256" r:id="rId2"/>
@@ -25,10 +25,11 @@
     <p:sldId id="259" r:id="rId16"/>
     <p:sldId id="273" r:id="rId17"/>
     <p:sldId id="274" r:id="rId18"/>
-    <p:sldId id="261" r:id="rId19"/>
-    <p:sldId id="293" r:id="rId20"/>
-    <p:sldId id="291" r:id="rId21"/>
-    <p:sldId id="277" r:id="rId22"/>
+    <p:sldId id="294" r:id="rId19"/>
+    <p:sldId id="261" r:id="rId20"/>
+    <p:sldId id="293" r:id="rId21"/>
+    <p:sldId id="291" r:id="rId22"/>
+    <p:sldId id="277" r:id="rId23"/>
   </p:sldIdLst>
   <p:sldSz cx="12192000" cy="6858000"/>
   <p:notesSz cx="6858000" cy="9144000"/>
@@ -1189,429 +1190,6 @@
       <dsp:cNvGrpSpPr/>
     </dsp:nvGrpSpPr>
     <dsp:grpSpPr/>
-    <dsp:sp modelId="{C76C1348-8C62-49B3-ABA8-46DE86A2A3CA}">
-      <dsp:nvSpPr>
-        <dsp:cNvPr id="0" name=""/>
-        <dsp:cNvSpPr/>
-      </dsp:nvSpPr>
-      <dsp:spPr>
-        <a:xfrm>
-          <a:off x="2534384" y="421329"/>
-          <a:ext cx="2130147" cy="2130147"/>
-        </a:xfrm>
-        <a:prstGeom prst="ellipse">
-          <a:avLst/>
-        </a:prstGeom>
-        <a:solidFill>
-          <a:srgbClr val="FF0000"/>
-        </a:solidFill>
-        <a:ln w="13970" cap="flat" cmpd="sng" algn="ctr">
-          <a:solidFill>
-            <a:schemeClr val="lt1">
-              <a:hueOff val="0"/>
-              <a:satOff val="0"/>
-              <a:lumOff val="0"/>
-              <a:alphaOff val="0"/>
-            </a:schemeClr>
-          </a:solidFill>
-          <a:prstDash val="solid"/>
-        </a:ln>
-        <a:effectLst/>
-      </dsp:spPr>
-      <dsp:style>
-        <a:lnRef idx="2">
-          <a:scrgbClr r="0" g="0" b="0"/>
-        </a:lnRef>
-        <a:fillRef idx="1">
-          <a:scrgbClr r="0" g="0" b="0"/>
-        </a:fillRef>
-        <a:effectRef idx="0">
-          <a:scrgbClr r="0" g="0" b="0"/>
-        </a:effectRef>
-        <a:fontRef idx="minor">
-          <a:schemeClr val="lt1"/>
-        </a:fontRef>
-      </dsp:style>
-      <dsp:txBody>
-        <a:bodyPr spcFirstLastPara="0" vert="horz" wrap="square" lIns="25400" tIns="25400" rIns="25400" bIns="25400" numCol="1" spcCol="1270" anchor="ctr" anchorCtr="0">
-          <a:noAutofit/>
-        </a:bodyPr>
-        <a:lstStyle/>
-        <a:p>
-          <a:pPr lvl="0" algn="ctr" defTabSz="889000">
-            <a:lnSpc>
-              <a:spcPct val="90000"/>
-            </a:lnSpc>
-            <a:spcBef>
-              <a:spcPct val="0"/>
-            </a:spcBef>
-            <a:spcAft>
-              <a:spcPct val="35000"/>
-            </a:spcAft>
-          </a:pPr>
-          <a:r>
-            <a:rPr lang="es-CL" sz="2000" kern="1200" dirty="0" smtClean="0"/>
-            <a:t>Test falla</a:t>
-          </a:r>
-          <a:endParaRPr lang="es-CL" sz="2000" kern="1200" dirty="0"/>
-        </a:p>
-      </dsp:txBody>
-      <dsp:txXfrm>
-        <a:off x="2846337" y="733282"/>
-        <a:ext cx="1506241" cy="1506241"/>
-      </dsp:txXfrm>
-    </dsp:sp>
-    <dsp:sp modelId="{C2AAD9A6-BC90-4D96-8982-800C7083F0C6}">
-      <dsp:nvSpPr>
-        <dsp:cNvPr id="0" name=""/>
-        <dsp:cNvSpPr/>
-      </dsp:nvSpPr>
-      <dsp:spPr>
-        <a:xfrm rot="3002127">
-          <a:off x="4327117" y="2291216"/>
-          <a:ext cx="496114" cy="718924"/>
-        </a:xfrm>
-        <a:prstGeom prst="rightArrow">
-          <a:avLst>
-            <a:gd name="adj1" fmla="val 60000"/>
-            <a:gd name="adj2" fmla="val 50000"/>
-          </a:avLst>
-        </a:prstGeom>
-        <a:solidFill>
-          <a:schemeClr val="accent1">
-            <a:tint val="60000"/>
-            <a:hueOff val="0"/>
-            <a:satOff val="0"/>
-            <a:lumOff val="0"/>
-            <a:alphaOff val="0"/>
-          </a:schemeClr>
-        </a:solidFill>
-        <a:ln>
-          <a:noFill/>
-        </a:ln>
-        <a:effectLst/>
-      </dsp:spPr>
-      <dsp:style>
-        <a:lnRef idx="0">
-          <a:scrgbClr r="0" g="0" b="0"/>
-        </a:lnRef>
-        <a:fillRef idx="1">
-          <a:scrgbClr r="0" g="0" b="0"/>
-        </a:fillRef>
-        <a:effectRef idx="0">
-          <a:scrgbClr r="0" g="0" b="0"/>
-        </a:effectRef>
-        <a:fontRef idx="minor">
-          <a:schemeClr val="lt1"/>
-        </a:fontRef>
-      </dsp:style>
-      <dsp:txBody>
-        <a:bodyPr spcFirstLastPara="0" vert="horz" wrap="square" lIns="0" tIns="0" rIns="0" bIns="0" numCol="1" spcCol="1270" anchor="ctr" anchorCtr="0">
-          <a:noAutofit/>
-        </a:bodyPr>
-        <a:lstStyle/>
-        <a:p>
-          <a:pPr lvl="0" algn="ctr" defTabSz="1377950">
-            <a:lnSpc>
-              <a:spcPct val="90000"/>
-            </a:lnSpc>
-            <a:spcBef>
-              <a:spcPct val="0"/>
-            </a:spcBef>
-            <a:spcAft>
-              <a:spcPct val="35000"/>
-            </a:spcAft>
-          </a:pPr>
-          <a:endParaRPr lang="es-CL" sz="3100" kern="1200"/>
-        </a:p>
-      </dsp:txBody>
-      <dsp:txXfrm>
-        <a:off x="4353735" y="2377965"/>
-        <a:ext cx="347280" cy="431354"/>
-      </dsp:txXfrm>
-    </dsp:sp>
-    <dsp:sp modelId="{06F5E886-E7D3-456B-8D24-E4CA36151A7B}">
-      <dsp:nvSpPr>
-        <dsp:cNvPr id="0" name=""/>
-        <dsp:cNvSpPr/>
-      </dsp:nvSpPr>
-      <dsp:spPr>
-        <a:xfrm>
-          <a:off x="4503854" y="2771404"/>
-          <a:ext cx="2130147" cy="2130147"/>
-        </a:xfrm>
-        <a:prstGeom prst="ellipse">
-          <a:avLst/>
-        </a:prstGeom>
-        <a:solidFill>
-          <a:srgbClr val="00B050"/>
-        </a:solidFill>
-        <a:ln w="13970" cap="flat" cmpd="sng" algn="ctr">
-          <a:solidFill>
-            <a:schemeClr val="lt1">
-              <a:hueOff val="0"/>
-              <a:satOff val="0"/>
-              <a:lumOff val="0"/>
-              <a:alphaOff val="0"/>
-            </a:schemeClr>
-          </a:solidFill>
-          <a:prstDash val="solid"/>
-        </a:ln>
-        <a:effectLst/>
-      </dsp:spPr>
-      <dsp:style>
-        <a:lnRef idx="2">
-          <a:scrgbClr r="0" g="0" b="0"/>
-        </a:lnRef>
-        <a:fillRef idx="1">
-          <a:scrgbClr r="0" g="0" b="0"/>
-        </a:fillRef>
-        <a:effectRef idx="0">
-          <a:scrgbClr r="0" g="0" b="0"/>
-        </a:effectRef>
-        <a:fontRef idx="minor">
-          <a:schemeClr val="lt1"/>
-        </a:fontRef>
-      </dsp:style>
-      <dsp:txBody>
-        <a:bodyPr spcFirstLastPara="0" vert="horz" wrap="square" lIns="25400" tIns="25400" rIns="25400" bIns="25400" numCol="1" spcCol="1270" anchor="ctr" anchorCtr="0">
-          <a:noAutofit/>
-        </a:bodyPr>
-        <a:lstStyle/>
-        <a:p>
-          <a:pPr lvl="0" algn="ctr" defTabSz="889000">
-            <a:lnSpc>
-              <a:spcPct val="90000"/>
-            </a:lnSpc>
-            <a:spcBef>
-              <a:spcPct val="0"/>
-            </a:spcBef>
-            <a:spcAft>
-              <a:spcPct val="35000"/>
-            </a:spcAft>
-          </a:pPr>
-          <a:r>
-            <a:rPr lang="es-CL" sz="2000" kern="1200" dirty="0" smtClean="0"/>
-            <a:t>Test funciona</a:t>
-          </a:r>
-          <a:endParaRPr lang="es-CL" sz="2000" kern="1200" dirty="0"/>
-        </a:p>
-      </dsp:txBody>
-      <dsp:txXfrm>
-        <a:off x="4815807" y="3083357"/>
-        <a:ext cx="1506241" cy="1506241"/>
-      </dsp:txXfrm>
-    </dsp:sp>
-    <dsp:sp modelId="{8CB5DCE5-D772-494C-8EF7-F1A91BF218AB}">
-      <dsp:nvSpPr>
-        <dsp:cNvPr id="0" name=""/>
-        <dsp:cNvSpPr/>
-      </dsp:nvSpPr>
-      <dsp:spPr>
-        <a:xfrm rot="10800007">
-          <a:off x="3077778" y="3477011"/>
-          <a:ext cx="1007760" cy="718924"/>
-        </a:xfrm>
-        <a:prstGeom prst="rightArrow">
-          <a:avLst>
-            <a:gd name="adj1" fmla="val 60000"/>
-            <a:gd name="adj2" fmla="val 50000"/>
-          </a:avLst>
-        </a:prstGeom>
-        <a:solidFill>
-          <a:schemeClr val="accent1">
-            <a:tint val="60000"/>
-            <a:hueOff val="0"/>
-            <a:satOff val="0"/>
-            <a:lumOff val="0"/>
-            <a:alphaOff val="0"/>
-          </a:schemeClr>
-        </a:solidFill>
-        <a:ln>
-          <a:noFill/>
-        </a:ln>
-        <a:effectLst/>
-      </dsp:spPr>
-      <dsp:style>
-        <a:lnRef idx="0">
-          <a:scrgbClr r="0" g="0" b="0"/>
-        </a:lnRef>
-        <a:fillRef idx="1">
-          <a:scrgbClr r="0" g="0" b="0"/>
-        </a:fillRef>
-        <a:effectRef idx="0">
-          <a:scrgbClr r="0" g="0" b="0"/>
-        </a:effectRef>
-        <a:fontRef idx="minor">
-          <a:schemeClr val="lt1"/>
-        </a:fontRef>
-      </dsp:style>
-      <dsp:txBody>
-        <a:bodyPr spcFirstLastPara="0" vert="horz" wrap="square" lIns="0" tIns="0" rIns="0" bIns="0" numCol="1" spcCol="1270" anchor="ctr" anchorCtr="0">
-          <a:noAutofit/>
-        </a:bodyPr>
-        <a:lstStyle/>
-        <a:p>
-          <a:pPr lvl="0" algn="ctr" defTabSz="1377950">
-            <a:lnSpc>
-              <a:spcPct val="90000"/>
-            </a:lnSpc>
-            <a:spcBef>
-              <a:spcPct val="0"/>
-            </a:spcBef>
-            <a:spcAft>
-              <a:spcPct val="35000"/>
-            </a:spcAft>
-          </a:pPr>
-          <a:endParaRPr lang="es-CL" sz="3100" kern="1200"/>
-        </a:p>
-      </dsp:txBody>
-      <dsp:txXfrm rot="10800000">
-        <a:off x="3293455" y="3620796"/>
-        <a:ext cx="792083" cy="431354"/>
-      </dsp:txXfrm>
-    </dsp:sp>
-    <dsp:sp modelId="{C7176718-3917-479F-9504-34D548C915B5}">
-      <dsp:nvSpPr>
-        <dsp:cNvPr id="0" name=""/>
-        <dsp:cNvSpPr/>
-      </dsp:nvSpPr>
-      <dsp:spPr>
-        <a:xfrm>
-          <a:off x="472272" y="2771395"/>
-          <a:ext cx="2130147" cy="2130147"/>
-        </a:xfrm>
-        <a:prstGeom prst="ellipse">
-          <a:avLst/>
-        </a:prstGeom>
-        <a:solidFill>
-          <a:srgbClr val="7030A0"/>
-        </a:solidFill>
-        <a:ln w="13970" cap="flat" cmpd="sng" algn="ctr">
-          <a:solidFill>
-            <a:schemeClr val="lt1">
-              <a:hueOff val="0"/>
-              <a:satOff val="0"/>
-              <a:lumOff val="0"/>
-              <a:alphaOff val="0"/>
-            </a:schemeClr>
-          </a:solidFill>
-          <a:prstDash val="solid"/>
-        </a:ln>
-        <a:effectLst/>
-      </dsp:spPr>
-      <dsp:style>
-        <a:lnRef idx="2">
-          <a:scrgbClr r="0" g="0" b="0"/>
-        </a:lnRef>
-        <a:fillRef idx="1">
-          <a:scrgbClr r="0" g="0" b="0"/>
-        </a:fillRef>
-        <a:effectRef idx="0">
-          <a:scrgbClr r="0" g="0" b="0"/>
-        </a:effectRef>
-        <a:fontRef idx="minor">
-          <a:schemeClr val="lt1"/>
-        </a:fontRef>
-      </dsp:style>
-      <dsp:txBody>
-        <a:bodyPr spcFirstLastPara="0" vert="horz" wrap="square" lIns="25400" tIns="25400" rIns="25400" bIns="25400" numCol="1" spcCol="1270" anchor="ctr" anchorCtr="0">
-          <a:noAutofit/>
-        </a:bodyPr>
-        <a:lstStyle/>
-        <a:p>
-          <a:pPr lvl="0" algn="ctr" defTabSz="889000">
-            <a:lnSpc>
-              <a:spcPct val="90000"/>
-            </a:lnSpc>
-            <a:spcBef>
-              <a:spcPct val="0"/>
-            </a:spcBef>
-            <a:spcAft>
-              <a:spcPct val="35000"/>
-            </a:spcAft>
-          </a:pPr>
-          <a:r>
-            <a:rPr lang="es-CL" sz="2000" kern="1200" dirty="0" smtClean="0"/>
-            <a:t>Refactorizar</a:t>
-          </a:r>
-          <a:endParaRPr lang="es-CL" sz="2000" kern="1200" dirty="0"/>
-        </a:p>
-      </dsp:txBody>
-      <dsp:txXfrm>
-        <a:off x="784225" y="3083348"/>
-        <a:ext cx="1506241" cy="1506241"/>
-      </dsp:txXfrm>
-    </dsp:sp>
-    <dsp:sp modelId="{37311926-2A8B-4C4C-A44C-204F5F0FD710}">
-      <dsp:nvSpPr>
-        <dsp:cNvPr id="0" name=""/>
-        <dsp:cNvSpPr/>
-      </dsp:nvSpPr>
-      <dsp:spPr>
-        <a:xfrm rot="18675958">
-          <a:off x="2294506" y="2313208"/>
-          <a:ext cx="528076" cy="718924"/>
-        </a:xfrm>
-        <a:prstGeom prst="rightArrow">
-          <a:avLst>
-            <a:gd name="adj1" fmla="val 60000"/>
-            <a:gd name="adj2" fmla="val 50000"/>
-          </a:avLst>
-        </a:prstGeom>
-        <a:solidFill>
-          <a:schemeClr val="accent1">
-            <a:tint val="60000"/>
-            <a:hueOff val="0"/>
-            <a:satOff val="0"/>
-            <a:lumOff val="0"/>
-            <a:alphaOff val="0"/>
-          </a:schemeClr>
-        </a:solidFill>
-        <a:ln>
-          <a:noFill/>
-        </a:ln>
-        <a:effectLst/>
-      </dsp:spPr>
-      <dsp:style>
-        <a:lnRef idx="0">
-          <a:scrgbClr r="0" g="0" b="0"/>
-        </a:lnRef>
-        <a:fillRef idx="1">
-          <a:scrgbClr r="0" g="0" b="0"/>
-        </a:fillRef>
-        <a:effectRef idx="0">
-          <a:scrgbClr r="0" g="0" b="0"/>
-        </a:effectRef>
-        <a:fontRef idx="minor">
-          <a:schemeClr val="lt1"/>
-        </a:fontRef>
-      </dsp:style>
-      <dsp:txBody>
-        <a:bodyPr spcFirstLastPara="0" vert="horz" wrap="square" lIns="0" tIns="0" rIns="0" bIns="0" numCol="1" spcCol="1270" anchor="ctr" anchorCtr="0">
-          <a:noAutofit/>
-        </a:bodyPr>
-        <a:lstStyle/>
-        <a:p>
-          <a:pPr lvl="0" algn="ctr" defTabSz="1377950">
-            <a:lnSpc>
-              <a:spcPct val="90000"/>
-            </a:lnSpc>
-            <a:spcBef>
-              <a:spcPct val="0"/>
-            </a:spcBef>
-            <a:spcAft>
-              <a:spcPct val="35000"/>
-            </a:spcAft>
-          </a:pPr>
-          <a:endParaRPr lang="es-CL" sz="3100" kern="1200"/>
-        </a:p>
-      </dsp:txBody>
-      <dsp:txXfrm>
-        <a:off x="2321473" y="2516533"/>
-        <a:ext cx="369653" cy="431354"/>
-      </dsp:txXfrm>
-    </dsp:sp>
   </dsp:spTree>
 </dsp:drawing>
 </file>
@@ -4159,27 +3737,17 @@
               <a:rPr lang="es-CL" dirty="0" smtClean="0"/>
               <a:t> 11. </a:t>
             </a:r>
-            <a:endParaRPr lang="es-CL" dirty="0" smtClean="0"/>
           </a:p>
           <a:p>
             <a:r>
               <a:rPr lang="es-CL" dirty="0" smtClean="0"/>
-              <a:t>La </a:t>
-            </a:r>
+              <a:t>La base de datos fue diseñada respetando la forma normal 3. </a:t>
+            </a:r>
+          </a:p>
+          <a:p>
             <a:r>
               <a:rPr lang="es-CL" dirty="0" smtClean="0"/>
-              <a:t>base de datos fue diseñada respetando la forma normal 3. </a:t>
-            </a:r>
-            <a:endParaRPr lang="es-CL" dirty="0" smtClean="0"/>
-          </a:p>
-          <a:p>
-            <a:r>
-              <a:rPr lang="es-CL" dirty="0" smtClean="0"/>
-              <a:t>Las </a:t>
-            </a:r>
-            <a:r>
-              <a:rPr lang="es-CL" dirty="0" smtClean="0"/>
-              <a:t>tablas están debidamente documentadas en un diccionario de datos.</a:t>
+              <a:t>Las tablas están debidamente documentadas en un diccionario de datos.</a:t>
             </a:r>
           </a:p>
           <a:p>
@@ -4328,7 +3896,7 @@
           <a:p>
             <a:fld id="{DF2599EA-3C95-46C0-99A8-B5EBCBCDB69B}" type="slidenum">
               <a:rPr lang="es-CL" smtClean="0"/>
-              <a:t>17</a:t>
+              <a:t>18</a:t>
             </a:fld>
             <a:endParaRPr lang="es-CL"/>
           </a:p>
@@ -4460,24 +4028,43 @@
             </a:pPr>
             <a:r>
               <a:rPr lang="es-CL" dirty="0" smtClean="0"/>
-              <a:t>GUI: </a:t>
+              <a:t>UI</a:t>
+            </a:r>
+            <a:r>
+              <a:rPr lang="es-CL" dirty="0" smtClean="0"/>
+              <a:t>: </a:t>
             </a:r>
             <a:r>
               <a:rPr lang="es-CL" dirty="0" err="1" smtClean="0"/>
-              <a:t>Graphical</a:t>
+              <a:t>User</a:t>
             </a:r>
             <a:r>
               <a:rPr lang="es-CL" dirty="0" smtClean="0"/>
               <a:t> </a:t>
             </a:r>
             <a:r>
+              <a:rPr lang="es-CL" dirty="0" smtClean="0"/>
+              <a:t>Interface: no implementado. Contiene la lógica de la interfaz de usuario y las validaciones del lado del cliente</a:t>
+            </a:r>
+            <a:r>
+              <a:rPr lang="es-CL" dirty="0" smtClean="0"/>
+              <a:t>.</a:t>
+            </a:r>
+          </a:p>
+          <a:p>
+            <a:pPr marL="228600" indent="-228600">
+              <a:buFont typeface="+mj-lt"/>
+              <a:buAutoNum type="arabicPeriod"/>
+            </a:pPr>
+            <a:r>
               <a:rPr lang="es-CL" dirty="0" err="1" smtClean="0"/>
-              <a:t>User</a:t>
+              <a:t>Tests</a:t>
             </a:r>
             <a:r>
               <a:rPr lang="es-CL" dirty="0" smtClean="0"/>
-              <a:t> Interface: no implementado. Contiene la lógica de la interfaz de usuario y las validaciones del lado del cliente.</a:t>
-            </a:r>
+              <a:t>: Pruebas de la capa de negocio</a:t>
+            </a:r>
+            <a:endParaRPr lang="es-CL" dirty="0" smtClean="0"/>
           </a:p>
           <a:p>
             <a:endParaRPr lang="es-CL" dirty="0"/>
@@ -4501,7 +4088,7 @@
           <a:p>
             <a:fld id="{DF2599EA-3C95-46C0-99A8-B5EBCBCDB69B}" type="slidenum">
               <a:rPr lang="es-CL" smtClean="0"/>
-              <a:t>18</a:t>
+              <a:t>19</a:t>
             </a:fld>
             <a:endParaRPr lang="es-CL"/>
           </a:p>
@@ -4674,7 +4261,7 @@
           <a:p>
             <a:fld id="{DF2599EA-3C95-46C0-99A8-B5EBCBCDB69B}" type="slidenum">
               <a:rPr lang="es-CL" smtClean="0"/>
-              <a:t>19</a:t>
+              <a:t>20</a:t>
             </a:fld>
             <a:endParaRPr lang="es-CL"/>
           </a:p>
@@ -11626,29 +11213,6 @@
       </p:grpSpPr>
       <p:sp>
         <p:nvSpPr>
-          <p:cNvPr id="2" name="Title 1"/>
-          <p:cNvSpPr>
-            <a:spLocks noGrp="1"/>
-          </p:cNvSpPr>
-          <p:nvPr>
-            <p:ph type="title"/>
-          </p:nvPr>
-        </p:nvSpPr>
-        <p:spPr/>
-        <p:txBody>
-          <a:bodyPr/>
-          <a:lstStyle/>
-          <a:p>
-            <a:r>
-              <a:rPr lang="es-ES_tradnl" dirty="0" smtClean="0"/>
-              <a:t>Modelo de clases</a:t>
-            </a:r>
-            <a:endParaRPr lang="es-ES_tradnl" dirty="0"/>
-          </a:p>
-        </p:txBody>
-      </p:sp>
-      <p:sp>
-        <p:nvSpPr>
           <p:cNvPr id="4" name="Slide Number Placeholder 3"/>
           <p:cNvSpPr>
             <a:spLocks noGrp="1"/>
@@ -11667,6 +11231,230 @@
             <a:fld id="{66B77C49-310C-4D67-A641-7D2CCF3E3B8A}" type="slidenum">
               <a:rPr lang="es-ES_tradnl" smtClean="0"/>
               <a:t>17</a:t>
+            </a:fld>
+            <a:endParaRPr lang="es-ES_tradnl" dirty="0"/>
+          </a:p>
+        </p:txBody>
+      </p:sp>
+      <p:sp>
+        <p:nvSpPr>
+          <p:cNvPr id="7" name="Title 6"/>
+          <p:cNvSpPr>
+            <a:spLocks noGrp="1"/>
+          </p:cNvSpPr>
+          <p:nvPr>
+            <p:ph type="title"/>
+          </p:nvPr>
+        </p:nvSpPr>
+        <p:spPr/>
+        <p:txBody>
+          <a:bodyPr/>
+          <a:lstStyle/>
+          <a:p>
+            <a:r>
+              <a:rPr lang="es-ES_tradnl" dirty="0" smtClean="0"/>
+              <a:t>Diccionario de datos</a:t>
+            </a:r>
+            <a:endParaRPr lang="es-ES_tradnl" dirty="0"/>
+          </a:p>
+        </p:txBody>
+      </p:sp>
+      <p:sp>
+        <p:nvSpPr>
+          <p:cNvPr id="2" name="TextBox 1"/>
+          <p:cNvSpPr txBox="1"/>
+          <p:nvPr/>
+        </p:nvSpPr>
+        <p:spPr>
+          <a:xfrm>
+            <a:off x="3373461" y="6099730"/>
+            <a:ext cx="4979248" cy="369332"/>
+          </a:xfrm>
+          <a:prstGeom prst="rect">
+            <a:avLst/>
+          </a:prstGeom>
+          <a:noFill/>
+        </p:spPr>
+        <p:txBody>
+          <a:bodyPr wrap="none" rtlCol="0">
+            <a:spAutoFit/>
+          </a:bodyPr>
+          <a:lstStyle/>
+          <a:p>
+            <a:pPr algn="ctr"/>
+            <a:r>
+              <a:rPr lang="es-ES_tradnl" dirty="0" smtClean="0"/>
+              <a:t>Fig. </a:t>
+            </a:r>
+            <a:r>
+              <a:rPr lang="es-ES_tradnl" dirty="0" smtClean="0"/>
+              <a:t>9: Diccionario de datos de tabla Paciente</a:t>
+            </a:r>
+            <a:endParaRPr lang="es-ES_tradnl" dirty="0"/>
+          </a:p>
+        </p:txBody>
+      </p:sp>
+      <p:pic>
+        <p:nvPicPr>
+          <p:cNvPr id="6" name="Picture 2" descr="Resultado de imagen para duoc"/>
+          <p:cNvPicPr>
+            <a:picLocks noChangeAspect="1" noChangeArrowheads="1"/>
+          </p:cNvPicPr>
+          <p:nvPr/>
+        </p:nvPicPr>
+        <p:blipFill rotWithShape="1">
+          <a:blip r:embed="rId2">
+            <a:extLst>
+              <a:ext uri="{28A0092B-C50C-407E-A947-70E740481C1C}">
+                <a14:useLocalDpi xmlns:a14="http://schemas.microsoft.com/office/drawing/2010/main" val="0"/>
+              </a:ext>
+            </a:extLst>
+          </a:blip>
+          <a:srcRect t="13892" r="19022"/>
+          <a:stretch/>
+        </p:blipFill>
+        <p:spPr bwMode="auto">
+          <a:xfrm>
+            <a:off x="9023169" y="378822"/>
+            <a:ext cx="2001883" cy="524910"/>
+          </a:xfrm>
+          <a:prstGeom prst="rect">
+            <a:avLst/>
+          </a:prstGeom>
+          <a:noFill/>
+          <a:extLst>
+            <a:ext uri="{909E8E84-426E-40DD-AFC4-6F175D3DCCD1}">
+              <a14:hiddenFill xmlns:a14="http://schemas.microsoft.com/office/drawing/2010/main">
+                <a:solidFill>
+                  <a:srgbClr val="FFFFFF"/>
+                </a:solidFill>
+              </a14:hiddenFill>
+            </a:ext>
+          </a:extLst>
+        </p:spPr>
+      </p:pic>
+      <p:pic>
+        <p:nvPicPr>
+          <p:cNvPr id="3" name="Imagen 2"/>
+          <p:cNvPicPr>
+            <a:picLocks noChangeAspect="1"/>
+          </p:cNvPicPr>
+          <p:nvPr/>
+        </p:nvPicPr>
+        <p:blipFill>
+          <a:blip r:embed="rId3">
+            <a:extLst>
+              <a:ext uri="{28A0092B-C50C-407E-A947-70E740481C1C}">
+                <a14:useLocalDpi xmlns:a14="http://schemas.microsoft.com/office/drawing/2010/main" val="0"/>
+              </a:ext>
+            </a:extLst>
+          </a:blip>
+          <a:stretch>
+            <a:fillRect/>
+          </a:stretch>
+        </p:blipFill>
+        <p:spPr>
+          <a:xfrm>
+            <a:off x="2479494" y="1775946"/>
+            <a:ext cx="6543675" cy="4257675"/>
+          </a:xfrm>
+          <a:prstGeom prst="rect">
+            <a:avLst/>
+          </a:prstGeom>
+        </p:spPr>
+      </p:pic>
+    </p:spTree>
+    <p:extLst>
+      <p:ext uri="{BB962C8B-B14F-4D97-AF65-F5344CB8AC3E}">
+        <p14:creationId xmlns:p14="http://schemas.microsoft.com/office/powerpoint/2010/main" val="2933652858"/>
+      </p:ext>
+    </p:extLst>
+  </p:cSld>
+  <p:clrMapOvr>
+    <a:masterClrMapping/>
+  </p:clrMapOvr>
+  <mc:AlternateContent xmlns:mc="http://schemas.openxmlformats.org/markup-compatibility/2006" xmlns:p14="http://schemas.microsoft.com/office/powerpoint/2010/main">
+    <mc:Choice Requires="p14">
+      <p:transition p14:dur="150">
+        <p:fade/>
+      </p:transition>
+    </mc:Choice>
+    <mc:Fallback xmlns="">
+      <p:transition>
+        <p:fade/>
+      </p:transition>
+    </mc:Fallback>
+  </mc:AlternateContent>
+  <p:timing>
+    <p:tnLst>
+      <p:par>
+        <p:cTn id="1" dur="indefinite" restart="never" nodeType="tmRoot"/>
+      </p:par>
+    </p:tnLst>
+  </p:timing>
+</p:sld>
+</file>
+
+<file path=ppt/slides/slide19.xml><?xml version="1.0" encoding="utf-8"?>
+<p:sld xmlns:a="http://schemas.openxmlformats.org/drawingml/2006/main" xmlns:r="http://schemas.openxmlformats.org/officeDocument/2006/relationships" xmlns:p="http://schemas.openxmlformats.org/presentationml/2006/main">
+  <p:cSld>
+    <p:spTree>
+      <p:nvGrpSpPr>
+        <p:cNvPr id="1" name=""/>
+        <p:cNvGrpSpPr/>
+        <p:nvPr/>
+      </p:nvGrpSpPr>
+      <p:grpSpPr>
+        <a:xfrm>
+          <a:off x="0" y="0"/>
+          <a:ext cx="0" cy="0"/>
+          <a:chOff x="0" y="0"/>
+          <a:chExt cx="0" cy="0"/>
+        </a:xfrm>
+      </p:grpSpPr>
+      <p:sp>
+        <p:nvSpPr>
+          <p:cNvPr id="2" name="Title 1"/>
+          <p:cNvSpPr>
+            <a:spLocks noGrp="1"/>
+          </p:cNvSpPr>
+          <p:nvPr>
+            <p:ph type="title"/>
+          </p:nvPr>
+        </p:nvSpPr>
+        <p:spPr/>
+        <p:txBody>
+          <a:bodyPr/>
+          <a:lstStyle/>
+          <a:p>
+            <a:r>
+              <a:rPr lang="es-ES_tradnl" dirty="0" smtClean="0"/>
+              <a:t>Modelo de clases</a:t>
+            </a:r>
+            <a:endParaRPr lang="es-ES_tradnl" dirty="0"/>
+          </a:p>
+        </p:txBody>
+      </p:sp>
+      <p:sp>
+        <p:nvSpPr>
+          <p:cNvPr id="4" name="Slide Number Placeholder 3"/>
+          <p:cNvSpPr>
+            <a:spLocks noGrp="1"/>
+          </p:cNvSpPr>
+          <p:nvPr>
+            <p:ph type="sldNum" sz="quarter" idx="12"/>
+          </p:nvPr>
+        </p:nvSpPr>
+        <p:spPr/>
+        <p:txBody>
+          <a:bodyPr>
+            <a:normAutofit lnSpcReduction="10000"/>
+          </a:bodyPr>
+          <a:lstStyle/>
+          <a:p>
+            <a:fld id="{66B77C49-310C-4D67-A641-7D2CCF3E3B8A}" type="slidenum">
+              <a:rPr lang="es-ES_tradnl" smtClean="0"/>
+              <a:t>18</a:t>
             </a:fld>
             <a:endParaRPr lang="es-ES_tradnl" dirty="0"/>
           </a:p>
@@ -11733,7 +11521,7 @@
         </p:blipFill>
         <p:spPr>
           <a:xfrm>
-            <a:off x="1261872" y="2035459"/>
+            <a:off x="1581721" y="2035459"/>
             <a:ext cx="4526471" cy="3929502"/>
           </a:xfrm>
           <a:prstGeom prst="rect">
@@ -11762,7 +11550,7 @@
         </p:blipFill>
         <p:spPr>
           <a:xfrm>
-            <a:off x="7624666" y="1775946"/>
+            <a:off x="7421466" y="1775946"/>
             <a:ext cx="1795988" cy="2224264"/>
           </a:xfrm>
           <a:prstGeom prst="rect">
@@ -11792,7 +11580,7 @@
         </p:blipFill>
         <p:spPr>
           <a:xfrm>
-            <a:off x="7620560" y="4250267"/>
+            <a:off x="7417360" y="4250267"/>
             <a:ext cx="1800094" cy="1714694"/>
           </a:xfrm>
           <a:prstGeom prst="rect">
@@ -11832,7 +11620,7 @@
 </p:sld>
 </file>
 
-<file path=ppt/slides/slide19.xml><?xml version="1.0" encoding="utf-8"?>
+<file path=ppt/slides/slide2.xml><?xml version="1.0" encoding="utf-8"?>
 <p:sld xmlns:a="http://schemas.openxmlformats.org/drawingml/2006/main" xmlns:r="http://schemas.openxmlformats.org/officeDocument/2006/relationships" xmlns:p="http://schemas.openxmlformats.org/presentationml/2006/main">
   <p:cSld>
     <p:spTree>
@@ -11865,10 +11653,104 @@
           <a:lstStyle/>
           <a:p>
             <a:r>
-              <a:rPr lang="es-ES_tradnl" dirty="0" smtClean="0"/>
-              <a:t>Modelo de clases</a:t>
-            </a:r>
-            <a:endParaRPr lang="es-ES_tradnl" dirty="0"/>
+              <a:rPr lang="en-US" dirty="0" smtClean="0"/>
+              <a:t>Agenda</a:t>
+            </a:r>
+            <a:endParaRPr lang="en-US" dirty="0"/>
+          </a:p>
+        </p:txBody>
+      </p:sp>
+      <p:sp>
+        <p:nvSpPr>
+          <p:cNvPr id="3" name="Content Placeholder 2"/>
+          <p:cNvSpPr>
+            <a:spLocks noGrp="1"/>
+          </p:cNvSpPr>
+          <p:nvPr>
+            <p:ph idx="1"/>
+          </p:nvPr>
+        </p:nvSpPr>
+        <p:spPr/>
+        <p:txBody>
+          <a:bodyPr>
+            <a:normAutofit fontScale="92500" lnSpcReduction="10000"/>
+          </a:bodyPr>
+          <a:lstStyle/>
+          <a:p>
+            <a:r>
+              <a:rPr lang="es-ES_tradnl" sz="3200" dirty="0" smtClean="0"/>
+              <a:t>Cliente y problemática</a:t>
+            </a:r>
+          </a:p>
+          <a:p>
+            <a:r>
+              <a:rPr lang="es-ES_tradnl" sz="3200" dirty="0" smtClean="0"/>
+              <a:t>Iteración 1: Planificación del proyecto</a:t>
+            </a:r>
+            <a:endParaRPr lang="es-ES_tradnl" sz="3000" dirty="0" smtClean="0"/>
+          </a:p>
+          <a:p>
+            <a:pPr lvl="1"/>
+            <a:r>
+              <a:rPr lang="es-ES_tradnl" sz="3000" dirty="0" smtClean="0"/>
+              <a:t>Alcance</a:t>
+            </a:r>
+          </a:p>
+          <a:p>
+            <a:pPr lvl="1"/>
+            <a:r>
+              <a:rPr lang="es-ES_tradnl" sz="3000" dirty="0" smtClean="0"/>
+              <a:t>Organización del equipo</a:t>
+            </a:r>
+          </a:p>
+          <a:p>
+            <a:pPr lvl="1"/>
+            <a:r>
+              <a:rPr lang="es-ES_tradnl" sz="3000" dirty="0" smtClean="0"/>
+              <a:t>Calendarización y entregables</a:t>
+            </a:r>
+            <a:endParaRPr lang="es-ES_tradnl" sz="2800" dirty="0" smtClean="0"/>
+          </a:p>
+          <a:p>
+            <a:r>
+              <a:rPr lang="es-ES_tradnl" sz="3200" dirty="0" smtClean="0"/>
+              <a:t>Iteración 2: Diseño y construcción de </a:t>
+            </a:r>
+            <a:r>
+              <a:rPr lang="es-ES_tradnl" sz="3200" dirty="0" err="1" smtClean="0"/>
+              <a:t>backend</a:t>
+            </a:r>
+            <a:endParaRPr lang="es-ES_tradnl" sz="3200" dirty="0" smtClean="0"/>
+          </a:p>
+          <a:p>
+            <a:pPr lvl="1"/>
+            <a:r>
+              <a:rPr lang="es-ES_tradnl" sz="3000" dirty="0" smtClean="0"/>
+              <a:t>Arquitectura</a:t>
+            </a:r>
+          </a:p>
+          <a:p>
+            <a:pPr lvl="1"/>
+            <a:r>
+              <a:rPr lang="es-ES_tradnl" sz="3000" dirty="0"/>
+              <a:t>Modelo de clases, </a:t>
+            </a:r>
+            <a:r>
+              <a:rPr lang="es-ES_tradnl" sz="3000" dirty="0" smtClean="0"/>
+              <a:t>construcción y </a:t>
+            </a:r>
+            <a:r>
+              <a:rPr lang="es-ES_tradnl" sz="3000" dirty="0" err="1" smtClean="0"/>
+              <a:t>testing</a:t>
+            </a:r>
+            <a:endParaRPr lang="es-ES_tradnl" sz="3000" dirty="0" smtClean="0"/>
+          </a:p>
+          <a:p>
+            <a:pPr lvl="1"/>
+            <a:r>
+              <a:rPr lang="es-ES_tradnl" sz="3000" dirty="0" smtClean="0"/>
+              <a:t>Modelo de datos</a:t>
+            </a:r>
           </a:p>
         </p:txBody>
       </p:sp>
@@ -11890,8 +11772,144 @@
           <a:lstStyle/>
           <a:p>
             <a:fld id="{66B77C49-310C-4D67-A641-7D2CCF3E3B8A}" type="slidenum">
+              <a:rPr lang="es-CL" smtClean="0"/>
+              <a:t>1</a:t>
+            </a:fld>
+            <a:endParaRPr lang="es-CL"/>
+          </a:p>
+        </p:txBody>
+      </p:sp>
+      <p:pic>
+        <p:nvPicPr>
+          <p:cNvPr id="5" name="Picture 2" descr="Resultado de imagen para duoc"/>
+          <p:cNvPicPr>
+            <a:picLocks noChangeAspect="1" noChangeArrowheads="1"/>
+          </p:cNvPicPr>
+          <p:nvPr/>
+        </p:nvPicPr>
+        <p:blipFill rotWithShape="1">
+          <a:blip r:embed="rId3">
+            <a:extLst>
+              <a:ext uri="{28A0092B-C50C-407E-A947-70E740481C1C}">
+                <a14:useLocalDpi xmlns:a14="http://schemas.microsoft.com/office/drawing/2010/main" val="0"/>
+              </a:ext>
+            </a:extLst>
+          </a:blip>
+          <a:srcRect t="13892" r="19022"/>
+          <a:stretch/>
+        </p:blipFill>
+        <p:spPr bwMode="auto">
+          <a:xfrm>
+            <a:off x="9023169" y="378822"/>
+            <a:ext cx="2001883" cy="524910"/>
+          </a:xfrm>
+          <a:prstGeom prst="rect">
+            <a:avLst/>
+          </a:prstGeom>
+          <a:noFill/>
+          <a:extLst>
+            <a:ext uri="{909E8E84-426E-40DD-AFC4-6F175D3DCCD1}">
+              <a14:hiddenFill xmlns:a14="http://schemas.microsoft.com/office/drawing/2010/main">
+                <a:solidFill>
+                  <a:srgbClr val="FFFFFF"/>
+                </a:solidFill>
+              </a14:hiddenFill>
+            </a:ext>
+          </a:extLst>
+        </p:spPr>
+      </p:pic>
+    </p:spTree>
+    <p:extLst>
+      <p:ext uri="{BB962C8B-B14F-4D97-AF65-F5344CB8AC3E}">
+        <p14:creationId xmlns:p14="http://schemas.microsoft.com/office/powerpoint/2010/main" val="1313367284"/>
+      </p:ext>
+    </p:extLst>
+  </p:cSld>
+  <p:clrMapOvr>
+    <a:masterClrMapping/>
+  </p:clrMapOvr>
+  <mc:AlternateContent xmlns:mc="http://schemas.openxmlformats.org/markup-compatibility/2006" xmlns:p14="http://schemas.microsoft.com/office/powerpoint/2010/main">
+    <mc:Choice Requires="p14">
+      <p:transition p14:dur="150">
+        <p:fade/>
+      </p:transition>
+    </mc:Choice>
+    <mc:Fallback xmlns="">
+      <p:transition>
+        <p:fade/>
+      </p:transition>
+    </mc:Fallback>
+  </mc:AlternateContent>
+  <p:timing>
+    <p:tnLst>
+      <p:par>
+        <p:cTn id="1" dur="indefinite" restart="never" nodeType="tmRoot"/>
+      </p:par>
+    </p:tnLst>
+  </p:timing>
+</p:sld>
+</file>
+
+<file path=ppt/slides/slide20.xml><?xml version="1.0" encoding="utf-8"?>
+<p:sld xmlns:a="http://schemas.openxmlformats.org/drawingml/2006/main" xmlns:r="http://schemas.openxmlformats.org/officeDocument/2006/relationships" xmlns:p="http://schemas.openxmlformats.org/presentationml/2006/main">
+  <p:cSld>
+    <p:spTree>
+      <p:nvGrpSpPr>
+        <p:cNvPr id="1" name=""/>
+        <p:cNvGrpSpPr/>
+        <p:nvPr/>
+      </p:nvGrpSpPr>
+      <p:grpSpPr>
+        <a:xfrm>
+          <a:off x="0" y="0"/>
+          <a:ext cx="0" cy="0"/>
+          <a:chOff x="0" y="0"/>
+          <a:chExt cx="0" cy="0"/>
+        </a:xfrm>
+      </p:grpSpPr>
+      <p:sp>
+        <p:nvSpPr>
+          <p:cNvPr id="2" name="Title 1"/>
+          <p:cNvSpPr>
+            <a:spLocks noGrp="1"/>
+          </p:cNvSpPr>
+          <p:nvPr>
+            <p:ph type="title"/>
+          </p:nvPr>
+        </p:nvSpPr>
+        <p:spPr/>
+        <p:txBody>
+          <a:bodyPr/>
+          <a:lstStyle/>
+          <a:p>
+            <a:r>
+              <a:rPr lang="es-ES_tradnl" dirty="0" smtClean="0"/>
+              <a:t>Modelo de clases</a:t>
+            </a:r>
+            <a:endParaRPr lang="es-ES_tradnl" dirty="0"/>
+          </a:p>
+        </p:txBody>
+      </p:sp>
+      <p:sp>
+        <p:nvSpPr>
+          <p:cNvPr id="4" name="Slide Number Placeholder 3"/>
+          <p:cNvSpPr>
+            <a:spLocks noGrp="1"/>
+          </p:cNvSpPr>
+          <p:nvPr>
+            <p:ph type="sldNum" sz="quarter" idx="12"/>
+          </p:nvPr>
+        </p:nvSpPr>
+        <p:spPr/>
+        <p:txBody>
+          <a:bodyPr>
+            <a:normAutofit lnSpcReduction="10000"/>
+          </a:bodyPr>
+          <a:lstStyle/>
+          <a:p>
+            <a:fld id="{66B77C49-310C-4D67-A641-7D2CCF3E3B8A}" type="slidenum">
               <a:rPr lang="es-ES_tradnl" smtClean="0"/>
-              <a:t>18</a:t>
+              <a:t>19</a:t>
             </a:fld>
             <a:endParaRPr lang="es-ES_tradnl" dirty="0"/>
           </a:p>
@@ -11998,7 +12016,7 @@
 </p:sld>
 </file>
 
-<file path=ppt/slides/slide2.xml><?xml version="1.0" encoding="utf-8"?>
+<file path=ppt/slides/slide21.xml><?xml version="1.0" encoding="utf-8"?>
 <p:sld xmlns:a="http://schemas.openxmlformats.org/drawingml/2006/main" xmlns:r="http://schemas.openxmlformats.org/officeDocument/2006/relationships" xmlns:p="http://schemas.openxmlformats.org/presentationml/2006/main">
   <p:cSld>
     <p:spTree>
@@ -12031,104 +12049,14 @@
           <a:lstStyle/>
           <a:p>
             <a:r>
-              <a:rPr lang="en-US" dirty="0" smtClean="0"/>
-              <a:t>Agenda</a:t>
-            </a:r>
-            <a:endParaRPr lang="en-US" dirty="0"/>
-          </a:p>
-        </p:txBody>
-      </p:sp>
-      <p:sp>
-        <p:nvSpPr>
-          <p:cNvPr id="3" name="Content Placeholder 2"/>
-          <p:cNvSpPr>
-            <a:spLocks noGrp="1"/>
-          </p:cNvSpPr>
-          <p:nvPr>
-            <p:ph idx="1"/>
-          </p:nvPr>
-        </p:nvSpPr>
-        <p:spPr/>
-        <p:txBody>
-          <a:bodyPr>
-            <a:normAutofit fontScale="92500" lnSpcReduction="10000"/>
-          </a:bodyPr>
-          <a:lstStyle/>
-          <a:p>
-            <a:r>
-              <a:rPr lang="es-ES_tradnl" sz="3200" dirty="0" smtClean="0"/>
-              <a:t>Cliente y problemática</a:t>
-            </a:r>
-          </a:p>
-          <a:p>
-            <a:r>
-              <a:rPr lang="es-ES_tradnl" sz="3200" dirty="0" smtClean="0"/>
-              <a:t>Iteración 1: Planificación del proyecto</a:t>
-            </a:r>
-            <a:endParaRPr lang="es-ES_tradnl" sz="3000" dirty="0" smtClean="0"/>
-          </a:p>
-          <a:p>
-            <a:pPr lvl="1"/>
-            <a:r>
-              <a:rPr lang="es-ES_tradnl" sz="3000" dirty="0" smtClean="0"/>
-              <a:t>Alcance</a:t>
-            </a:r>
-          </a:p>
-          <a:p>
-            <a:pPr lvl="1"/>
-            <a:r>
-              <a:rPr lang="es-ES_tradnl" sz="3000" dirty="0" smtClean="0"/>
-              <a:t>Organización del equipo</a:t>
-            </a:r>
-          </a:p>
-          <a:p>
-            <a:pPr lvl="1"/>
-            <a:r>
-              <a:rPr lang="es-ES_tradnl" sz="3000" dirty="0" smtClean="0"/>
-              <a:t>Calendarización y entregables</a:t>
-            </a:r>
-            <a:endParaRPr lang="es-ES_tradnl" sz="2800" dirty="0" smtClean="0"/>
-          </a:p>
-          <a:p>
-            <a:r>
-              <a:rPr lang="es-ES_tradnl" sz="3200" dirty="0" smtClean="0"/>
-              <a:t>Iteración 2: Diseño y construcción de </a:t>
-            </a:r>
-            <a:r>
-              <a:rPr lang="es-ES_tradnl" sz="3200" dirty="0" err="1" smtClean="0"/>
-              <a:t>backend</a:t>
-            </a:r>
-            <a:endParaRPr lang="es-ES_tradnl" sz="3200" dirty="0" smtClean="0"/>
-          </a:p>
-          <a:p>
-            <a:pPr lvl="1"/>
-            <a:r>
-              <a:rPr lang="es-ES_tradnl" sz="3000" dirty="0" smtClean="0"/>
-              <a:t>Arquitectura</a:t>
-            </a:r>
-          </a:p>
-          <a:p>
-            <a:pPr lvl="1"/>
-            <a:r>
-              <a:rPr lang="es-ES_tradnl" sz="3000" dirty="0"/>
-              <a:t>Modelo de clases, </a:t>
-            </a:r>
-            <a:r>
-              <a:rPr lang="es-ES_tradnl" sz="3000" dirty="0" smtClean="0"/>
-              <a:t>construcción y </a:t>
-            </a:r>
-            <a:r>
-              <a:rPr lang="es-ES_tradnl" sz="3000" dirty="0" err="1" smtClean="0"/>
+              <a:rPr lang="es-ES_tradnl" dirty="0" smtClean="0"/>
+              <a:t>Metodología orientada a </a:t>
+            </a:r>
+            <a:r>
+              <a:rPr lang="es-ES_tradnl" dirty="0" err="1" smtClean="0"/>
               <a:t>testing</a:t>
             </a:r>
-            <a:endParaRPr lang="es-ES_tradnl" sz="3000" dirty="0" smtClean="0"/>
-          </a:p>
-          <a:p>
-            <a:pPr lvl="1"/>
-            <a:r>
-              <a:rPr lang="es-ES_tradnl" sz="3000" dirty="0" smtClean="0"/>
-              <a:t>Modelo de datos</a:t>
-            </a:r>
+            <a:endParaRPr lang="es-ES_tradnl" dirty="0"/>
           </a:p>
         </p:txBody>
       </p:sp>
@@ -12150,148 +12078,8 @@
           <a:lstStyle/>
           <a:p>
             <a:fld id="{66B77C49-310C-4D67-A641-7D2CCF3E3B8A}" type="slidenum">
-              <a:rPr lang="es-CL" smtClean="0"/>
-              <a:t>1</a:t>
-            </a:fld>
-            <a:endParaRPr lang="es-CL"/>
-          </a:p>
-        </p:txBody>
-      </p:sp>
-      <p:pic>
-        <p:nvPicPr>
-          <p:cNvPr id="5" name="Picture 2" descr="Resultado de imagen para duoc"/>
-          <p:cNvPicPr>
-            <a:picLocks noChangeAspect="1" noChangeArrowheads="1"/>
-          </p:cNvPicPr>
-          <p:nvPr/>
-        </p:nvPicPr>
-        <p:blipFill rotWithShape="1">
-          <a:blip r:embed="rId3">
-            <a:extLst>
-              <a:ext uri="{28A0092B-C50C-407E-A947-70E740481C1C}">
-                <a14:useLocalDpi xmlns:a14="http://schemas.microsoft.com/office/drawing/2010/main" val="0"/>
-              </a:ext>
-            </a:extLst>
-          </a:blip>
-          <a:srcRect t="13892" r="19022"/>
-          <a:stretch/>
-        </p:blipFill>
-        <p:spPr bwMode="auto">
-          <a:xfrm>
-            <a:off x="9023169" y="378822"/>
-            <a:ext cx="2001883" cy="524910"/>
-          </a:xfrm>
-          <a:prstGeom prst="rect">
-            <a:avLst/>
-          </a:prstGeom>
-          <a:noFill/>
-          <a:extLst>
-            <a:ext uri="{909E8E84-426E-40DD-AFC4-6F175D3DCCD1}">
-              <a14:hiddenFill xmlns:a14="http://schemas.microsoft.com/office/drawing/2010/main">
-                <a:solidFill>
-                  <a:srgbClr val="FFFFFF"/>
-                </a:solidFill>
-              </a14:hiddenFill>
-            </a:ext>
-          </a:extLst>
-        </p:spPr>
-      </p:pic>
-    </p:spTree>
-    <p:extLst>
-      <p:ext uri="{BB962C8B-B14F-4D97-AF65-F5344CB8AC3E}">
-        <p14:creationId xmlns:p14="http://schemas.microsoft.com/office/powerpoint/2010/main" val="1313367284"/>
-      </p:ext>
-    </p:extLst>
-  </p:cSld>
-  <p:clrMapOvr>
-    <a:masterClrMapping/>
-  </p:clrMapOvr>
-  <mc:AlternateContent xmlns:mc="http://schemas.openxmlformats.org/markup-compatibility/2006" xmlns:p14="http://schemas.microsoft.com/office/powerpoint/2010/main">
-    <mc:Choice Requires="p14">
-      <p:transition p14:dur="150">
-        <p:fade/>
-      </p:transition>
-    </mc:Choice>
-    <mc:Fallback xmlns="">
-      <p:transition>
-        <p:fade/>
-      </p:transition>
-    </mc:Fallback>
-  </mc:AlternateContent>
-  <p:timing>
-    <p:tnLst>
-      <p:par>
-        <p:cTn id="1" dur="indefinite" restart="never" nodeType="tmRoot"/>
-      </p:par>
-    </p:tnLst>
-  </p:timing>
-</p:sld>
-</file>
-
-<file path=ppt/slides/slide20.xml><?xml version="1.0" encoding="utf-8"?>
-<p:sld xmlns:a="http://schemas.openxmlformats.org/drawingml/2006/main" xmlns:r="http://schemas.openxmlformats.org/officeDocument/2006/relationships" xmlns:p="http://schemas.openxmlformats.org/presentationml/2006/main">
-  <p:cSld>
-    <p:spTree>
-      <p:nvGrpSpPr>
-        <p:cNvPr id="1" name=""/>
-        <p:cNvGrpSpPr/>
-        <p:nvPr/>
-      </p:nvGrpSpPr>
-      <p:grpSpPr>
-        <a:xfrm>
-          <a:off x="0" y="0"/>
-          <a:ext cx="0" cy="0"/>
-          <a:chOff x="0" y="0"/>
-          <a:chExt cx="0" cy="0"/>
-        </a:xfrm>
-      </p:grpSpPr>
-      <p:sp>
-        <p:nvSpPr>
-          <p:cNvPr id="2" name="Title 1"/>
-          <p:cNvSpPr>
-            <a:spLocks noGrp="1"/>
-          </p:cNvSpPr>
-          <p:nvPr>
-            <p:ph type="title"/>
-          </p:nvPr>
-        </p:nvSpPr>
-        <p:spPr/>
-        <p:txBody>
-          <a:bodyPr/>
-          <a:lstStyle/>
-          <a:p>
-            <a:r>
-              <a:rPr lang="es-ES_tradnl" dirty="0" smtClean="0"/>
-              <a:t>Metodología orientada a </a:t>
-            </a:r>
-            <a:r>
-              <a:rPr lang="es-ES_tradnl" dirty="0" err="1" smtClean="0"/>
-              <a:t>testing</a:t>
-            </a:r>
-            <a:endParaRPr lang="es-ES_tradnl" dirty="0"/>
-          </a:p>
-        </p:txBody>
-      </p:sp>
-      <p:sp>
-        <p:nvSpPr>
-          <p:cNvPr id="4" name="Slide Number Placeholder 3"/>
-          <p:cNvSpPr>
-            <a:spLocks noGrp="1"/>
-          </p:cNvSpPr>
-          <p:nvPr>
-            <p:ph type="sldNum" sz="quarter" idx="12"/>
-          </p:nvPr>
-        </p:nvSpPr>
-        <p:spPr/>
-        <p:txBody>
-          <a:bodyPr>
-            <a:normAutofit lnSpcReduction="10000"/>
-          </a:bodyPr>
-          <a:lstStyle/>
-          <a:p>
-            <a:fld id="{66B77C49-310C-4D67-A641-7D2CCF3E3B8A}" type="slidenum">
               <a:rPr lang="es-ES_tradnl" smtClean="0"/>
-              <a:t>19</a:t>
+              <a:t>20</a:t>
             </a:fld>
             <a:endParaRPr lang="es-ES_tradnl" dirty="0"/>
           </a:p>
@@ -12390,7 +12178,7 @@
 </p:sld>
 </file>
 
-<file path=ppt/slides/slide21.xml><?xml version="1.0" encoding="utf-8"?>
+<file path=ppt/slides/slide22.xml><?xml version="1.0" encoding="utf-8"?>
 <p:sld xmlns:a="http://schemas.openxmlformats.org/drawingml/2006/main" xmlns:r="http://schemas.openxmlformats.org/officeDocument/2006/relationships" xmlns:p="http://schemas.openxmlformats.org/presentationml/2006/main">
   <p:cSld>
     <p:spTree>
@@ -12469,7 +12257,7 @@
           <a:p>
             <a:fld id="{66B77C49-310C-4D67-A641-7D2CCF3E3B8A}" type="slidenum">
               <a:rPr lang="es-CL" smtClean="0"/>
-              <a:t>20</a:t>
+              <a:t>21</a:t>
             </a:fld>
             <a:endParaRPr lang="es-CL"/>
           </a:p>

--- a/presentación segunda iteración.pptx
+++ b/presentación segunda iteración.pptx
@@ -1190,6 +1190,429 @@
       <dsp:cNvGrpSpPr/>
     </dsp:nvGrpSpPr>
     <dsp:grpSpPr/>
+    <dsp:sp modelId="{C76C1348-8C62-49B3-ABA8-46DE86A2A3CA}">
+      <dsp:nvSpPr>
+        <dsp:cNvPr id="0" name=""/>
+        <dsp:cNvSpPr/>
+      </dsp:nvSpPr>
+      <dsp:spPr>
+        <a:xfrm>
+          <a:off x="2534384" y="421329"/>
+          <a:ext cx="2130147" cy="2130147"/>
+        </a:xfrm>
+        <a:prstGeom prst="ellipse">
+          <a:avLst/>
+        </a:prstGeom>
+        <a:solidFill>
+          <a:srgbClr val="FF0000"/>
+        </a:solidFill>
+        <a:ln w="13970" cap="flat" cmpd="sng" algn="ctr">
+          <a:solidFill>
+            <a:schemeClr val="lt1">
+              <a:hueOff val="0"/>
+              <a:satOff val="0"/>
+              <a:lumOff val="0"/>
+              <a:alphaOff val="0"/>
+            </a:schemeClr>
+          </a:solidFill>
+          <a:prstDash val="solid"/>
+        </a:ln>
+        <a:effectLst/>
+      </dsp:spPr>
+      <dsp:style>
+        <a:lnRef idx="2">
+          <a:scrgbClr r="0" g="0" b="0"/>
+        </a:lnRef>
+        <a:fillRef idx="1">
+          <a:scrgbClr r="0" g="0" b="0"/>
+        </a:fillRef>
+        <a:effectRef idx="0">
+          <a:scrgbClr r="0" g="0" b="0"/>
+        </a:effectRef>
+        <a:fontRef idx="minor">
+          <a:schemeClr val="lt1"/>
+        </a:fontRef>
+      </dsp:style>
+      <dsp:txBody>
+        <a:bodyPr spcFirstLastPara="0" vert="horz" wrap="square" lIns="25400" tIns="25400" rIns="25400" bIns="25400" numCol="1" spcCol="1270" anchor="ctr" anchorCtr="0">
+          <a:noAutofit/>
+        </a:bodyPr>
+        <a:lstStyle/>
+        <a:p>
+          <a:pPr lvl="0" algn="ctr" defTabSz="889000">
+            <a:lnSpc>
+              <a:spcPct val="90000"/>
+            </a:lnSpc>
+            <a:spcBef>
+              <a:spcPct val="0"/>
+            </a:spcBef>
+            <a:spcAft>
+              <a:spcPct val="35000"/>
+            </a:spcAft>
+          </a:pPr>
+          <a:r>
+            <a:rPr lang="es-CL" sz="2000" kern="1200" dirty="0" smtClean="0"/>
+            <a:t>Test falla</a:t>
+          </a:r>
+          <a:endParaRPr lang="es-CL" sz="2000" kern="1200" dirty="0"/>
+        </a:p>
+      </dsp:txBody>
+      <dsp:txXfrm>
+        <a:off x="2846337" y="733282"/>
+        <a:ext cx="1506241" cy="1506241"/>
+      </dsp:txXfrm>
+    </dsp:sp>
+    <dsp:sp modelId="{C2AAD9A6-BC90-4D96-8982-800C7083F0C6}">
+      <dsp:nvSpPr>
+        <dsp:cNvPr id="0" name=""/>
+        <dsp:cNvSpPr/>
+      </dsp:nvSpPr>
+      <dsp:spPr>
+        <a:xfrm rot="3002127">
+          <a:off x="4327117" y="2291216"/>
+          <a:ext cx="496114" cy="718924"/>
+        </a:xfrm>
+        <a:prstGeom prst="rightArrow">
+          <a:avLst>
+            <a:gd name="adj1" fmla="val 60000"/>
+            <a:gd name="adj2" fmla="val 50000"/>
+          </a:avLst>
+        </a:prstGeom>
+        <a:solidFill>
+          <a:schemeClr val="accent1">
+            <a:tint val="60000"/>
+            <a:hueOff val="0"/>
+            <a:satOff val="0"/>
+            <a:lumOff val="0"/>
+            <a:alphaOff val="0"/>
+          </a:schemeClr>
+        </a:solidFill>
+        <a:ln>
+          <a:noFill/>
+        </a:ln>
+        <a:effectLst/>
+      </dsp:spPr>
+      <dsp:style>
+        <a:lnRef idx="0">
+          <a:scrgbClr r="0" g="0" b="0"/>
+        </a:lnRef>
+        <a:fillRef idx="1">
+          <a:scrgbClr r="0" g="0" b="0"/>
+        </a:fillRef>
+        <a:effectRef idx="0">
+          <a:scrgbClr r="0" g="0" b="0"/>
+        </a:effectRef>
+        <a:fontRef idx="minor">
+          <a:schemeClr val="lt1"/>
+        </a:fontRef>
+      </dsp:style>
+      <dsp:txBody>
+        <a:bodyPr spcFirstLastPara="0" vert="horz" wrap="square" lIns="0" tIns="0" rIns="0" bIns="0" numCol="1" spcCol="1270" anchor="ctr" anchorCtr="0">
+          <a:noAutofit/>
+        </a:bodyPr>
+        <a:lstStyle/>
+        <a:p>
+          <a:pPr lvl="0" algn="ctr" defTabSz="1377950">
+            <a:lnSpc>
+              <a:spcPct val="90000"/>
+            </a:lnSpc>
+            <a:spcBef>
+              <a:spcPct val="0"/>
+            </a:spcBef>
+            <a:spcAft>
+              <a:spcPct val="35000"/>
+            </a:spcAft>
+          </a:pPr>
+          <a:endParaRPr lang="es-CL" sz="3100" kern="1200"/>
+        </a:p>
+      </dsp:txBody>
+      <dsp:txXfrm>
+        <a:off x="4353735" y="2377965"/>
+        <a:ext cx="347280" cy="431354"/>
+      </dsp:txXfrm>
+    </dsp:sp>
+    <dsp:sp modelId="{06F5E886-E7D3-456B-8D24-E4CA36151A7B}">
+      <dsp:nvSpPr>
+        <dsp:cNvPr id="0" name=""/>
+        <dsp:cNvSpPr/>
+      </dsp:nvSpPr>
+      <dsp:spPr>
+        <a:xfrm>
+          <a:off x="4503854" y="2771404"/>
+          <a:ext cx="2130147" cy="2130147"/>
+        </a:xfrm>
+        <a:prstGeom prst="ellipse">
+          <a:avLst/>
+        </a:prstGeom>
+        <a:solidFill>
+          <a:srgbClr val="00B050"/>
+        </a:solidFill>
+        <a:ln w="13970" cap="flat" cmpd="sng" algn="ctr">
+          <a:solidFill>
+            <a:schemeClr val="lt1">
+              <a:hueOff val="0"/>
+              <a:satOff val="0"/>
+              <a:lumOff val="0"/>
+              <a:alphaOff val="0"/>
+            </a:schemeClr>
+          </a:solidFill>
+          <a:prstDash val="solid"/>
+        </a:ln>
+        <a:effectLst/>
+      </dsp:spPr>
+      <dsp:style>
+        <a:lnRef idx="2">
+          <a:scrgbClr r="0" g="0" b="0"/>
+        </a:lnRef>
+        <a:fillRef idx="1">
+          <a:scrgbClr r="0" g="0" b="0"/>
+        </a:fillRef>
+        <a:effectRef idx="0">
+          <a:scrgbClr r="0" g="0" b="0"/>
+        </a:effectRef>
+        <a:fontRef idx="minor">
+          <a:schemeClr val="lt1"/>
+        </a:fontRef>
+      </dsp:style>
+      <dsp:txBody>
+        <a:bodyPr spcFirstLastPara="0" vert="horz" wrap="square" lIns="25400" tIns="25400" rIns="25400" bIns="25400" numCol="1" spcCol="1270" anchor="ctr" anchorCtr="0">
+          <a:noAutofit/>
+        </a:bodyPr>
+        <a:lstStyle/>
+        <a:p>
+          <a:pPr lvl="0" algn="ctr" defTabSz="889000">
+            <a:lnSpc>
+              <a:spcPct val="90000"/>
+            </a:lnSpc>
+            <a:spcBef>
+              <a:spcPct val="0"/>
+            </a:spcBef>
+            <a:spcAft>
+              <a:spcPct val="35000"/>
+            </a:spcAft>
+          </a:pPr>
+          <a:r>
+            <a:rPr lang="es-CL" sz="2000" kern="1200" dirty="0" smtClean="0"/>
+            <a:t>Test funciona</a:t>
+          </a:r>
+          <a:endParaRPr lang="es-CL" sz="2000" kern="1200" dirty="0"/>
+        </a:p>
+      </dsp:txBody>
+      <dsp:txXfrm>
+        <a:off x="4815807" y="3083357"/>
+        <a:ext cx="1506241" cy="1506241"/>
+      </dsp:txXfrm>
+    </dsp:sp>
+    <dsp:sp modelId="{8CB5DCE5-D772-494C-8EF7-F1A91BF218AB}">
+      <dsp:nvSpPr>
+        <dsp:cNvPr id="0" name=""/>
+        <dsp:cNvSpPr/>
+      </dsp:nvSpPr>
+      <dsp:spPr>
+        <a:xfrm rot="10800007">
+          <a:off x="3077778" y="3477011"/>
+          <a:ext cx="1007760" cy="718924"/>
+        </a:xfrm>
+        <a:prstGeom prst="rightArrow">
+          <a:avLst>
+            <a:gd name="adj1" fmla="val 60000"/>
+            <a:gd name="adj2" fmla="val 50000"/>
+          </a:avLst>
+        </a:prstGeom>
+        <a:solidFill>
+          <a:schemeClr val="accent1">
+            <a:tint val="60000"/>
+            <a:hueOff val="0"/>
+            <a:satOff val="0"/>
+            <a:lumOff val="0"/>
+            <a:alphaOff val="0"/>
+          </a:schemeClr>
+        </a:solidFill>
+        <a:ln>
+          <a:noFill/>
+        </a:ln>
+        <a:effectLst/>
+      </dsp:spPr>
+      <dsp:style>
+        <a:lnRef idx="0">
+          <a:scrgbClr r="0" g="0" b="0"/>
+        </a:lnRef>
+        <a:fillRef idx="1">
+          <a:scrgbClr r="0" g="0" b="0"/>
+        </a:fillRef>
+        <a:effectRef idx="0">
+          <a:scrgbClr r="0" g="0" b="0"/>
+        </a:effectRef>
+        <a:fontRef idx="minor">
+          <a:schemeClr val="lt1"/>
+        </a:fontRef>
+      </dsp:style>
+      <dsp:txBody>
+        <a:bodyPr spcFirstLastPara="0" vert="horz" wrap="square" lIns="0" tIns="0" rIns="0" bIns="0" numCol="1" spcCol="1270" anchor="ctr" anchorCtr="0">
+          <a:noAutofit/>
+        </a:bodyPr>
+        <a:lstStyle/>
+        <a:p>
+          <a:pPr lvl="0" algn="ctr" defTabSz="1377950">
+            <a:lnSpc>
+              <a:spcPct val="90000"/>
+            </a:lnSpc>
+            <a:spcBef>
+              <a:spcPct val="0"/>
+            </a:spcBef>
+            <a:spcAft>
+              <a:spcPct val="35000"/>
+            </a:spcAft>
+          </a:pPr>
+          <a:endParaRPr lang="es-CL" sz="3100" kern="1200"/>
+        </a:p>
+      </dsp:txBody>
+      <dsp:txXfrm rot="10800000">
+        <a:off x="3293455" y="3620796"/>
+        <a:ext cx="792083" cy="431354"/>
+      </dsp:txXfrm>
+    </dsp:sp>
+    <dsp:sp modelId="{C7176718-3917-479F-9504-34D548C915B5}">
+      <dsp:nvSpPr>
+        <dsp:cNvPr id="0" name=""/>
+        <dsp:cNvSpPr/>
+      </dsp:nvSpPr>
+      <dsp:spPr>
+        <a:xfrm>
+          <a:off x="472272" y="2771395"/>
+          <a:ext cx="2130147" cy="2130147"/>
+        </a:xfrm>
+        <a:prstGeom prst="ellipse">
+          <a:avLst/>
+        </a:prstGeom>
+        <a:solidFill>
+          <a:srgbClr val="7030A0"/>
+        </a:solidFill>
+        <a:ln w="13970" cap="flat" cmpd="sng" algn="ctr">
+          <a:solidFill>
+            <a:schemeClr val="lt1">
+              <a:hueOff val="0"/>
+              <a:satOff val="0"/>
+              <a:lumOff val="0"/>
+              <a:alphaOff val="0"/>
+            </a:schemeClr>
+          </a:solidFill>
+          <a:prstDash val="solid"/>
+        </a:ln>
+        <a:effectLst/>
+      </dsp:spPr>
+      <dsp:style>
+        <a:lnRef idx="2">
+          <a:scrgbClr r="0" g="0" b="0"/>
+        </a:lnRef>
+        <a:fillRef idx="1">
+          <a:scrgbClr r="0" g="0" b="0"/>
+        </a:fillRef>
+        <a:effectRef idx="0">
+          <a:scrgbClr r="0" g="0" b="0"/>
+        </a:effectRef>
+        <a:fontRef idx="minor">
+          <a:schemeClr val="lt1"/>
+        </a:fontRef>
+      </dsp:style>
+      <dsp:txBody>
+        <a:bodyPr spcFirstLastPara="0" vert="horz" wrap="square" lIns="25400" tIns="25400" rIns="25400" bIns="25400" numCol="1" spcCol="1270" anchor="ctr" anchorCtr="0">
+          <a:noAutofit/>
+        </a:bodyPr>
+        <a:lstStyle/>
+        <a:p>
+          <a:pPr lvl="0" algn="ctr" defTabSz="889000">
+            <a:lnSpc>
+              <a:spcPct val="90000"/>
+            </a:lnSpc>
+            <a:spcBef>
+              <a:spcPct val="0"/>
+            </a:spcBef>
+            <a:spcAft>
+              <a:spcPct val="35000"/>
+            </a:spcAft>
+          </a:pPr>
+          <a:r>
+            <a:rPr lang="es-CL" sz="2000" kern="1200" dirty="0" smtClean="0"/>
+            <a:t>Refactorizar</a:t>
+          </a:r>
+          <a:endParaRPr lang="es-CL" sz="2000" kern="1200" dirty="0"/>
+        </a:p>
+      </dsp:txBody>
+      <dsp:txXfrm>
+        <a:off x="784225" y="3083348"/>
+        <a:ext cx="1506241" cy="1506241"/>
+      </dsp:txXfrm>
+    </dsp:sp>
+    <dsp:sp modelId="{37311926-2A8B-4C4C-A44C-204F5F0FD710}">
+      <dsp:nvSpPr>
+        <dsp:cNvPr id="0" name=""/>
+        <dsp:cNvSpPr/>
+      </dsp:nvSpPr>
+      <dsp:spPr>
+        <a:xfrm rot="18675958">
+          <a:off x="2294506" y="2313208"/>
+          <a:ext cx="528076" cy="718924"/>
+        </a:xfrm>
+        <a:prstGeom prst="rightArrow">
+          <a:avLst>
+            <a:gd name="adj1" fmla="val 60000"/>
+            <a:gd name="adj2" fmla="val 50000"/>
+          </a:avLst>
+        </a:prstGeom>
+        <a:solidFill>
+          <a:schemeClr val="accent1">
+            <a:tint val="60000"/>
+            <a:hueOff val="0"/>
+            <a:satOff val="0"/>
+            <a:lumOff val="0"/>
+            <a:alphaOff val="0"/>
+          </a:schemeClr>
+        </a:solidFill>
+        <a:ln>
+          <a:noFill/>
+        </a:ln>
+        <a:effectLst/>
+      </dsp:spPr>
+      <dsp:style>
+        <a:lnRef idx="0">
+          <a:scrgbClr r="0" g="0" b="0"/>
+        </a:lnRef>
+        <a:fillRef idx="1">
+          <a:scrgbClr r="0" g="0" b="0"/>
+        </a:fillRef>
+        <a:effectRef idx="0">
+          <a:scrgbClr r="0" g="0" b="0"/>
+        </a:effectRef>
+        <a:fontRef idx="minor">
+          <a:schemeClr val="lt1"/>
+        </a:fontRef>
+      </dsp:style>
+      <dsp:txBody>
+        <a:bodyPr spcFirstLastPara="0" vert="horz" wrap="square" lIns="0" tIns="0" rIns="0" bIns="0" numCol="1" spcCol="1270" anchor="ctr" anchorCtr="0">
+          <a:noAutofit/>
+        </a:bodyPr>
+        <a:lstStyle/>
+        <a:p>
+          <a:pPr lvl="0" algn="ctr" defTabSz="1377950">
+            <a:lnSpc>
+              <a:spcPct val="90000"/>
+            </a:lnSpc>
+            <a:spcBef>
+              <a:spcPct val="0"/>
+            </a:spcBef>
+            <a:spcAft>
+              <a:spcPct val="35000"/>
+            </a:spcAft>
+          </a:pPr>
+          <a:endParaRPr lang="es-CL" sz="3100" kern="1200"/>
+        </a:p>
+      </dsp:txBody>
+      <dsp:txXfrm>
+        <a:off x="2321473" y="2516533"/>
+        <a:ext cx="369653" cy="431354"/>
+      </dsp:txXfrm>
+    </dsp:sp>
   </dsp:spTree>
 </dsp:drawing>
 </file>
@@ -4028,11 +4451,7 @@
             </a:pPr>
             <a:r>
               <a:rPr lang="es-CL" dirty="0" smtClean="0"/>
-              <a:t>UI</a:t>
-            </a:r>
-            <a:r>
-              <a:rPr lang="es-CL" dirty="0" smtClean="0"/>
-              <a:t>: </a:t>
+              <a:t>UI: </a:t>
             </a:r>
             <a:r>
               <a:rPr lang="es-CL" dirty="0" err="1" smtClean="0"/>
@@ -4040,15 +4459,7 @@
             </a:r>
             <a:r>
               <a:rPr lang="es-CL" dirty="0" smtClean="0"/>
-              <a:t> </a:t>
-            </a:r>
-            <a:r>
-              <a:rPr lang="es-CL" dirty="0" smtClean="0"/>
-              <a:t>Interface: no implementado. Contiene la lógica de la interfaz de usuario y las validaciones del lado del cliente</a:t>
-            </a:r>
-            <a:r>
-              <a:rPr lang="es-CL" dirty="0" smtClean="0"/>
-              <a:t>.</a:t>
+              <a:t> Interface: no implementado. Contiene la lógica de la interfaz de usuario y las validaciones del lado del cliente.</a:t>
             </a:r>
           </a:p>
           <a:p>
@@ -4064,7 +4475,6 @@
               <a:rPr lang="es-CL" dirty="0" smtClean="0"/>
               <a:t>: Pruebas de la capa de negocio</a:t>
             </a:r>
-            <a:endParaRPr lang="es-CL" dirty="0" smtClean="0"/>
           </a:p>
           <a:p>
             <a:endParaRPr lang="es-CL" dirty="0"/>
@@ -10724,32 +11134,15 @@
       </p:pic>
       <p:pic>
         <p:nvPicPr>
-          <p:cNvPr id="13" name="Imagen 12"/>
+          <p:cNvPr id="14" name="Imagen 13"/>
           <p:cNvPicPr>
             <a:picLocks noChangeAspect="1"/>
           </p:cNvPicPr>
           <p:nvPr/>
         </p:nvPicPr>
         <p:blipFill rotWithShape="1">
-          <a:blip r:embed="rId8" cstate="print">
+          <a:blip r:embed="rId7" cstate="print">
             <a:extLst>
-              <a:ext uri="{BEBA8EAE-BF5A-486C-A8C5-ECC9F3942E4B}">
-                <a14:imgProps xmlns:a14="http://schemas.microsoft.com/office/drawing/2010/main">
-                  <a14:imgLayer r:embed="rId9">
-                    <a14:imgEffect>
-                      <a14:backgroundRemoval t="10000" b="90000" l="5217" r="97826">
-                        <a14:foregroundMark x1="42174" y1="42174" x2="42174" y2="42174"/>
-                        <a14:foregroundMark x1="54058" y1="56957" x2="54058" y2="56957"/>
-                        <a14:foregroundMark x1="69130" y1="53043" x2="69130" y2="53043"/>
-                        <a14:foregroundMark x1="80870" y1="46087" x2="80870" y2="46087"/>
-                        <a14:foregroundMark x1="19420" y1="51739" x2="19420" y2="51739"/>
-                        <a14:foregroundMark x1="5362" y1="65217" x2="5362" y2="65217"/>
-                        <a14:foregroundMark x1="97826" y1="36522" x2="97826" y2="36522"/>
-                      </a14:backgroundRemoval>
-                    </a14:imgEffect>
-                  </a14:imgLayer>
-                </a14:imgProps>
-              </a:ext>
               <a:ext uri="{28A0092B-C50C-407E-A947-70E740481C1C}">
                 <a14:useLocalDpi xmlns:a14="http://schemas.microsoft.com/office/drawing/2010/main" val="0"/>
               </a:ext>
@@ -11284,11 +11677,7 @@
             <a:pPr algn="ctr"/>
             <a:r>
               <a:rPr lang="es-ES_tradnl" dirty="0" smtClean="0"/>
-              <a:t>Fig. </a:t>
-            </a:r>
-            <a:r>
-              <a:rPr lang="es-ES_tradnl" dirty="0" smtClean="0"/>
-              <a:t>9: Diccionario de datos de tabla Paciente</a:t>
+              <a:t>Fig. 9: Diccionario de datos de tabla Paciente</a:t>
             </a:r>
             <a:endParaRPr lang="es-ES_tradnl" dirty="0"/>
           </a:p>
@@ -11356,7 +11745,7 @@
         <p:spPr>
           <a:xfrm>
             <a:off x="2479494" y="1775946"/>
-            <a:ext cx="6543675" cy="4257675"/>
+            <a:ext cx="6545973" cy="4257675"/>
           </a:xfrm>
           <a:prstGeom prst="rect">
             <a:avLst/>

--- a/presentación segunda iteración.pptx
+++ b/presentación segunda iteración.pptx
@@ -5,31 +5,32 @@
     <p:sldMasterId id="2147483810" r:id="rId1"/>
   </p:sldMasterIdLst>
   <p:notesMasterIdLst>
-    <p:notesMasterId r:id="rId24"/>
+    <p:notesMasterId r:id="rId25"/>
   </p:notesMasterIdLst>
   <p:sldIdLst>
     <p:sldId id="256" r:id="rId2"/>
     <p:sldId id="258" r:id="rId3"/>
     <p:sldId id="279" r:id="rId4"/>
-    <p:sldId id="280" r:id="rId5"/>
-    <p:sldId id="283" r:id="rId6"/>
-    <p:sldId id="281" r:id="rId7"/>
-    <p:sldId id="284" r:id="rId8"/>
-    <p:sldId id="282" r:id="rId9"/>
-    <p:sldId id="285" r:id="rId10"/>
-    <p:sldId id="286" r:id="rId11"/>
-    <p:sldId id="287" r:id="rId12"/>
-    <p:sldId id="288" r:id="rId13"/>
-    <p:sldId id="289" r:id="rId14"/>
-    <p:sldId id="290" r:id="rId15"/>
-    <p:sldId id="259" r:id="rId16"/>
-    <p:sldId id="273" r:id="rId17"/>
-    <p:sldId id="274" r:id="rId18"/>
-    <p:sldId id="294" r:id="rId19"/>
-    <p:sldId id="261" r:id="rId20"/>
-    <p:sldId id="293" r:id="rId21"/>
-    <p:sldId id="291" r:id="rId22"/>
-    <p:sldId id="277" r:id="rId23"/>
+    <p:sldId id="283" r:id="rId5"/>
+    <p:sldId id="280" r:id="rId6"/>
+    <p:sldId id="295" r:id="rId7"/>
+    <p:sldId id="281" r:id="rId8"/>
+    <p:sldId id="284" r:id="rId9"/>
+    <p:sldId id="282" r:id="rId10"/>
+    <p:sldId id="296" r:id="rId11"/>
+    <p:sldId id="285" r:id="rId12"/>
+    <p:sldId id="297" r:id="rId13"/>
+    <p:sldId id="287" r:id="rId14"/>
+    <p:sldId id="288" r:id="rId15"/>
+    <p:sldId id="289" r:id="rId16"/>
+    <p:sldId id="290" r:id="rId17"/>
+    <p:sldId id="259" r:id="rId18"/>
+    <p:sldId id="273" r:id="rId19"/>
+    <p:sldId id="274" r:id="rId20"/>
+    <p:sldId id="294" r:id="rId21"/>
+    <p:sldId id="293" r:id="rId22"/>
+    <p:sldId id="291" r:id="rId23"/>
+    <p:sldId id="277" r:id="rId24"/>
   </p:sldIdLst>
   <p:sldSz cx="12192000" cy="6858000"/>
   <p:notesSz cx="6858000" cy="9144000"/>
@@ -2944,7 +2945,7 @@
           <a:p>
             <a:fld id="{5F5A3C90-08A7-4C4F-9765-25EF2ADA2C26}" type="datetimeFigureOut">
               <a:rPr lang="es-CL" smtClean="0"/>
-              <a:t>04-11-2016</a:t>
+              <a:t>06-11-16</a:t>
             </a:fld>
             <a:endParaRPr lang="es-CL"/>
           </a:p>
@@ -3103,7 +3104,7 @@
           <a:p>
             <a:fld id="{DF2599EA-3C95-46C0-99A8-B5EBCBCDB69B}" type="slidenum">
               <a:rPr lang="es-CL" smtClean="0"/>
-              <a:t>‹Nº›</a:t>
+              <a:t>‹#›</a:t>
             </a:fld>
             <a:endParaRPr lang="es-CL"/>
           </a:p>
@@ -3378,8 +3379,16 @@
           <a:lstStyle/>
           <a:p>
             <a:r>
-              <a:rPr lang="es-CL" dirty="0" smtClean="0"/>
-              <a:t>El equipo está compuesto por:</a:t>
+              <a:rPr lang="es-CL" sz="1200" b="0" i="0" u="none" strike="noStrike" kern="1200" dirty="0" smtClean="0">
+                <a:solidFill>
+                  <a:schemeClr val="tx1"/>
+                </a:solidFill>
+                <a:effectLst/>
+                <a:latin typeface="+mn-lt"/>
+                <a:ea typeface="+mn-ea"/>
+                <a:cs typeface="+mn-cs"/>
+              </a:rPr>
+              <a:t>Después de las entrevistas con el cliente y la captura de requerimientos nosotros nos dimos cuenta que los principales procesos del negocio son:</a:t>
             </a:r>
           </a:p>
           <a:p>
@@ -3389,7 +3398,7 @@
             </a:pPr>
             <a:r>
               <a:rPr lang="es-CL" dirty="0" smtClean="0"/>
-              <a:t>Fabián Jaque: jefe de proyecto, diseñador de prototipos</a:t>
+              <a:t>Administrar horas agendadas</a:t>
             </a:r>
           </a:p>
           <a:p>
@@ -3399,13 +3408,8 @@
             </a:pPr>
             <a:r>
               <a:rPr lang="es-CL" dirty="0" smtClean="0"/>
-              <a:t>Tomás Muñiz: desarrollador Java e ingeniero de </a:t>
-            </a:r>
-            <a:r>
-              <a:rPr lang="es-CL" dirty="0" err="1" smtClean="0"/>
-              <a:t>testing</a:t>
-            </a:r>
-            <a:endParaRPr lang="es-CL" dirty="0" smtClean="0"/>
+              <a:t>Pagar honorarios de médicos periódicamente</a:t>
+            </a:r>
           </a:p>
           <a:p>
             <a:pPr marL="228600" indent="-228600">
@@ -3414,15 +3418,7 @@
             </a:pPr>
             <a:r>
               <a:rPr lang="es-CL" dirty="0" smtClean="0"/>
-              <a:t>Elías Baeza: ingeniero de </a:t>
-            </a:r>
-            <a:r>
-              <a:rPr lang="es-CL" dirty="0" err="1" smtClean="0"/>
-              <a:t>testing</a:t>
-            </a:r>
-            <a:r>
-              <a:rPr lang="es-CL" dirty="0" smtClean="0"/>
-              <a:t> y encargado de documentación</a:t>
+              <a:t>Mantener fichas médicas de todos los pacientes</a:t>
             </a:r>
           </a:p>
           <a:p>
@@ -3432,7 +3428,7 @@
             </a:pPr>
             <a:r>
               <a:rPr lang="es-CL" dirty="0" smtClean="0"/>
-              <a:t>Gonzalo López: programador Oracle y .NET</a:t>
+              <a:t>Mejorar el acceso a la información al personal médico</a:t>
             </a:r>
           </a:p>
           <a:p>
@@ -3442,19 +3438,28 @@
             </a:pPr>
             <a:r>
               <a:rPr lang="es-CL" dirty="0" smtClean="0"/>
-              <a:t>Pablo de la </a:t>
-            </a:r>
-            <a:r>
-              <a:rPr lang="es-CL" dirty="0" err="1" smtClean="0"/>
-              <a:t>Sotta</a:t>
-            </a:r>
+              <a:t>Mantener las cajas</a:t>
+            </a:r>
+          </a:p>
+          <a:p>
+            <a:pPr marL="228600" indent="-228600">
+              <a:buFont typeface="+mj-lt"/>
+              <a:buAutoNum type="arabicPeriod"/>
+            </a:pPr>
             <a:r>
               <a:rPr lang="es-CL" dirty="0" smtClean="0"/>
-              <a:t>: arquitectura e ingeniero de procesos.</a:t>
-            </a:r>
-          </a:p>
-          <a:p>
-            <a:endParaRPr lang="es-CL" dirty="0" smtClean="0"/>
+              <a:t>Entregar resultados de exámenes a pacientes</a:t>
+            </a:r>
+          </a:p>
+          <a:p>
+            <a:pPr marL="228600" indent="-228600">
+              <a:buFont typeface="+mj-lt"/>
+              <a:buAutoNum type="arabicPeriod"/>
+            </a:pPr>
+            <a:r>
+              <a:rPr lang="es-CL" dirty="0" smtClean="0"/>
+              <a:t>Consultar estado de los seguros de los pacientes</a:t>
+            </a:r>
           </a:p>
           <a:p>
             <a:endParaRPr lang="es-CL" dirty="0"/>
@@ -3478,7 +3483,7 @@
           <a:p>
             <a:fld id="{DF2599EA-3C95-46C0-99A8-B5EBCBCDB69B}" type="slidenum">
               <a:rPr lang="es-CL" smtClean="0"/>
-              <a:t>9</a:t>
+              <a:t>10</a:t>
             </a:fld>
             <a:endParaRPr lang="es-CL"/>
           </a:p>
@@ -3487,7 +3492,7 @@
     </p:spTree>
     <p:extLst>
       <p:ext uri="{BB962C8B-B14F-4D97-AF65-F5344CB8AC3E}">
-        <p14:creationId xmlns:p14="http://schemas.microsoft.com/office/powerpoint/2010/main" val="319376979"/>
+        <p14:creationId xmlns:p14="http://schemas.microsoft.com/office/powerpoint/2010/main" val="496803909"/>
       </p:ext>
     </p:extLst>
   </p:cSld>
@@ -3542,17 +3547,82 @@
           <a:lstStyle/>
           <a:p>
             <a:r>
-              <a:rPr lang="es-CL" sz="1200" b="0" i="0" u="none" strike="noStrike" kern="1200" dirty="0" smtClean="0">
-                <a:solidFill>
-                  <a:schemeClr val="tx1"/>
-                </a:solidFill>
-                <a:effectLst/>
-                <a:latin typeface="+mn-lt"/>
-                <a:ea typeface="+mn-ea"/>
-                <a:cs typeface="+mn-cs"/>
-              </a:rPr>
-              <a:t>El proyecto está siendo desarrollado en tres iteraciones</a:t>
-            </a:r>
+              <a:rPr lang="es-CL" dirty="0" smtClean="0"/>
+              <a:t>El equipo está compuesto por:</a:t>
+            </a:r>
+          </a:p>
+          <a:p>
+            <a:pPr marL="228600" indent="-228600">
+              <a:buFont typeface="+mj-lt"/>
+              <a:buAutoNum type="arabicPeriod"/>
+            </a:pPr>
+            <a:r>
+              <a:rPr lang="es-CL" dirty="0" smtClean="0"/>
+              <a:t>Fabián Jaque: jefe de proyecto, diseñador de prototipos</a:t>
+            </a:r>
+          </a:p>
+          <a:p>
+            <a:pPr marL="228600" indent="-228600">
+              <a:buFont typeface="+mj-lt"/>
+              <a:buAutoNum type="arabicPeriod"/>
+            </a:pPr>
+            <a:r>
+              <a:rPr lang="es-CL" dirty="0" smtClean="0"/>
+              <a:t>Tomás Muñiz: desarrollador Java e ingeniero de </a:t>
+            </a:r>
+            <a:r>
+              <a:rPr lang="es-CL" dirty="0" err="1" smtClean="0"/>
+              <a:t>testing</a:t>
+            </a:r>
+            <a:endParaRPr lang="es-CL" dirty="0" smtClean="0"/>
+          </a:p>
+          <a:p>
+            <a:pPr marL="228600" indent="-228600">
+              <a:buFont typeface="+mj-lt"/>
+              <a:buAutoNum type="arabicPeriod"/>
+            </a:pPr>
+            <a:r>
+              <a:rPr lang="es-CL" dirty="0" smtClean="0"/>
+              <a:t>Elías Baeza: ingeniero de </a:t>
+            </a:r>
+            <a:r>
+              <a:rPr lang="es-CL" dirty="0" err="1" smtClean="0"/>
+              <a:t>testing</a:t>
+            </a:r>
+            <a:r>
+              <a:rPr lang="es-CL" dirty="0" smtClean="0"/>
+              <a:t> y encargado de documentación</a:t>
+            </a:r>
+          </a:p>
+          <a:p>
+            <a:pPr marL="228600" indent="-228600">
+              <a:buFont typeface="+mj-lt"/>
+              <a:buAutoNum type="arabicPeriod"/>
+            </a:pPr>
+            <a:r>
+              <a:rPr lang="es-CL" dirty="0" smtClean="0"/>
+              <a:t>Gonzalo López: programador Oracle y .NET</a:t>
+            </a:r>
+          </a:p>
+          <a:p>
+            <a:pPr marL="228600" indent="-228600">
+              <a:buFont typeface="+mj-lt"/>
+              <a:buAutoNum type="arabicPeriod"/>
+            </a:pPr>
+            <a:r>
+              <a:rPr lang="es-CL" dirty="0" smtClean="0"/>
+              <a:t>Pablo de la </a:t>
+            </a:r>
+            <a:r>
+              <a:rPr lang="es-CL" dirty="0" err="1" smtClean="0"/>
+              <a:t>Sotta</a:t>
+            </a:r>
+            <a:r>
+              <a:rPr lang="es-CL" dirty="0" smtClean="0"/>
+              <a:t>: arquitectura e ingeniero de procesos.</a:t>
+            </a:r>
+          </a:p>
+          <a:p>
             <a:endParaRPr lang="es-CL" dirty="0" smtClean="0"/>
           </a:p>
           <a:p>
@@ -3577,7 +3647,7 @@
           <a:p>
             <a:fld id="{DF2599EA-3C95-46C0-99A8-B5EBCBCDB69B}" type="slidenum">
               <a:rPr lang="es-CL" smtClean="0"/>
-              <a:t>10</a:t>
+              <a:t>11</a:t>
             </a:fld>
             <a:endParaRPr lang="es-CL"/>
           </a:p>
@@ -3586,7 +3656,7 @@
     </p:spTree>
     <p:extLst>
       <p:ext uri="{BB962C8B-B14F-4D97-AF65-F5344CB8AC3E}">
-        <p14:creationId xmlns:p14="http://schemas.microsoft.com/office/powerpoint/2010/main" val="881983479"/>
+        <p14:creationId xmlns:p14="http://schemas.microsoft.com/office/powerpoint/2010/main" val="1387196326"/>
       </p:ext>
     </p:extLst>
   </p:cSld>
@@ -3676,7 +3746,7 @@
           <a:p>
             <a:fld id="{DF2599EA-3C95-46C0-99A8-B5EBCBCDB69B}" type="slidenum">
               <a:rPr lang="es-CL" smtClean="0"/>
-              <a:t>11</a:t>
+              <a:t>12</a:t>
             </a:fld>
             <a:endParaRPr lang="es-CL"/>
           </a:p>
@@ -3685,7 +3755,7 @@
     </p:spTree>
     <p:extLst>
       <p:ext uri="{BB962C8B-B14F-4D97-AF65-F5344CB8AC3E}">
-        <p14:creationId xmlns:p14="http://schemas.microsoft.com/office/powerpoint/2010/main" val="3255276"/>
+        <p14:creationId xmlns:p14="http://schemas.microsoft.com/office/powerpoint/2010/main" val="881983479"/>
       </p:ext>
     </p:extLst>
   </p:cSld>
@@ -3775,7 +3845,7 @@
           <a:p>
             <a:fld id="{DF2599EA-3C95-46C0-99A8-B5EBCBCDB69B}" type="slidenum">
               <a:rPr lang="es-CL" smtClean="0"/>
-              <a:t>12</a:t>
+              <a:t>13</a:t>
             </a:fld>
             <a:endParaRPr lang="es-CL"/>
           </a:p>
@@ -3784,7 +3854,7 @@
     </p:spTree>
     <p:extLst>
       <p:ext uri="{BB962C8B-B14F-4D97-AF65-F5344CB8AC3E}">
-        <p14:creationId xmlns:p14="http://schemas.microsoft.com/office/powerpoint/2010/main" val="2320170151"/>
+        <p14:creationId xmlns:p14="http://schemas.microsoft.com/office/powerpoint/2010/main" val="3255276"/>
       </p:ext>
     </p:extLst>
   </p:cSld>
@@ -3838,27 +3908,19 @@
           <a:bodyPr/>
           <a:lstStyle/>
           <a:p>
-            <a:pPr marL="0" marR="0" lvl="0" indent="0" algn="l" defTabSz="914400" rtl="0" eaLnBrk="1" fontAlgn="auto" latinLnBrk="0" hangingPunct="1">
-              <a:lnSpc>
-                <a:spcPct val="100000"/>
-              </a:lnSpc>
-              <a:spcBef>
-                <a:spcPts val="0"/>
-              </a:spcBef>
-              <a:spcAft>
-                <a:spcPts val="0"/>
-              </a:spcAft>
-              <a:buClrTx/>
-              <a:buSzTx/>
-              <a:buFontTx/>
-              <a:buNone/>
-              <a:tabLst/>
-              <a:defRPr/>
-            </a:pPr>
-            <a:r>
-              <a:rPr lang="es-CL" dirty="0" smtClean="0"/>
-              <a:t>Se hizo una prueba de concepto de la propuesta inicial de arquitectura, cuyos resultados nos mostraron que el tiempo de desarrollo habría sido mucho más largo de lo planificado y por ende el proyecto habría sido más costoso. Siguiendo el procedimiento de control de cambios, creamos un documento RFC para alterar la arquitectura y creamos una más sencilla. El impacto de este cambio en la calendarización del proyecto fue nulo.</a:t>
-            </a:r>
+            <a:r>
+              <a:rPr lang="es-CL" sz="1200" b="0" i="0" u="none" strike="noStrike" kern="1200" dirty="0" smtClean="0">
+                <a:solidFill>
+                  <a:schemeClr val="tx1"/>
+                </a:solidFill>
+                <a:effectLst/>
+                <a:latin typeface="+mn-lt"/>
+                <a:ea typeface="+mn-ea"/>
+                <a:cs typeface="+mn-cs"/>
+              </a:rPr>
+              <a:t>El proyecto está siendo desarrollado en tres iteraciones</a:t>
+            </a:r>
+            <a:endParaRPr lang="es-CL" dirty="0" smtClean="0"/>
           </a:p>
           <a:p>
             <a:endParaRPr lang="es-CL" dirty="0"/>
@@ -3882,7 +3944,7 @@
           <a:p>
             <a:fld id="{DF2599EA-3C95-46C0-99A8-B5EBCBCDB69B}" type="slidenum">
               <a:rPr lang="es-CL" smtClean="0"/>
-              <a:t>13</a:t>
+              <a:t>14</a:t>
             </a:fld>
             <a:endParaRPr lang="es-CL"/>
           </a:p>
@@ -3891,7 +3953,7 @@
     </p:spTree>
     <p:extLst>
       <p:ext uri="{BB962C8B-B14F-4D97-AF65-F5344CB8AC3E}">
-        <p14:creationId xmlns:p14="http://schemas.microsoft.com/office/powerpoint/2010/main" val="2544271776"/>
+        <p14:creationId xmlns:p14="http://schemas.microsoft.com/office/powerpoint/2010/main" val="2320170151"/>
       </p:ext>
     </p:extLst>
   </p:cSld>
@@ -3945,126 +4007,30 @@
           <a:bodyPr/>
           <a:lstStyle/>
           <a:p>
-            <a:r>
-              <a:rPr lang="es-CL" b="1" dirty="0" smtClean="0"/>
-              <a:t>Bases de datos</a:t>
-            </a:r>
+            <a:pPr marL="0" marR="0" lvl="0" indent="0" algn="l" defTabSz="914400" rtl="0" eaLnBrk="1" fontAlgn="auto" latinLnBrk="0" hangingPunct="1">
+              <a:lnSpc>
+                <a:spcPct val="100000"/>
+              </a:lnSpc>
+              <a:spcBef>
+                <a:spcPts val="0"/>
+              </a:spcBef>
+              <a:spcAft>
+                <a:spcPts val="0"/>
+              </a:spcAft>
+              <a:buClrTx/>
+              <a:buSzTx/>
+              <a:buFontTx/>
+              <a:buNone/>
+              <a:tabLst/>
+              <a:defRPr/>
+            </a:pPr>
             <a:r>
               <a:rPr lang="es-CL" dirty="0" smtClean="0"/>
-              <a:t>:</a:t>
-            </a:r>
-          </a:p>
-          <a:p>
-            <a:pPr marL="228600" indent="-228600">
-              <a:buFont typeface="+mj-lt"/>
-              <a:buAutoNum type="arabicPeriod"/>
-            </a:pPr>
-            <a:r>
-              <a:rPr lang="es-CL" dirty="0" err="1" smtClean="0"/>
-              <a:t>db_cmh</a:t>
-            </a:r>
-            <a:r>
-              <a:rPr lang="es-CL" dirty="0" smtClean="0"/>
-              <a:t> alimenta la página web y la aplicación de escritorio. Es una base de datos transaccional.</a:t>
-            </a:r>
-          </a:p>
-          <a:p>
-            <a:pPr marL="228600" indent="-228600">
-              <a:buFont typeface="+mj-lt"/>
-              <a:buAutoNum type="arabicPeriod"/>
-            </a:pPr>
-            <a:r>
-              <a:rPr lang="es-CL" dirty="0" err="1" smtClean="0"/>
-              <a:t>db_seguro</a:t>
-            </a:r>
-            <a:r>
-              <a:rPr lang="es-CL" dirty="0" smtClean="0"/>
-              <a:t>: alimenta el </a:t>
-            </a:r>
-            <a:r>
-              <a:rPr lang="es-CL" dirty="0" err="1" smtClean="0"/>
-              <a:t>webservice</a:t>
-            </a:r>
-            <a:r>
-              <a:rPr lang="es-CL" dirty="0" smtClean="0"/>
-              <a:t> del seguro, para simular los proveedores de seguro</a:t>
-            </a:r>
-          </a:p>
-          <a:p>
-            <a:endParaRPr lang="es-CL" dirty="0" smtClean="0"/>
-          </a:p>
-          <a:p>
-            <a:r>
-              <a:rPr lang="es-CL" b="1" dirty="0" err="1" smtClean="0"/>
-              <a:t>WebApp</a:t>
-            </a:r>
-            <a:r>
-              <a:rPr lang="es-CL" dirty="0" smtClean="0"/>
-              <a:t>: aplicación web escrita en Java. Encargada de ofrecer la totalidad de las funciones de cara al paciente.</a:t>
-            </a:r>
-          </a:p>
-          <a:p>
-            <a:endParaRPr lang="es-CL" dirty="0" smtClean="0"/>
-          </a:p>
-          <a:p>
-            <a:r>
-              <a:rPr lang="es-CL" b="1" dirty="0" smtClean="0"/>
-              <a:t>Terminal</a:t>
-            </a:r>
-            <a:r>
-              <a:rPr lang="es-CL" dirty="0" smtClean="0"/>
-              <a:t>: aplicación de escritorio escrita en </a:t>
-            </a:r>
-            <a:r>
-              <a:rPr lang="es-CL" dirty="0" err="1" smtClean="0"/>
-              <a:t>.Net</a:t>
-            </a:r>
-            <a:r>
-              <a:rPr lang="es-CL" dirty="0" smtClean="0"/>
-              <a:t>. Esta se encarga de ofrecer la totalidad de las funciones de cara al personal del centro médico, tanto personal médico como funcionarios.</a:t>
-            </a:r>
-          </a:p>
-          <a:p>
-            <a:endParaRPr lang="es-CL" dirty="0" smtClean="0"/>
-          </a:p>
-          <a:p>
-            <a:r>
-              <a:rPr lang="es-CL" b="1" dirty="0" err="1" smtClean="0"/>
-              <a:t>Payment_service</a:t>
-            </a:r>
-            <a:r>
-              <a:rPr lang="es-CL" dirty="0" smtClean="0"/>
-              <a:t>: aplicación tipo servicio, encargada de pagar los honorarios a los médicos sin intervención humana de forma periódica. Escrito en Java.</a:t>
-            </a:r>
-          </a:p>
-          <a:p>
-            <a:endParaRPr lang="es-CL" dirty="0" smtClean="0"/>
-          </a:p>
-          <a:p>
-            <a:r>
-              <a:rPr lang="es-CL" b="1" dirty="0" err="1" smtClean="0"/>
-              <a:t>SeguroWS</a:t>
-            </a:r>
-            <a:r>
-              <a:rPr lang="es-CL" dirty="0" smtClean="0"/>
-              <a:t>: </a:t>
-            </a:r>
-            <a:r>
-              <a:rPr lang="es-CL" dirty="0" err="1" smtClean="0"/>
-              <a:t>endpoint</a:t>
-            </a:r>
-            <a:r>
-              <a:rPr lang="es-CL" dirty="0" smtClean="0"/>
-              <a:t> de </a:t>
-            </a:r>
-            <a:r>
-              <a:rPr lang="es-CL" dirty="0" err="1" smtClean="0"/>
-              <a:t>webservice</a:t>
-            </a:r>
-            <a:r>
-              <a:rPr lang="es-CL" dirty="0" smtClean="0"/>
-              <a:t> SOAP escrito en .NET utilizando WCF para simular integración con los sistemas de proveedores de seguros.</a:t>
-            </a:r>
+              <a:t>Se hizo una prueba de concepto de la propuesta inicial de arquitectura, cuyos resultados nos mostraron que el tiempo de desarrollo habría sido mucho más largo de lo planificado y por ende el proyecto habría sido más costoso. Siguiendo el procedimiento de control de cambios, creamos un documento RFC para alterar la arquitectura y creamos una más sencilla. El impacto de este cambio en la calendarización del proyecto fue nulo.</a:t>
+            </a:r>
+          </a:p>
+          <a:p>
+            <a:endParaRPr lang="es-CL" dirty="0"/>
           </a:p>
         </p:txBody>
       </p:sp>
@@ -4085,7 +4051,7 @@
           <a:p>
             <a:fld id="{DF2599EA-3C95-46C0-99A8-B5EBCBCDB69B}" type="slidenum">
               <a:rPr lang="es-CL" smtClean="0"/>
-              <a:t>14</a:t>
+              <a:t>15</a:t>
             </a:fld>
             <a:endParaRPr lang="es-CL"/>
           </a:p>
@@ -4094,7 +4060,7 @@
     </p:spTree>
     <p:extLst>
       <p:ext uri="{BB962C8B-B14F-4D97-AF65-F5344CB8AC3E}">
-        <p14:creationId xmlns:p14="http://schemas.microsoft.com/office/powerpoint/2010/main" val="1928721678"/>
+        <p14:creationId xmlns:p14="http://schemas.microsoft.com/office/powerpoint/2010/main" val="2544271776"/>
       </p:ext>
     </p:extLst>
   </p:cSld>
@@ -4149,28 +4115,48 @@
           <a:lstStyle/>
           <a:p>
             <a:r>
+              <a:rPr lang="es-CL" b="1" dirty="0" smtClean="0"/>
+              <a:t>Bases de datos</a:t>
+            </a:r>
+            <a:r>
               <a:rPr lang="es-CL" dirty="0" smtClean="0"/>
-              <a:t>Para modelar la base de datos y generar los scripts DDL utilizamos Enterprise </a:t>
-            </a:r>
+              <a:t>:</a:t>
+            </a:r>
+          </a:p>
+          <a:p>
+            <a:pPr marL="228600" indent="-228600">
+              <a:buFont typeface="+mj-lt"/>
+              <a:buAutoNum type="arabicPeriod"/>
+            </a:pPr>
             <a:r>
               <a:rPr lang="es-CL" dirty="0" err="1" smtClean="0"/>
-              <a:t>Architect</a:t>
+              <a:t>db_cmh</a:t>
             </a:r>
             <a:r>
               <a:rPr lang="es-CL" dirty="0" smtClean="0"/>
-              <a:t> 11. </a:t>
-            </a:r>
-          </a:p>
-          <a:p>
+              <a:t> alimenta la página web y la aplicación de escritorio. Es una base de datos transaccional.</a:t>
+            </a:r>
+          </a:p>
+          <a:p>
+            <a:pPr marL="228600" indent="-228600">
+              <a:buFont typeface="+mj-lt"/>
+              <a:buAutoNum type="arabicPeriod"/>
+            </a:pPr>
+            <a:r>
+              <a:rPr lang="es-CL" dirty="0" err="1" smtClean="0"/>
+              <a:t>db_seguro</a:t>
+            </a:r>
             <a:r>
               <a:rPr lang="es-CL" dirty="0" smtClean="0"/>
-              <a:t>La base de datos fue diseñada respetando la forma normal 3. </a:t>
-            </a:r>
-          </a:p>
-          <a:p>
+              <a:t>: alimenta el </a:t>
+            </a:r>
+            <a:r>
+              <a:rPr lang="es-CL" dirty="0" err="1" smtClean="0"/>
+              <a:t>webservice</a:t>
+            </a:r>
             <a:r>
               <a:rPr lang="es-CL" dirty="0" smtClean="0"/>
-              <a:t>Las tablas están debidamente documentadas en un diccionario de datos.</a:t>
+              <a:t> del seguro, para simular los proveedores de seguro</a:t>
             </a:r>
           </a:p>
           <a:p>
@@ -4178,12 +4164,76 @@
           </a:p>
           <a:p>
             <a:r>
+              <a:rPr lang="es-CL" b="1" dirty="0" err="1" smtClean="0"/>
+              <a:t>WebApp</a:t>
+            </a:r>
+            <a:r>
               <a:rPr lang="es-CL" dirty="0" smtClean="0"/>
-              <a:t>Para comprobar que la base de datos es suficiente creamos una matriz de trazabilidad tabla-caso de uso.</a:t>
-            </a:r>
-          </a:p>
-          <a:p>
-            <a:endParaRPr lang="es-CL" dirty="0"/>
+              <a:t>: aplicación web escrita en Java. Encargada de ofrecer la totalidad de las funciones de cara al paciente.</a:t>
+            </a:r>
+          </a:p>
+          <a:p>
+            <a:endParaRPr lang="es-CL" dirty="0" smtClean="0"/>
+          </a:p>
+          <a:p>
+            <a:r>
+              <a:rPr lang="es-CL" b="1" dirty="0" smtClean="0"/>
+              <a:t>Terminal</a:t>
+            </a:r>
+            <a:r>
+              <a:rPr lang="es-CL" dirty="0" smtClean="0"/>
+              <a:t>: aplicación de escritorio escrita en </a:t>
+            </a:r>
+            <a:r>
+              <a:rPr lang="es-CL" dirty="0" err="1" smtClean="0"/>
+              <a:t>.Net</a:t>
+            </a:r>
+            <a:r>
+              <a:rPr lang="es-CL" dirty="0" smtClean="0"/>
+              <a:t>. Esta se encarga de ofrecer la totalidad de las funciones de cara al personal del centro médico, tanto personal médico como funcionarios.</a:t>
+            </a:r>
+          </a:p>
+          <a:p>
+            <a:endParaRPr lang="es-CL" dirty="0" smtClean="0"/>
+          </a:p>
+          <a:p>
+            <a:r>
+              <a:rPr lang="es-CL" b="1" dirty="0" err="1" smtClean="0"/>
+              <a:t>Payment_service</a:t>
+            </a:r>
+            <a:r>
+              <a:rPr lang="es-CL" dirty="0" smtClean="0"/>
+              <a:t>: aplicación tipo servicio, encargada de pagar los honorarios a los médicos sin intervención humana de forma periódica. Escrito en Java.</a:t>
+            </a:r>
+          </a:p>
+          <a:p>
+            <a:endParaRPr lang="es-CL" dirty="0" smtClean="0"/>
+          </a:p>
+          <a:p>
+            <a:r>
+              <a:rPr lang="es-CL" b="1" dirty="0" err="1" smtClean="0"/>
+              <a:t>SeguroWS</a:t>
+            </a:r>
+            <a:r>
+              <a:rPr lang="es-CL" dirty="0" smtClean="0"/>
+              <a:t>: </a:t>
+            </a:r>
+            <a:r>
+              <a:rPr lang="es-CL" dirty="0" err="1" smtClean="0"/>
+              <a:t>endpoint</a:t>
+            </a:r>
+            <a:r>
+              <a:rPr lang="es-CL" dirty="0" smtClean="0"/>
+              <a:t> de </a:t>
+            </a:r>
+            <a:r>
+              <a:rPr lang="es-CL" dirty="0" err="1" smtClean="0"/>
+              <a:t>webservice</a:t>
+            </a:r>
+            <a:r>
+              <a:rPr lang="es-CL" dirty="0" smtClean="0"/>
+              <a:t> SOAP escrito en .NET utilizando WCF para simular integración con los sistemas de proveedores de seguros.</a:t>
+            </a:r>
           </a:p>
         </p:txBody>
       </p:sp>
@@ -4204,7 +4254,7 @@
           <a:p>
             <a:fld id="{DF2599EA-3C95-46C0-99A8-B5EBCBCDB69B}" type="slidenum">
               <a:rPr lang="es-CL" smtClean="0"/>
-              <a:t>15</a:t>
+              <a:t>16</a:t>
             </a:fld>
             <a:endParaRPr lang="es-CL"/>
           </a:p>
@@ -4213,7 +4263,7 @@
     </p:spTree>
     <p:extLst>
       <p:ext uri="{BB962C8B-B14F-4D97-AF65-F5344CB8AC3E}">
-        <p14:creationId xmlns:p14="http://schemas.microsoft.com/office/powerpoint/2010/main" val="2464003780"/>
+        <p14:creationId xmlns:p14="http://schemas.microsoft.com/office/powerpoint/2010/main" val="1928721678"/>
       </p:ext>
     </p:extLst>
   </p:cSld>
@@ -4269,7 +4319,27 @@
           <a:p>
             <a:r>
               <a:rPr lang="es-CL" dirty="0" smtClean="0"/>
-              <a:t>Patrón utilizado</a:t>
+              <a:t>Para modelar la base de datos y generar los scripts DDL utilizamos Enterprise </a:t>
+            </a:r>
+            <a:r>
+              <a:rPr lang="es-CL" dirty="0" err="1" smtClean="0"/>
+              <a:t>Architect</a:t>
+            </a:r>
+            <a:r>
+              <a:rPr lang="es-CL" dirty="0" smtClean="0"/>
+              <a:t> 11. </a:t>
+            </a:r>
+          </a:p>
+          <a:p>
+            <a:r>
+              <a:rPr lang="es-CL" dirty="0" smtClean="0"/>
+              <a:t>La base de datos fue diseñada respetando la forma normal 3. </a:t>
+            </a:r>
+          </a:p>
+          <a:p>
+            <a:r>
+              <a:rPr lang="es-CL" dirty="0" smtClean="0"/>
+              <a:t>Las tablas están debidamente documentadas en un diccionario de datos.</a:t>
             </a:r>
           </a:p>
           <a:p>
@@ -4278,23 +4348,7 @@
           <a:p>
             <a:r>
               <a:rPr lang="es-CL" dirty="0" smtClean="0"/>
-              <a:t>Se utilizó el patrón de diseño MVC. Para esta iteración sólo se hicieron las capas de modelo y controlador de los componentes </a:t>
-            </a:r>
-            <a:r>
-              <a:rPr lang="es-CL" dirty="0" err="1" smtClean="0"/>
-              <a:t>WebApp</a:t>
-            </a:r>
-            <a:r>
-              <a:rPr lang="es-CL" dirty="0" smtClean="0"/>
-              <a:t> y Terminal, la aplicación </a:t>
-            </a:r>
-            <a:r>
-              <a:rPr lang="es-CL" dirty="0" err="1" smtClean="0"/>
-              <a:t>Payment_service</a:t>
-            </a:r>
-            <a:r>
-              <a:rPr lang="es-CL" dirty="0" smtClean="0"/>
-              <a:t> y el WS Seguros no tienen interfaz de usuario gráfica por lo que se consideran completos.</a:t>
+              <a:t>Para comprobar que la base de datos es suficiente creamos una matriz de trazabilidad tabla-caso de uso.</a:t>
             </a:r>
           </a:p>
           <a:p>
@@ -4319,7 +4373,7 @@
           <a:p>
             <a:fld id="{DF2599EA-3C95-46C0-99A8-B5EBCBCDB69B}" type="slidenum">
               <a:rPr lang="es-CL" smtClean="0"/>
-              <a:t>18</a:t>
+              <a:t>17</a:t>
             </a:fld>
             <a:endParaRPr lang="es-CL"/>
           </a:p>
@@ -4328,7 +4382,7 @@
     </p:spTree>
     <p:extLst>
       <p:ext uri="{BB962C8B-B14F-4D97-AF65-F5344CB8AC3E}">
-        <p14:creationId xmlns:p14="http://schemas.microsoft.com/office/powerpoint/2010/main" val="1087738546"/>
+        <p14:creationId xmlns:p14="http://schemas.microsoft.com/office/powerpoint/2010/main" val="2464003780"/>
       </p:ext>
     </p:extLst>
   </p:cSld>
@@ -4498,7 +4552,7 @@
           <a:p>
             <a:fld id="{DF2599EA-3C95-46C0-99A8-B5EBCBCDB69B}" type="slidenum">
               <a:rPr lang="es-CL" smtClean="0"/>
-              <a:t>19</a:t>
+              <a:t>20</a:t>
             </a:fld>
             <a:endParaRPr lang="es-CL"/>
           </a:p>
@@ -4671,7 +4725,7 @@
           <a:p>
             <a:fld id="{DF2599EA-3C95-46C0-99A8-B5EBCBCDB69B}" type="slidenum">
               <a:rPr lang="es-CL" smtClean="0"/>
-              <a:t>20</a:t>
+              <a:t>21</a:t>
             </a:fld>
             <a:endParaRPr lang="es-CL"/>
           </a:p>
@@ -5183,7 +5237,7 @@
           <a:p>
             <a:r>
               <a:rPr lang="es-CL" dirty="0" smtClean="0"/>
-              <a:t>Actualmente, el centro médico utiliza medios análogos para el almacenamiento, transmisión y búsqueda de información relevante para los procesos mencionados. En otras palabras, todo lo manejan con papeles. A esta situación se suma el reciente aumento en el volumen de pacientes.</a:t>
+              <a:t>El cliente nos encargó definir procesos estandarizados.</a:t>
             </a:r>
           </a:p>
           <a:p>
@@ -5192,7 +5246,7 @@
           <a:p>
             <a:r>
               <a:rPr lang="es-CL" dirty="0" smtClean="0"/>
-              <a:t>Estos factores contribuyen a:</a:t>
+              <a:t>El cliente nos encargó crear una solución de software que ayude a mejorar:</a:t>
             </a:r>
           </a:p>
           <a:p>
@@ -5202,7 +5256,7 @@
             </a:pPr>
             <a:r>
               <a:rPr lang="es-CL" dirty="0" smtClean="0"/>
-              <a:t>El tiempo excesivo de espera se traduce en una mala experiencia para el paciente.</a:t>
+              <a:t>La pérdida de datos</a:t>
             </a:r>
           </a:p>
           <a:p>
@@ -5212,7 +5266,7 @@
             </a:pPr>
             <a:r>
               <a:rPr lang="es-CL" dirty="0" smtClean="0"/>
-              <a:t>Los pacientes reciben información imprecisa e inconsistente con respecto a sus atenciones médicas, lo que les provoca incertidumbre</a:t>
+              <a:t>La comunicación ineficiente</a:t>
             </a:r>
           </a:p>
           <a:p>
@@ -5222,9 +5276,18 @@
             </a:pPr>
             <a:r>
               <a:rPr lang="es-CL" dirty="0" smtClean="0"/>
-              <a:t>Los procesos financieros del centro médico sufren de una tasa error considerada alta por la gerencias</a:t>
-            </a:r>
-            <a:endParaRPr lang="es-CL" dirty="0"/>
+              <a:t>Inconsistencia de datos</a:t>
+            </a:r>
+          </a:p>
+          <a:p>
+            <a:pPr marL="228600" indent="-228600">
+              <a:buFont typeface="+mj-lt"/>
+              <a:buAutoNum type="arabicPeriod"/>
+            </a:pPr>
+            <a:r>
+              <a:rPr lang="es-CL" dirty="0" smtClean="0"/>
+              <a:t>Errores en los procesos financieros</a:t>
+            </a:r>
           </a:p>
         </p:txBody>
       </p:sp>
@@ -5254,7 +5317,7 @@
     </p:spTree>
     <p:extLst>
       <p:ext uri="{BB962C8B-B14F-4D97-AF65-F5344CB8AC3E}">
-        <p14:creationId xmlns:p14="http://schemas.microsoft.com/office/powerpoint/2010/main" val="1864642653"/>
+        <p14:creationId xmlns:p14="http://schemas.microsoft.com/office/powerpoint/2010/main" val="2544358661"/>
       </p:ext>
     </p:extLst>
   </p:cSld>
@@ -5310,7 +5373,7 @@
           <a:p>
             <a:r>
               <a:rPr lang="es-CL" dirty="0" smtClean="0"/>
-              <a:t>El cliente nos encargó definir procesos estandarizados.</a:t>
+              <a:t>Actualmente, el centro médico utiliza medios análogos para el almacenamiento, transmisión y búsqueda de información relevante para los procesos mencionados. En otras palabras, todo lo manejan con papeles. A esta situación se suma el reciente aumento en el volumen de pacientes.</a:t>
             </a:r>
           </a:p>
           <a:p>
@@ -5319,7 +5382,7 @@
           <a:p>
             <a:r>
               <a:rPr lang="es-CL" dirty="0" smtClean="0"/>
-              <a:t>El cliente nos encargó crear una solución de software que ayude a mejorar:</a:t>
+              <a:t>Estos factores contribuyen a:</a:t>
             </a:r>
           </a:p>
           <a:p>
@@ -5329,7 +5392,7 @@
             </a:pPr>
             <a:r>
               <a:rPr lang="es-CL" dirty="0" smtClean="0"/>
-              <a:t>La pérdida de datos</a:t>
+              <a:t>El tiempo excesivo de espera se traduce en una mala experiencia para el paciente.</a:t>
             </a:r>
           </a:p>
           <a:p>
@@ -5339,7 +5402,7 @@
             </a:pPr>
             <a:r>
               <a:rPr lang="es-CL" dirty="0" smtClean="0"/>
-              <a:t>La comunicación ineficiente</a:t>
+              <a:t>Los pacientes reciben información imprecisa e inconsistente con respecto a sus atenciones médicas, lo que les provoca incertidumbre</a:t>
             </a:r>
           </a:p>
           <a:p>
@@ -5349,18 +5412,9 @@
             </a:pPr>
             <a:r>
               <a:rPr lang="es-CL" dirty="0" smtClean="0"/>
-              <a:t>Inconsistencia de datos</a:t>
-            </a:r>
-          </a:p>
-          <a:p>
-            <a:pPr marL="228600" indent="-228600">
-              <a:buFont typeface="+mj-lt"/>
-              <a:buAutoNum type="arabicPeriod"/>
-            </a:pPr>
-            <a:r>
-              <a:rPr lang="es-CL" dirty="0" smtClean="0"/>
-              <a:t>Errores en los procesos financieros</a:t>
-            </a:r>
+              <a:t>Los procesos financieros del centro médico sufren de una tasa error considerada alta por la gerencias</a:t>
+            </a:r>
+            <a:endParaRPr lang="es-CL" dirty="0"/>
           </a:p>
         </p:txBody>
       </p:sp>
@@ -5390,7 +5444,7 @@
     </p:spTree>
     <p:extLst>
       <p:ext uri="{BB962C8B-B14F-4D97-AF65-F5344CB8AC3E}">
-        <p14:creationId xmlns:p14="http://schemas.microsoft.com/office/powerpoint/2010/main" val="2544358661"/>
+        <p14:creationId xmlns:p14="http://schemas.microsoft.com/office/powerpoint/2010/main" val="1864642653"/>
       </p:ext>
     </p:extLst>
   </p:cSld>
@@ -5465,7 +5519,7 @@
           <a:p>
             <a:fld id="{DF2599EA-3C95-46C0-99A8-B5EBCBCDB69B}" type="slidenum">
               <a:rPr lang="es-CL" smtClean="0"/>
-              <a:t>5</a:t>
+              <a:t>6</a:t>
             </a:fld>
             <a:endParaRPr lang="es-CL"/>
           </a:p>
@@ -5549,7 +5603,7 @@
           <a:p>
             <a:fld id="{DF2599EA-3C95-46C0-99A8-B5EBCBCDB69B}" type="slidenum">
               <a:rPr lang="es-CL" smtClean="0"/>
-              <a:t>6</a:t>
+              <a:t>7</a:t>
             </a:fld>
             <a:endParaRPr lang="es-CL"/>
           </a:p>
@@ -5633,7 +5687,7 @@
           <a:p>
             <a:fld id="{DF2599EA-3C95-46C0-99A8-B5EBCBCDB69B}" type="slidenum">
               <a:rPr lang="es-CL" smtClean="0"/>
-              <a:t>7</a:t>
+              <a:t>8</a:t>
             </a:fld>
             <a:endParaRPr lang="es-CL"/>
           </a:p>
@@ -5696,90 +5750,6 @@
           <a:bodyPr/>
           <a:lstStyle/>
           <a:p>
-            <a:r>
-              <a:rPr lang="es-CL" sz="1200" b="0" i="0" u="none" strike="noStrike" kern="1200" dirty="0" smtClean="0">
-                <a:solidFill>
-                  <a:schemeClr val="tx1"/>
-                </a:solidFill>
-                <a:effectLst/>
-                <a:latin typeface="+mn-lt"/>
-                <a:ea typeface="+mn-ea"/>
-                <a:cs typeface="+mn-cs"/>
-              </a:rPr>
-              <a:t>Después de las entrevistas con el cliente y la captura de requerimientos nosotros nos dimos cuenta que los principales procesos del negocio son:</a:t>
-            </a:r>
-          </a:p>
-          <a:p>
-            <a:pPr marL="228600" indent="-228600">
-              <a:buFont typeface="+mj-lt"/>
-              <a:buAutoNum type="arabicPeriod"/>
-            </a:pPr>
-            <a:r>
-              <a:rPr lang="es-CL" dirty="0" smtClean="0"/>
-              <a:t>Administrar horas agendadas</a:t>
-            </a:r>
-          </a:p>
-          <a:p>
-            <a:pPr marL="228600" indent="-228600">
-              <a:buFont typeface="+mj-lt"/>
-              <a:buAutoNum type="arabicPeriod"/>
-            </a:pPr>
-            <a:r>
-              <a:rPr lang="es-CL" dirty="0" smtClean="0"/>
-              <a:t>Pagar honorarios de médicos periódicamente</a:t>
-            </a:r>
-          </a:p>
-          <a:p>
-            <a:pPr marL="228600" indent="-228600">
-              <a:buFont typeface="+mj-lt"/>
-              <a:buAutoNum type="arabicPeriod"/>
-            </a:pPr>
-            <a:r>
-              <a:rPr lang="es-CL" dirty="0" smtClean="0"/>
-              <a:t>Mantener fichas médicas de todos los pacientes</a:t>
-            </a:r>
-          </a:p>
-          <a:p>
-            <a:pPr marL="228600" indent="-228600">
-              <a:buFont typeface="+mj-lt"/>
-              <a:buAutoNum type="arabicPeriod"/>
-            </a:pPr>
-            <a:r>
-              <a:rPr lang="es-CL" dirty="0" smtClean="0"/>
-              <a:t>Mejorar el acceso a la información al personal médico</a:t>
-            </a:r>
-          </a:p>
-          <a:p>
-            <a:pPr marL="228600" indent="-228600">
-              <a:buFont typeface="+mj-lt"/>
-              <a:buAutoNum type="arabicPeriod"/>
-            </a:pPr>
-            <a:r>
-              <a:rPr lang="es-CL" dirty="0" smtClean="0"/>
-              <a:t>Mantener las cajas</a:t>
-            </a:r>
-          </a:p>
-          <a:p>
-            <a:pPr marL="228600" indent="-228600">
-              <a:buFont typeface="+mj-lt"/>
-              <a:buAutoNum type="arabicPeriod"/>
-            </a:pPr>
-            <a:r>
-              <a:rPr lang="es-CL" dirty="0" smtClean="0"/>
-              <a:t>Entregar resultados de exámenes a pacientes</a:t>
-            </a:r>
-          </a:p>
-          <a:p>
-            <a:pPr marL="228600" indent="-228600">
-              <a:buFont typeface="+mj-lt"/>
-              <a:buAutoNum type="arabicPeriod"/>
-            </a:pPr>
-            <a:r>
-              <a:rPr lang="es-CL" dirty="0" smtClean="0"/>
-              <a:t>Consultar estado de los seguros de los pacientes</a:t>
-            </a:r>
-          </a:p>
-          <a:p>
             <a:endParaRPr lang="es-CL" dirty="0"/>
           </a:p>
         </p:txBody>
@@ -5801,7 +5771,7 @@
           <a:p>
             <a:fld id="{DF2599EA-3C95-46C0-99A8-B5EBCBCDB69B}" type="slidenum">
               <a:rPr lang="es-CL" smtClean="0"/>
-              <a:t>8</a:t>
+              <a:t>9</a:t>
             </a:fld>
             <a:endParaRPr lang="es-CL"/>
           </a:p>
@@ -5810,7 +5780,7 @@
     </p:spTree>
     <p:extLst>
       <p:ext uri="{BB962C8B-B14F-4D97-AF65-F5344CB8AC3E}">
-        <p14:creationId xmlns:p14="http://schemas.microsoft.com/office/powerpoint/2010/main" val="496803909"/>
+        <p14:creationId xmlns:p14="http://schemas.microsoft.com/office/powerpoint/2010/main" val="362179767"/>
       </p:ext>
     </p:extLst>
   </p:cSld>
@@ -6014,7 +5984,7 @@
           <a:p>
             <a:fld id="{89E5C9D5-1059-417C-933B-079D684B6386}" type="datetime1">
               <a:rPr lang="es-CL" smtClean="0"/>
-              <a:t>04-11-2016</a:t>
+              <a:t>06-11-16</a:t>
             </a:fld>
             <a:endParaRPr lang="es-CL"/>
           </a:p>
@@ -6056,7 +6026,7 @@
           <a:p>
             <a:fld id="{66B77C49-310C-4D67-A641-7D2CCF3E3B8A}" type="slidenum">
               <a:rPr lang="es-CL" smtClean="0"/>
-              <a:t>‹Nº›</a:t>
+              <a:t>‹#›</a:t>
             </a:fld>
             <a:endParaRPr lang="es-CL"/>
           </a:p>
@@ -6196,7 +6166,7 @@
           <a:p>
             <a:fld id="{A8720E4C-398C-460E-BAB2-2CA54AE1728D}" type="datetime1">
               <a:rPr lang="es-CL" smtClean="0"/>
-              <a:t>04-11-2016</a:t>
+              <a:t>06-11-16</a:t>
             </a:fld>
             <a:endParaRPr lang="es-CL"/>
           </a:p>
@@ -6238,7 +6208,7 @@
           <a:p>
             <a:fld id="{66B77C49-310C-4D67-A641-7D2CCF3E3B8A}" type="slidenum">
               <a:rPr lang="es-CL" smtClean="0"/>
-              <a:t>‹Nº›</a:t>
+              <a:t>‹#›</a:t>
             </a:fld>
             <a:endParaRPr lang="es-CL"/>
           </a:p>
@@ -6429,7 +6399,7 @@
           <a:p>
             <a:fld id="{43E203C6-1909-4781-971E-116AFD440A10}" type="datetime1">
               <a:rPr lang="es-CL" smtClean="0"/>
-              <a:t>04-11-2016</a:t>
+              <a:t>06-11-16</a:t>
             </a:fld>
             <a:endParaRPr lang="es-CL"/>
           </a:p>
@@ -6471,7 +6441,7 @@
           <a:p>
             <a:fld id="{66B77C49-310C-4D67-A641-7D2CCF3E3B8A}" type="slidenum">
               <a:rPr lang="es-CL" smtClean="0"/>
-              <a:t>‹Nº›</a:t>
+              <a:t>‹#›</a:t>
             </a:fld>
             <a:endParaRPr lang="es-CL"/>
           </a:p>
@@ -6652,7 +6622,7 @@
           <a:p>
             <a:fld id="{154DED30-8343-49F5-A66D-C88BB0DF3F98}" type="datetime1">
               <a:rPr lang="es-CL" smtClean="0"/>
-              <a:t>04-11-2016</a:t>
+              <a:t>06-11-16</a:t>
             </a:fld>
             <a:endParaRPr lang="es-CL"/>
           </a:p>
@@ -6694,7 +6664,7 @@
           <a:p>
             <a:fld id="{66B77C49-310C-4D67-A641-7D2CCF3E3B8A}" type="slidenum">
               <a:rPr lang="es-CL" smtClean="0"/>
-              <a:t>‹Nº›</a:t>
+              <a:t>‹#›</a:t>
             </a:fld>
             <a:endParaRPr lang="es-CL"/>
           </a:p>
@@ -6959,7 +6929,7 @@
           <a:p>
             <a:fld id="{008ECD7B-FFF3-4FF8-AAE9-DF516B8429F0}" type="datetime1">
               <a:rPr lang="es-CL" smtClean="0"/>
-              <a:t>04-11-2016</a:t>
+              <a:t>06-11-16</a:t>
             </a:fld>
             <a:endParaRPr lang="es-CL"/>
           </a:p>
@@ -7001,7 +6971,7 @@
           <a:p>
             <a:fld id="{66B77C49-310C-4D67-A641-7D2CCF3E3B8A}" type="slidenum">
               <a:rPr lang="es-CL" smtClean="0"/>
-              <a:t>‹Nº›</a:t>
+              <a:t>‹#›</a:t>
             </a:fld>
             <a:endParaRPr lang="es-CL"/>
           </a:p>
@@ -7300,7 +7270,7 @@
           <a:p>
             <a:fld id="{BE1B6FD1-7923-4D70-9EDC-F33CED2E88B0}" type="datetime1">
               <a:rPr lang="es-CL" smtClean="0"/>
-              <a:t>04-11-2016</a:t>
+              <a:t>06-11-16</a:t>
             </a:fld>
             <a:endParaRPr lang="es-CL"/>
           </a:p>
@@ -7342,7 +7312,7 @@
           <a:p>
             <a:fld id="{66B77C49-310C-4D67-A641-7D2CCF3E3B8A}" type="slidenum">
               <a:rPr lang="es-CL" smtClean="0"/>
-              <a:t>‹Nº›</a:t>
+              <a:t>‹#›</a:t>
             </a:fld>
             <a:endParaRPr lang="es-CL"/>
           </a:p>
@@ -7804,7 +7774,7 @@
           <a:p>
             <a:fld id="{A0456DFA-3945-4E01-A82F-05D34E7C69EF}" type="datetime1">
               <a:rPr lang="es-CL" smtClean="0"/>
-              <a:t>04-11-2016</a:t>
+              <a:t>06-11-16</a:t>
             </a:fld>
             <a:endParaRPr lang="es-CL"/>
           </a:p>
@@ -7846,7 +7816,7 @@
           <a:p>
             <a:fld id="{66B77C49-310C-4D67-A641-7D2CCF3E3B8A}" type="slidenum">
               <a:rPr lang="es-CL" smtClean="0"/>
-              <a:t>‹Nº›</a:t>
+              <a:t>‹#›</a:t>
             </a:fld>
             <a:endParaRPr lang="es-CL"/>
           </a:p>
@@ -7975,7 +7945,7 @@
           <a:p>
             <a:fld id="{557C4F69-2838-42FA-8DBD-EC78C746AC4D}" type="datetime1">
               <a:rPr lang="es-CL" smtClean="0"/>
-              <a:t>04-11-2016</a:t>
+              <a:t>06-11-16</a:t>
             </a:fld>
             <a:endParaRPr lang="es-CL"/>
           </a:p>
@@ -8017,7 +7987,7 @@
           <a:p>
             <a:fld id="{66B77C49-310C-4D67-A641-7D2CCF3E3B8A}" type="slidenum">
               <a:rPr lang="es-CL" smtClean="0"/>
-              <a:t>‹Nº›</a:t>
+              <a:t>‹#›</a:t>
             </a:fld>
             <a:endParaRPr lang="es-CL"/>
           </a:p>
@@ -8123,7 +8093,7 @@
           <a:p>
             <a:fld id="{07EEB1EE-80D2-40B9-84CD-27545A9BFEA4}" type="datetime1">
               <a:rPr lang="es-CL" smtClean="0"/>
-              <a:t>04-11-2016</a:t>
+              <a:t>06-11-16</a:t>
             </a:fld>
             <a:endParaRPr lang="es-CL"/>
           </a:p>
@@ -8165,7 +8135,7 @@
           <a:p>
             <a:fld id="{66B77C49-310C-4D67-A641-7D2CCF3E3B8A}" type="slidenum">
               <a:rPr lang="es-CL" smtClean="0"/>
-              <a:t>‹Nº›</a:t>
+              <a:t>‹#›</a:t>
             </a:fld>
             <a:endParaRPr lang="es-CL"/>
           </a:p>
@@ -8463,7 +8433,7 @@
           <a:p>
             <a:fld id="{D8391AB1-5E7F-4428-BF74-71643B6F22AD}" type="datetime1">
               <a:rPr lang="es-CL" smtClean="0"/>
-              <a:t>04-11-2016</a:t>
+              <a:t>06-11-16</a:t>
             </a:fld>
             <a:endParaRPr lang="es-CL"/>
           </a:p>
@@ -8505,7 +8475,7 @@
           <a:p>
             <a:fld id="{66B77C49-310C-4D67-A641-7D2CCF3E3B8A}" type="slidenum">
               <a:rPr lang="es-CL" smtClean="0"/>
-              <a:t>‹Nº›</a:t>
+              <a:t>‹#›</a:t>
             </a:fld>
             <a:endParaRPr lang="es-CL"/>
           </a:p>
@@ -8790,7 +8760,7 @@
           <a:p>
             <a:fld id="{8E766E1C-99D9-459A-8191-EBC25BE06DF5}" type="datetime1">
               <a:rPr lang="es-CL" smtClean="0"/>
-              <a:t>04-11-2016</a:t>
+              <a:t>06-11-16</a:t>
             </a:fld>
             <a:endParaRPr lang="es-CL"/>
           </a:p>
@@ -8832,7 +8802,7 @@
           <a:p>
             <a:fld id="{66B77C49-310C-4D67-A641-7D2CCF3E3B8A}" type="slidenum">
               <a:rPr lang="es-CL" smtClean="0"/>
-              <a:t>‹Nº›</a:t>
+              <a:t>‹#›</a:t>
             </a:fld>
             <a:endParaRPr lang="es-CL"/>
           </a:p>
@@ -9054,7 +9024,7 @@
           <a:p>
             <a:fld id="{9FB8A2EC-9F2E-49B3-BC1D-41B8951AFF83}" type="datetime1">
               <a:rPr lang="es-CL" smtClean="0"/>
-              <a:t>04-11-2016</a:t>
+              <a:t>06-11-16</a:t>
             </a:fld>
             <a:endParaRPr lang="es-CL"/>
           </a:p>
@@ -9137,7 +9107,7 @@
           <a:p>
             <a:fld id="{66B77C49-310C-4D67-A641-7D2CCF3E3B8A}" type="slidenum">
               <a:rPr lang="es-CL" smtClean="0"/>
-              <a:t>‹Nº›</a:t>
+              <a:t>‹#›</a:t>
             </a:fld>
             <a:endParaRPr lang="es-CL"/>
           </a:p>
@@ -9781,8 +9751,8 @@
           <a:lstStyle/>
           <a:p>
             <a:r>
-              <a:rPr lang="es-CL" dirty="0"/>
-              <a:t>Organización del equipo</a:t>
+              <a:rPr lang="es-CL" dirty="0" smtClean="0"/>
+              <a:t>Objetivos específicos</a:t>
             </a:r>
             <a:endParaRPr lang="en-US" dirty="0"/>
           </a:p>
@@ -9806,59 +9776,41 @@
         </p:spPr>
         <p:txBody>
           <a:bodyPr>
-            <a:normAutofit/>
+            <a:noAutofit/>
           </a:bodyPr>
           <a:lstStyle/>
           <a:p>
-            <a:r>
-              <a:rPr lang="es-CL" sz="3200" dirty="0" smtClean="0"/>
-              <a:t>Fabián Jaque</a:t>
-            </a:r>
-          </a:p>
-          <a:p>
-            <a:r>
-              <a:rPr lang="es-CL" sz="3200" dirty="0" smtClean="0"/>
-              <a:t>Tomás Muñiz</a:t>
-            </a:r>
-            <a:endParaRPr lang="es-CL" sz="3200" dirty="0"/>
-          </a:p>
-          <a:p>
-            <a:r>
-              <a:rPr lang="es-CL" sz="3200" dirty="0"/>
-              <a:t>Elías </a:t>
-            </a:r>
-            <a:r>
-              <a:rPr lang="es-CL" sz="3200" dirty="0" smtClean="0"/>
-              <a:t>Baeza</a:t>
-            </a:r>
-          </a:p>
-          <a:p>
-            <a:r>
-              <a:rPr lang="es-CL" sz="3200" dirty="0" smtClean="0"/>
-              <a:t>Gonzalo López</a:t>
-            </a:r>
-            <a:endParaRPr lang="es-CL" sz="3200" dirty="0"/>
-          </a:p>
-          <a:p>
-            <a:r>
-              <a:rPr lang="es-CL" sz="3200" dirty="0"/>
-              <a:t>Pablo de la </a:t>
-            </a:r>
-            <a:r>
-              <a:rPr lang="es-CL" sz="3200" dirty="0" err="1" smtClean="0"/>
-              <a:t>Sotta</a:t>
-            </a:r>
-            <a:endParaRPr lang="es-CL" sz="3200" dirty="0"/>
-          </a:p>
-          <a:p>
-            <a:pPr marL="0" marR="211455" lvl="0" indent="0" algn="just">
+            <a:pPr marR="211455" algn="just">
               <a:spcAft>
                 <a:spcPts val="0"/>
               </a:spcAft>
-              <a:buNone/>
             </a:pPr>
-            <a:endParaRPr lang="es-CL" sz="3200" dirty="0">
-              <a:latin typeface="Calibri" panose="020F0502020204030204" pitchFamily="34" charset="0"/>
+            <a:r>
+              <a:rPr lang="es-ES_tradnl" sz="3600" dirty="0" smtClean="0">
+                <a:ea typeface="Calibri" panose="020F0502020204030204" pitchFamily="34" charset="0"/>
+                <a:cs typeface="Calibri" panose="020F0502020204030204" pitchFamily="34" charset="0"/>
+              </a:rPr>
+              <a:t>Asegurar la confiabilidad de la información de las cajas de pago en al menos un 99%.</a:t>
+            </a:r>
+            <a:endParaRPr lang="es-CL" sz="3600" dirty="0" smtClean="0">
+              <a:ea typeface="Calibri" panose="020F0502020204030204" pitchFamily="34" charset="0"/>
+              <a:cs typeface="Times New Roman" panose="02020603050405020304" pitchFamily="18" charset="0"/>
+            </a:endParaRPr>
+          </a:p>
+          <a:p>
+            <a:pPr marR="211455" algn="just">
+              <a:spcAft>
+                <a:spcPts val="0"/>
+              </a:spcAft>
+            </a:pPr>
+            <a:r>
+              <a:rPr lang="es-ES_tradnl" sz="3600" dirty="0" smtClean="0">
+                <a:ea typeface="Calibri" panose="020F0502020204030204" pitchFamily="34" charset="0"/>
+                <a:cs typeface="Calibri" panose="020F0502020204030204" pitchFamily="34" charset="0"/>
+              </a:rPr>
+              <a:t>Incrementar información de detalle de procedimientos de médicos, enfermeros y/o tecnólogos en al menos un 99% de las ocasiones. </a:t>
+            </a:r>
+            <a:endParaRPr lang="es-CL" sz="3600" dirty="0">
               <a:ea typeface="Calibri" panose="020F0502020204030204" pitchFamily="34" charset="0"/>
               <a:cs typeface="Times New Roman" panose="02020603050405020304" pitchFamily="18" charset="0"/>
             </a:endParaRPr>
@@ -9932,7 +9884,7 @@
     </p:spTree>
     <p:extLst>
       <p:ext uri="{BB962C8B-B14F-4D97-AF65-F5344CB8AC3E}">
-        <p14:creationId xmlns:p14="http://schemas.microsoft.com/office/powerpoint/2010/main" val="3220791888"/>
+        <p14:creationId xmlns:p14="http://schemas.microsoft.com/office/powerpoint/2010/main" val="184526005"/>
       </p:ext>
     </p:extLst>
   </p:cSld>
@@ -9994,44 +9946,125 @@
           <a:lstStyle/>
           <a:p>
             <a:r>
-              <a:rPr lang="es-CL" dirty="0"/>
-              <a:t>Calendarización y entregables</a:t>
+              <a:rPr lang="es-CL" dirty="0" smtClean="0"/>
+              <a:t>Requerimientos del negocio</a:t>
             </a:r>
             <a:endParaRPr lang="en-US" dirty="0"/>
           </a:p>
         </p:txBody>
       </p:sp>
-      <p:pic>
-        <p:nvPicPr>
-          <p:cNvPr id="7" name="Marcador de contenido 6"/>
-          <p:cNvPicPr>
-            <a:picLocks noGrp="1" noChangeAspect="1"/>
-          </p:cNvPicPr>
+      <p:sp>
+        <p:nvSpPr>
+          <p:cNvPr id="3" name="Content Placeholder 2"/>
+          <p:cNvSpPr>
+            <a:spLocks noGrp="1"/>
+          </p:cNvSpPr>
           <p:nvPr>
             <p:ph idx="1"/>
           </p:nvPr>
-        </p:nvPicPr>
-        <p:blipFill>
-          <a:blip r:embed="rId3"/>
-          <a:stretch>
-            <a:fillRect/>
-          </a:stretch>
-        </p:blipFill>
+        </p:nvSpPr>
         <p:spPr>
           <a:xfrm>
-            <a:off x="1261872" y="2503715"/>
-            <a:ext cx="8934688" cy="2808514"/>
+            <a:off x="1261872" y="1828801"/>
+            <a:ext cx="8280334" cy="4343400"/>
           </a:xfrm>
-          <a:prstGeom prst="rect">
-            <a:avLst/>
-          </a:prstGeom>
-          <a:ln>
-            <a:solidFill>
-              <a:schemeClr val="tx1"/>
-            </a:solidFill>
-          </a:ln>
         </p:spPr>
-      </p:pic>
+        <p:txBody>
+          <a:bodyPr>
+            <a:noAutofit/>
+          </a:bodyPr>
+          <a:lstStyle/>
+          <a:p>
+            <a:pPr marL="627063" lvl="3" indent="-514350" fontAlgn="base">
+              <a:buFont typeface="+mj-lt"/>
+              <a:buAutoNum type="arabicPeriod"/>
+            </a:pPr>
+            <a:r>
+              <a:rPr lang="es-CL" sz="2800" dirty="0"/>
+              <a:t>Administrar horas agendadas</a:t>
+            </a:r>
+            <a:endParaRPr lang="es-CL" sz="2800" i="1" dirty="0"/>
+          </a:p>
+          <a:p>
+            <a:pPr marL="627063" lvl="3" indent="-514350" fontAlgn="base">
+              <a:buFont typeface="+mj-lt"/>
+              <a:buAutoNum type="arabicPeriod"/>
+            </a:pPr>
+            <a:r>
+              <a:rPr lang="es-CL" sz="2800" dirty="0"/>
+              <a:t>Pagar honorarios de médicos periódicamente</a:t>
+            </a:r>
+            <a:endParaRPr lang="es-CL" sz="2800" i="1" dirty="0"/>
+          </a:p>
+          <a:p>
+            <a:pPr marL="627063" lvl="3" indent="-514350" fontAlgn="base">
+              <a:buFont typeface="+mj-lt"/>
+              <a:buAutoNum type="arabicPeriod"/>
+            </a:pPr>
+            <a:r>
+              <a:rPr lang="es-CL" sz="2800" dirty="0"/>
+              <a:t>Mantener fichas médicas de todos los pacientes</a:t>
+            </a:r>
+            <a:endParaRPr lang="es-CL" sz="2800" i="1" dirty="0"/>
+          </a:p>
+          <a:p>
+            <a:pPr marL="627063" lvl="3" indent="-514350" fontAlgn="base">
+              <a:buFont typeface="+mj-lt"/>
+              <a:buAutoNum type="arabicPeriod"/>
+            </a:pPr>
+            <a:r>
+              <a:rPr lang="es-CL" sz="2800" dirty="0"/>
+              <a:t>Mejorar el acceso a la información al personal médico</a:t>
+            </a:r>
+            <a:endParaRPr lang="es-CL" sz="2800" i="1" dirty="0"/>
+          </a:p>
+          <a:p>
+            <a:pPr marL="627063" lvl="3" indent="-514350" fontAlgn="base">
+              <a:buFont typeface="+mj-lt"/>
+              <a:buAutoNum type="arabicPeriod"/>
+            </a:pPr>
+            <a:r>
+              <a:rPr lang="es-CL" sz="2800" dirty="0"/>
+              <a:t>Mantener las cajas</a:t>
+            </a:r>
+            <a:endParaRPr lang="es-CL" sz="2800" i="1" dirty="0"/>
+          </a:p>
+          <a:p>
+            <a:pPr marL="627063" lvl="3" indent="-514350" fontAlgn="base">
+              <a:buFont typeface="+mj-lt"/>
+              <a:buAutoNum type="arabicPeriod"/>
+            </a:pPr>
+            <a:r>
+              <a:rPr lang="es-CL" sz="2800" dirty="0"/>
+              <a:t>Entregar resultados de exámenes a pacientes</a:t>
+            </a:r>
+            <a:endParaRPr lang="es-CL" sz="2800" i="1" dirty="0"/>
+          </a:p>
+          <a:p>
+            <a:pPr marL="627063" lvl="3" indent="-514350" fontAlgn="base">
+              <a:buFont typeface="+mj-lt"/>
+              <a:buAutoNum type="arabicPeriod"/>
+            </a:pPr>
+            <a:r>
+              <a:rPr lang="es-CL" sz="2800" dirty="0"/>
+              <a:t>Consultar estado de los seguros de los pacientes</a:t>
+            </a:r>
+            <a:endParaRPr lang="es-CL" sz="2800" i="1" dirty="0"/>
+          </a:p>
+          <a:p>
+            <a:pPr marL="0" marR="211455" lvl="0" indent="0" algn="just">
+              <a:spcAft>
+                <a:spcPts val="0"/>
+              </a:spcAft>
+              <a:buNone/>
+            </a:pPr>
+            <a:endParaRPr lang="es-CL" sz="2800" dirty="0">
+              <a:ea typeface="Calibri" panose="020F0502020204030204" pitchFamily="34" charset="0"/>
+              <a:cs typeface="Times New Roman" panose="02020603050405020304" pitchFamily="18" charset="0"/>
+            </a:endParaRPr>
+          </a:p>
+        </p:txBody>
+      </p:sp>
       <p:sp>
         <p:nvSpPr>
           <p:cNvPr id="4" name="Slide Number Placeholder 3"/>
@@ -10066,7 +10099,7 @@
           <p:nvPr/>
         </p:nvPicPr>
         <p:blipFill rotWithShape="1">
-          <a:blip r:embed="rId4">
+          <a:blip r:embed="rId3">
             <a:extLst>
               <a:ext uri="{28A0092B-C50C-407E-A947-70E740481C1C}">
                 <a14:useLocalDpi xmlns:a14="http://schemas.microsoft.com/office/drawing/2010/main" val="0"/>
@@ -10096,40 +10129,10 @@
           </a:extLst>
         </p:spPr>
       </p:pic>
-      <p:sp>
-        <p:nvSpPr>
-          <p:cNvPr id="8" name="TextBox 2"/>
-          <p:cNvSpPr txBox="1"/>
-          <p:nvPr/>
-        </p:nvSpPr>
-        <p:spPr>
-          <a:xfrm>
-            <a:off x="3609885" y="5570537"/>
-            <a:ext cx="4238661" cy="369332"/>
-          </a:xfrm>
-          <a:prstGeom prst="rect">
-            <a:avLst/>
-          </a:prstGeom>
-          <a:noFill/>
-        </p:spPr>
-        <p:txBody>
-          <a:bodyPr wrap="none" rtlCol="0">
-            <a:spAutoFit/>
-          </a:bodyPr>
-          <a:lstStyle/>
-          <a:p>
-            <a:r>
-              <a:rPr lang="es-ES_tradnl" dirty="0" smtClean="0"/>
-              <a:t>Fig. 3: Carta Gantt: Primera iteración</a:t>
-            </a:r>
-            <a:endParaRPr lang="es-ES_tradnl" dirty="0"/>
-          </a:p>
-        </p:txBody>
-      </p:sp>
     </p:spTree>
     <p:extLst>
       <p:ext uri="{BB962C8B-B14F-4D97-AF65-F5344CB8AC3E}">
-        <p14:creationId xmlns:p14="http://schemas.microsoft.com/office/powerpoint/2010/main" val="2178985857"/>
+        <p14:creationId xmlns:p14="http://schemas.microsoft.com/office/powerpoint/2010/main" val="1212593131"/>
       </p:ext>
     </p:extLst>
   </p:cSld>
@@ -10192,9 +10195,86 @@
           <a:p>
             <a:r>
               <a:rPr lang="es-CL" dirty="0"/>
-              <a:t>Calendarización y entregables</a:t>
+              <a:t>Organización del equipo</a:t>
             </a:r>
             <a:endParaRPr lang="en-US" dirty="0"/>
+          </a:p>
+        </p:txBody>
+      </p:sp>
+      <p:sp>
+        <p:nvSpPr>
+          <p:cNvPr id="3" name="Content Placeholder 2"/>
+          <p:cNvSpPr>
+            <a:spLocks noGrp="1"/>
+          </p:cNvSpPr>
+          <p:nvPr>
+            <p:ph idx="1"/>
+          </p:nvPr>
+        </p:nvSpPr>
+        <p:spPr>
+          <a:xfrm>
+            <a:off x="1261872" y="1828801"/>
+            <a:ext cx="8595360" cy="4343400"/>
+          </a:xfrm>
+        </p:spPr>
+        <p:txBody>
+          <a:bodyPr>
+            <a:normAutofit/>
+          </a:bodyPr>
+          <a:lstStyle/>
+          <a:p>
+            <a:r>
+              <a:rPr lang="es-CL" sz="3200" dirty="0" smtClean="0"/>
+              <a:t>Fabián Jaque</a:t>
+            </a:r>
+          </a:p>
+          <a:p>
+            <a:r>
+              <a:rPr lang="es-CL" sz="3200" dirty="0" smtClean="0"/>
+              <a:t>Tomás Muñiz</a:t>
+            </a:r>
+            <a:endParaRPr lang="es-CL" sz="3200" dirty="0"/>
+          </a:p>
+          <a:p>
+            <a:r>
+              <a:rPr lang="es-CL" sz="3200" dirty="0"/>
+              <a:t>Elías </a:t>
+            </a:r>
+            <a:r>
+              <a:rPr lang="es-CL" sz="3200" dirty="0" smtClean="0"/>
+              <a:t>Baeza</a:t>
+            </a:r>
+          </a:p>
+          <a:p>
+            <a:r>
+              <a:rPr lang="es-CL" sz="3200" dirty="0" smtClean="0"/>
+              <a:t>Gonzalo López</a:t>
+            </a:r>
+            <a:endParaRPr lang="es-CL" sz="3200" dirty="0"/>
+          </a:p>
+          <a:p>
+            <a:r>
+              <a:rPr lang="es-CL" sz="3200" dirty="0"/>
+              <a:t>Pablo de la </a:t>
+            </a:r>
+            <a:r>
+              <a:rPr lang="es-CL" sz="3200" dirty="0" err="1" smtClean="0"/>
+              <a:t>Sotta</a:t>
+            </a:r>
+            <a:endParaRPr lang="es-CL" sz="3200" dirty="0"/>
+          </a:p>
+          <a:p>
+            <a:pPr marL="0" marR="211455" lvl="0" indent="0" algn="just">
+              <a:spcAft>
+                <a:spcPts val="0"/>
+              </a:spcAft>
+              <a:buNone/>
+            </a:pPr>
+            <a:endParaRPr lang="es-CL" sz="3200" dirty="0">
+              <a:latin typeface="Calibri" panose="020F0502020204030204" pitchFamily="34" charset="0"/>
+              <a:ea typeface="Calibri" panose="020F0502020204030204" pitchFamily="34" charset="0"/>
+              <a:cs typeface="Times New Roman" panose="02020603050405020304" pitchFamily="18" charset="0"/>
+            </a:endParaRPr>
           </a:p>
         </p:txBody>
       </p:sp>
@@ -10218,6 +10298,636 @@
             <a:fld id="{66B77C49-310C-4D67-A641-7D2CCF3E3B8A}" type="slidenum">
               <a:rPr lang="es-CL" smtClean="0"/>
               <a:t>11</a:t>
+            </a:fld>
+            <a:endParaRPr lang="es-CL"/>
+          </a:p>
+        </p:txBody>
+      </p:sp>
+      <p:pic>
+        <p:nvPicPr>
+          <p:cNvPr id="5" name="Picture 2" descr="Resultado de imagen para duoc"/>
+          <p:cNvPicPr>
+            <a:picLocks noChangeAspect="1" noChangeArrowheads="1"/>
+          </p:cNvPicPr>
+          <p:nvPr/>
+        </p:nvPicPr>
+        <p:blipFill rotWithShape="1">
+          <a:blip r:embed="rId3">
+            <a:extLst>
+              <a:ext uri="{28A0092B-C50C-407E-A947-70E740481C1C}">
+                <a14:useLocalDpi xmlns:a14="http://schemas.microsoft.com/office/drawing/2010/main" val="0"/>
+              </a:ext>
+            </a:extLst>
+          </a:blip>
+          <a:srcRect t="13892" r="19022"/>
+          <a:stretch/>
+        </p:blipFill>
+        <p:spPr bwMode="auto">
+          <a:xfrm>
+            <a:off x="9023169" y="378822"/>
+            <a:ext cx="2001883" cy="524910"/>
+          </a:xfrm>
+          <a:prstGeom prst="rect">
+            <a:avLst/>
+          </a:prstGeom>
+          <a:noFill/>
+          <a:extLst>
+            <a:ext uri="{909E8E84-426E-40DD-AFC4-6F175D3DCCD1}">
+              <a14:hiddenFill xmlns:a14="http://schemas.microsoft.com/office/drawing/2010/main">
+                <a:solidFill>
+                  <a:srgbClr val="FFFFFF"/>
+                </a:solidFill>
+              </a14:hiddenFill>
+            </a:ext>
+          </a:extLst>
+        </p:spPr>
+      </p:pic>
+      <p:pic>
+        <p:nvPicPr>
+          <p:cNvPr id="6" name="Imagen 5"/>
+          <p:cNvPicPr>
+            <a:picLocks noChangeAspect="1"/>
+          </p:cNvPicPr>
+          <p:nvPr/>
+        </p:nvPicPr>
+        <p:blipFill rotWithShape="1">
+          <a:blip r:embed="rId4" cstate="print">
+            <a:extLst>
+              <a:ext uri="{28A0092B-C50C-407E-A947-70E740481C1C}">
+                <a14:useLocalDpi xmlns:a14="http://schemas.microsoft.com/office/drawing/2010/main" val="0"/>
+              </a:ext>
+            </a:extLst>
+          </a:blip>
+          <a:srcRect l="23752" t="16252" r="20360" b="14533"/>
+          <a:stretch/>
+        </p:blipFill>
+        <p:spPr>
+          <a:xfrm>
+            <a:off x="6173175" y="2408022"/>
+            <a:ext cx="456843" cy="565783"/>
+          </a:xfrm>
+          <a:prstGeom prst="rect">
+            <a:avLst/>
+          </a:prstGeom>
+        </p:spPr>
+      </p:pic>
+      <p:pic>
+        <p:nvPicPr>
+          <p:cNvPr id="7" name="Imagen 6"/>
+          <p:cNvPicPr>
+            <a:picLocks noChangeAspect="1"/>
+          </p:cNvPicPr>
+          <p:nvPr/>
+        </p:nvPicPr>
+        <p:blipFill>
+          <a:blip r:embed="rId5" cstate="print">
+            <a:extLst>
+              <a:ext uri="{28A0092B-C50C-407E-A947-70E740481C1C}">
+                <a14:useLocalDpi xmlns:a14="http://schemas.microsoft.com/office/drawing/2010/main" val="0"/>
+              </a:ext>
+            </a:extLst>
+          </a:blip>
+          <a:stretch>
+            <a:fillRect/>
+          </a:stretch>
+        </p:blipFill>
+        <p:spPr>
+          <a:xfrm>
+            <a:off x="5267406" y="3888172"/>
+            <a:ext cx="469911" cy="447617"/>
+          </a:xfrm>
+          <a:prstGeom prst="rect">
+            <a:avLst/>
+          </a:prstGeom>
+        </p:spPr>
+      </p:pic>
+      <p:pic>
+        <p:nvPicPr>
+          <p:cNvPr id="8" name="Imagen 7"/>
+          <p:cNvPicPr>
+            <a:picLocks noChangeAspect="1"/>
+          </p:cNvPicPr>
+          <p:nvPr/>
+        </p:nvPicPr>
+        <p:blipFill rotWithShape="1">
+          <a:blip r:embed="rId6" cstate="print">
+            <a:extLst>
+              <a:ext uri="{28A0092B-C50C-407E-A947-70E740481C1C}">
+                <a14:useLocalDpi xmlns:a14="http://schemas.microsoft.com/office/drawing/2010/main" val="0"/>
+              </a:ext>
+            </a:extLst>
+          </a:blip>
+          <a:srcRect t="25623" r="4507" b="27944"/>
+          <a:stretch/>
+        </p:blipFill>
+        <p:spPr>
+          <a:xfrm>
+            <a:off x="6078126" y="4004505"/>
+            <a:ext cx="1634833" cy="264983"/>
+          </a:xfrm>
+          <a:prstGeom prst="rect">
+            <a:avLst/>
+          </a:prstGeom>
+        </p:spPr>
+      </p:pic>
+      <p:pic>
+        <p:nvPicPr>
+          <p:cNvPr id="9" name="Imagen 8"/>
+          <p:cNvPicPr>
+            <a:picLocks noChangeAspect="1"/>
+          </p:cNvPicPr>
+          <p:nvPr/>
+        </p:nvPicPr>
+        <p:blipFill>
+          <a:blip r:embed="rId7" cstate="print">
+            <a:extLst>
+              <a:ext uri="{28A0092B-C50C-407E-A947-70E740481C1C}">
+                <a14:useLocalDpi xmlns:a14="http://schemas.microsoft.com/office/drawing/2010/main" val="0"/>
+              </a:ext>
+            </a:extLst>
+          </a:blip>
+          <a:stretch>
+            <a:fillRect/>
+          </a:stretch>
+        </p:blipFill>
+        <p:spPr>
+          <a:xfrm>
+            <a:off x="5267406" y="3220199"/>
+            <a:ext cx="416388" cy="469478"/>
+          </a:xfrm>
+          <a:prstGeom prst="rect">
+            <a:avLst/>
+          </a:prstGeom>
+        </p:spPr>
+      </p:pic>
+      <p:pic>
+        <p:nvPicPr>
+          <p:cNvPr id="10" name="Imagen 9"/>
+          <p:cNvPicPr>
+            <a:picLocks noChangeAspect="1"/>
+          </p:cNvPicPr>
+          <p:nvPr/>
+        </p:nvPicPr>
+        <p:blipFill>
+          <a:blip r:embed="rId8" cstate="print">
+            <a:extLst>
+              <a:ext uri="{28A0092B-C50C-407E-A947-70E740481C1C}">
+                <a14:useLocalDpi xmlns:a14="http://schemas.microsoft.com/office/drawing/2010/main" val="0"/>
+              </a:ext>
+            </a:extLst>
+          </a:blip>
+          <a:stretch>
+            <a:fillRect/>
+          </a:stretch>
+        </p:blipFill>
+        <p:spPr>
+          <a:xfrm>
+            <a:off x="5267406" y="2492554"/>
+            <a:ext cx="469911" cy="529825"/>
+          </a:xfrm>
+          <a:prstGeom prst="rect">
+            <a:avLst/>
+          </a:prstGeom>
+        </p:spPr>
+      </p:pic>
+      <p:pic>
+        <p:nvPicPr>
+          <p:cNvPr id="12" name="Imagen 11"/>
+          <p:cNvPicPr>
+            <a:picLocks noChangeAspect="1"/>
+          </p:cNvPicPr>
+          <p:nvPr/>
+        </p:nvPicPr>
+        <p:blipFill>
+          <a:blip r:embed="rId9" cstate="print">
+            <a:extLst>
+              <a:ext uri="{28A0092B-C50C-407E-A947-70E740481C1C}">
+                <a14:useLocalDpi xmlns:a14="http://schemas.microsoft.com/office/drawing/2010/main" val="0"/>
+              </a:ext>
+            </a:extLst>
+          </a:blip>
+          <a:stretch>
+            <a:fillRect/>
+          </a:stretch>
+        </p:blipFill>
+        <p:spPr>
+          <a:xfrm>
+            <a:off x="6155144" y="3171388"/>
+            <a:ext cx="492907" cy="492907"/>
+          </a:xfrm>
+          <a:prstGeom prst="rect">
+            <a:avLst/>
+          </a:prstGeom>
+        </p:spPr>
+      </p:pic>
+      <p:pic>
+        <p:nvPicPr>
+          <p:cNvPr id="13" name="Imagen 12"/>
+          <p:cNvPicPr>
+            <a:picLocks noChangeAspect="1"/>
+          </p:cNvPicPr>
+          <p:nvPr/>
+        </p:nvPicPr>
+        <p:blipFill>
+          <a:blip r:embed="rId10" cstate="print">
+            <a:extLst>
+              <a:ext uri="{28A0092B-C50C-407E-A947-70E740481C1C}">
+                <a14:useLocalDpi xmlns:a14="http://schemas.microsoft.com/office/drawing/2010/main" val="0"/>
+              </a:ext>
+            </a:extLst>
+          </a:blip>
+          <a:stretch>
+            <a:fillRect/>
+          </a:stretch>
+        </p:blipFill>
+        <p:spPr>
+          <a:xfrm>
+            <a:off x="6155144" y="1801152"/>
+            <a:ext cx="492907" cy="492907"/>
+          </a:xfrm>
+          <a:prstGeom prst="rect">
+            <a:avLst/>
+          </a:prstGeom>
+        </p:spPr>
+      </p:pic>
+      <p:pic>
+        <p:nvPicPr>
+          <p:cNvPr id="14" name="Imagen 13"/>
+          <p:cNvPicPr>
+            <a:picLocks noChangeAspect="1"/>
+          </p:cNvPicPr>
+          <p:nvPr/>
+        </p:nvPicPr>
+        <p:blipFill>
+          <a:blip r:embed="rId11" cstate="print">
+            <a:extLst>
+              <a:ext uri="{28A0092B-C50C-407E-A947-70E740481C1C}">
+                <a14:useLocalDpi xmlns:a14="http://schemas.microsoft.com/office/drawing/2010/main" val="0"/>
+              </a:ext>
+            </a:extLst>
+          </a:blip>
+          <a:stretch>
+            <a:fillRect/>
+          </a:stretch>
+        </p:blipFill>
+        <p:spPr>
+          <a:xfrm>
+            <a:off x="5180881" y="4425481"/>
+            <a:ext cx="575325" cy="575325"/>
+          </a:xfrm>
+          <a:prstGeom prst="rect">
+            <a:avLst/>
+          </a:prstGeom>
+        </p:spPr>
+      </p:pic>
+      <p:pic>
+        <p:nvPicPr>
+          <p:cNvPr id="15" name="Imagen 14"/>
+          <p:cNvPicPr>
+            <a:picLocks noChangeAspect="1"/>
+          </p:cNvPicPr>
+          <p:nvPr/>
+        </p:nvPicPr>
+        <p:blipFill rotWithShape="1">
+          <a:blip r:embed="rId12">
+            <a:extLst>
+              <a:ext uri="{28A0092B-C50C-407E-A947-70E740481C1C}">
+                <a14:useLocalDpi xmlns:a14="http://schemas.microsoft.com/office/drawing/2010/main" val="0"/>
+              </a:ext>
+            </a:extLst>
+          </a:blip>
+          <a:srcRect l="4993" t="12903" r="4809" b="23574"/>
+          <a:stretch/>
+        </p:blipFill>
+        <p:spPr>
+          <a:xfrm>
+            <a:off x="6078126" y="4406967"/>
+            <a:ext cx="785745" cy="558752"/>
+          </a:xfrm>
+          <a:prstGeom prst="rect">
+            <a:avLst/>
+          </a:prstGeom>
+        </p:spPr>
+      </p:pic>
+      <p:pic>
+        <p:nvPicPr>
+          <p:cNvPr id="16" name="Imagen 15"/>
+          <p:cNvPicPr>
+            <a:picLocks noChangeAspect="1"/>
+          </p:cNvPicPr>
+          <p:nvPr/>
+        </p:nvPicPr>
+        <p:blipFill>
+          <a:blip r:embed="rId13" cstate="print">
+            <a:extLst>
+              <a:ext uri="{28A0092B-C50C-407E-A947-70E740481C1C}">
+                <a14:useLocalDpi xmlns:a14="http://schemas.microsoft.com/office/drawing/2010/main" val="0"/>
+              </a:ext>
+            </a:extLst>
+          </a:blip>
+          <a:stretch>
+            <a:fillRect/>
+          </a:stretch>
+        </p:blipFill>
+        <p:spPr>
+          <a:xfrm>
+            <a:off x="5272441" y="1828801"/>
+            <a:ext cx="492336" cy="465258"/>
+          </a:xfrm>
+          <a:prstGeom prst="rect">
+            <a:avLst/>
+          </a:prstGeom>
+        </p:spPr>
+      </p:pic>
+    </p:spTree>
+    <p:extLst>
+      <p:ext uri="{BB962C8B-B14F-4D97-AF65-F5344CB8AC3E}">
+        <p14:creationId xmlns:p14="http://schemas.microsoft.com/office/powerpoint/2010/main" val="1860715420"/>
+      </p:ext>
+    </p:extLst>
+  </p:cSld>
+  <p:clrMapOvr>
+    <a:masterClrMapping/>
+  </p:clrMapOvr>
+  <mc:AlternateContent xmlns:mc="http://schemas.openxmlformats.org/markup-compatibility/2006" xmlns:p14="http://schemas.microsoft.com/office/powerpoint/2010/main">
+    <mc:Choice Requires="p14">
+      <p:transition p14:dur="150">
+        <p:fade/>
+      </p:transition>
+    </mc:Choice>
+    <mc:Fallback xmlns="">
+      <p:transition>
+        <p:fade/>
+      </p:transition>
+    </mc:Fallback>
+  </mc:AlternateContent>
+  <p:timing>
+    <p:tnLst>
+      <p:par>
+        <p:cTn id="1" dur="indefinite" restart="never" nodeType="tmRoot"/>
+      </p:par>
+    </p:tnLst>
+  </p:timing>
+</p:sld>
+</file>
+
+<file path=ppt/slides/slide13.xml><?xml version="1.0" encoding="utf-8"?>
+<p:sld xmlns:a="http://schemas.openxmlformats.org/drawingml/2006/main" xmlns:r="http://schemas.openxmlformats.org/officeDocument/2006/relationships" xmlns:p="http://schemas.openxmlformats.org/presentationml/2006/main">
+  <p:cSld>
+    <p:spTree>
+      <p:nvGrpSpPr>
+        <p:cNvPr id="1" name=""/>
+        <p:cNvGrpSpPr/>
+        <p:nvPr/>
+      </p:nvGrpSpPr>
+      <p:grpSpPr>
+        <a:xfrm>
+          <a:off x="0" y="0"/>
+          <a:ext cx="0" cy="0"/>
+          <a:chOff x="0" y="0"/>
+          <a:chExt cx="0" cy="0"/>
+        </a:xfrm>
+      </p:grpSpPr>
+      <p:sp>
+        <p:nvSpPr>
+          <p:cNvPr id="2" name="Title 1"/>
+          <p:cNvSpPr>
+            <a:spLocks noGrp="1"/>
+          </p:cNvSpPr>
+          <p:nvPr>
+            <p:ph type="title"/>
+          </p:nvPr>
+        </p:nvSpPr>
+        <p:spPr/>
+        <p:txBody>
+          <a:bodyPr/>
+          <a:lstStyle/>
+          <a:p>
+            <a:r>
+              <a:rPr lang="es-CL" dirty="0"/>
+              <a:t>Calendarización y entregables</a:t>
+            </a:r>
+            <a:endParaRPr lang="en-US" dirty="0"/>
+          </a:p>
+        </p:txBody>
+      </p:sp>
+      <p:pic>
+        <p:nvPicPr>
+          <p:cNvPr id="7" name="Marcador de contenido 6"/>
+          <p:cNvPicPr>
+            <a:picLocks noGrp="1" noChangeAspect="1"/>
+          </p:cNvPicPr>
+          <p:nvPr>
+            <p:ph idx="1"/>
+          </p:nvPr>
+        </p:nvPicPr>
+        <p:blipFill>
+          <a:blip r:embed="rId3"/>
+          <a:stretch>
+            <a:fillRect/>
+          </a:stretch>
+        </p:blipFill>
+        <p:spPr>
+          <a:xfrm>
+            <a:off x="1261872" y="2503715"/>
+            <a:ext cx="8934688" cy="2808514"/>
+          </a:xfrm>
+          <a:prstGeom prst="rect">
+            <a:avLst/>
+          </a:prstGeom>
+          <a:ln>
+            <a:solidFill>
+              <a:schemeClr val="tx1"/>
+            </a:solidFill>
+          </a:ln>
+        </p:spPr>
+      </p:pic>
+      <p:sp>
+        <p:nvSpPr>
+          <p:cNvPr id="4" name="Slide Number Placeholder 3"/>
+          <p:cNvSpPr>
+            <a:spLocks noGrp="1"/>
+          </p:cNvSpPr>
+          <p:nvPr>
+            <p:ph type="sldNum" sz="quarter" idx="12"/>
+          </p:nvPr>
+        </p:nvSpPr>
+        <p:spPr/>
+        <p:txBody>
+          <a:bodyPr>
+            <a:normAutofit lnSpcReduction="10000"/>
+          </a:bodyPr>
+          <a:lstStyle/>
+          <a:p>
+            <a:fld id="{66B77C49-310C-4D67-A641-7D2CCF3E3B8A}" type="slidenum">
+              <a:rPr lang="es-CL" smtClean="0"/>
+              <a:t>12</a:t>
+            </a:fld>
+            <a:endParaRPr lang="es-CL"/>
+          </a:p>
+        </p:txBody>
+      </p:sp>
+      <p:pic>
+        <p:nvPicPr>
+          <p:cNvPr id="5" name="Picture 2" descr="Resultado de imagen para duoc"/>
+          <p:cNvPicPr>
+            <a:picLocks noChangeAspect="1" noChangeArrowheads="1"/>
+          </p:cNvPicPr>
+          <p:nvPr/>
+        </p:nvPicPr>
+        <p:blipFill rotWithShape="1">
+          <a:blip r:embed="rId4">
+            <a:extLst>
+              <a:ext uri="{28A0092B-C50C-407E-A947-70E740481C1C}">
+                <a14:useLocalDpi xmlns:a14="http://schemas.microsoft.com/office/drawing/2010/main" val="0"/>
+              </a:ext>
+            </a:extLst>
+          </a:blip>
+          <a:srcRect t="13892" r="19022"/>
+          <a:stretch/>
+        </p:blipFill>
+        <p:spPr bwMode="auto">
+          <a:xfrm>
+            <a:off x="9023169" y="378822"/>
+            <a:ext cx="2001883" cy="524910"/>
+          </a:xfrm>
+          <a:prstGeom prst="rect">
+            <a:avLst/>
+          </a:prstGeom>
+          <a:noFill/>
+          <a:extLst>
+            <a:ext uri="{909E8E84-426E-40DD-AFC4-6F175D3DCCD1}">
+              <a14:hiddenFill xmlns:a14="http://schemas.microsoft.com/office/drawing/2010/main">
+                <a:solidFill>
+                  <a:srgbClr val="FFFFFF"/>
+                </a:solidFill>
+              </a14:hiddenFill>
+            </a:ext>
+          </a:extLst>
+        </p:spPr>
+      </p:pic>
+      <p:sp>
+        <p:nvSpPr>
+          <p:cNvPr id="8" name="TextBox 2"/>
+          <p:cNvSpPr txBox="1"/>
+          <p:nvPr/>
+        </p:nvSpPr>
+        <p:spPr>
+          <a:xfrm>
+            <a:off x="3609885" y="5570537"/>
+            <a:ext cx="4238661" cy="369332"/>
+          </a:xfrm>
+          <a:prstGeom prst="rect">
+            <a:avLst/>
+          </a:prstGeom>
+          <a:noFill/>
+        </p:spPr>
+        <p:txBody>
+          <a:bodyPr wrap="none" rtlCol="0">
+            <a:spAutoFit/>
+          </a:bodyPr>
+          <a:lstStyle/>
+          <a:p>
+            <a:r>
+              <a:rPr lang="es-ES_tradnl" dirty="0" smtClean="0"/>
+              <a:t>Fig. 3: Carta Gantt: Primera iteración</a:t>
+            </a:r>
+            <a:endParaRPr lang="es-ES_tradnl" dirty="0"/>
+          </a:p>
+        </p:txBody>
+      </p:sp>
+    </p:spTree>
+    <p:extLst>
+      <p:ext uri="{BB962C8B-B14F-4D97-AF65-F5344CB8AC3E}">
+        <p14:creationId xmlns:p14="http://schemas.microsoft.com/office/powerpoint/2010/main" val="2178985857"/>
+      </p:ext>
+    </p:extLst>
+  </p:cSld>
+  <p:clrMapOvr>
+    <a:masterClrMapping/>
+  </p:clrMapOvr>
+  <mc:AlternateContent xmlns:mc="http://schemas.openxmlformats.org/markup-compatibility/2006" xmlns:p14="http://schemas.microsoft.com/office/powerpoint/2010/main">
+    <mc:Choice Requires="p14">
+      <p:transition p14:dur="150">
+        <p:fade/>
+      </p:transition>
+    </mc:Choice>
+    <mc:Fallback xmlns="">
+      <p:transition>
+        <p:fade/>
+      </p:transition>
+    </mc:Fallback>
+  </mc:AlternateContent>
+  <p:timing>
+    <p:tnLst>
+      <p:par>
+        <p:cTn id="1" dur="indefinite" restart="never" nodeType="tmRoot"/>
+      </p:par>
+    </p:tnLst>
+  </p:timing>
+</p:sld>
+</file>
+
+<file path=ppt/slides/slide14.xml><?xml version="1.0" encoding="utf-8"?>
+<p:sld xmlns:a="http://schemas.openxmlformats.org/drawingml/2006/main" xmlns:r="http://schemas.openxmlformats.org/officeDocument/2006/relationships" xmlns:p="http://schemas.openxmlformats.org/presentationml/2006/main">
+  <p:cSld>
+    <p:spTree>
+      <p:nvGrpSpPr>
+        <p:cNvPr id="1" name=""/>
+        <p:cNvGrpSpPr/>
+        <p:nvPr/>
+      </p:nvGrpSpPr>
+      <p:grpSpPr>
+        <a:xfrm>
+          <a:off x="0" y="0"/>
+          <a:ext cx="0" cy="0"/>
+          <a:chOff x="0" y="0"/>
+          <a:chExt cx="0" cy="0"/>
+        </a:xfrm>
+      </p:grpSpPr>
+      <p:sp>
+        <p:nvSpPr>
+          <p:cNvPr id="2" name="Title 1"/>
+          <p:cNvSpPr>
+            <a:spLocks noGrp="1"/>
+          </p:cNvSpPr>
+          <p:nvPr>
+            <p:ph type="title"/>
+          </p:nvPr>
+        </p:nvSpPr>
+        <p:spPr/>
+        <p:txBody>
+          <a:bodyPr/>
+          <a:lstStyle/>
+          <a:p>
+            <a:r>
+              <a:rPr lang="es-CL" dirty="0"/>
+              <a:t>Calendarización y entregables</a:t>
+            </a:r>
+            <a:endParaRPr lang="en-US" dirty="0"/>
+          </a:p>
+        </p:txBody>
+      </p:sp>
+      <p:sp>
+        <p:nvSpPr>
+          <p:cNvPr id="4" name="Slide Number Placeholder 3"/>
+          <p:cNvSpPr>
+            <a:spLocks noGrp="1"/>
+          </p:cNvSpPr>
+          <p:nvPr>
+            <p:ph type="sldNum" sz="quarter" idx="12"/>
+          </p:nvPr>
+        </p:nvSpPr>
+        <p:spPr/>
+        <p:txBody>
+          <a:bodyPr>
+            <a:normAutofit lnSpcReduction="10000"/>
+          </a:bodyPr>
+          <a:lstStyle/>
+          <a:p>
+            <a:fld id="{66B77C49-310C-4D67-A641-7D2CCF3E3B8A}" type="slidenum">
+              <a:rPr lang="es-CL" smtClean="0"/>
+              <a:t>13</a:t>
             </a:fld>
             <a:endParaRPr lang="es-CL"/>
           </a:p>
@@ -10363,7 +11073,7 @@
 </p:sld>
 </file>
 
-<file path=ppt/slides/slide13.xml><?xml version="1.0" encoding="utf-8"?>
+<file path=ppt/slides/slide15.xml><?xml version="1.0" encoding="utf-8"?>
 <p:sld xmlns:a="http://schemas.openxmlformats.org/drawingml/2006/main" xmlns:r="http://schemas.openxmlformats.org/officeDocument/2006/relationships" xmlns:p="http://schemas.openxmlformats.org/presentationml/2006/main">
   <p:cSld>
     <p:spTree>
@@ -10422,7 +11132,7 @@
           <a:p>
             <a:fld id="{66B77C49-310C-4D67-A641-7D2CCF3E3B8A}" type="slidenum">
               <a:rPr lang="es-CL" smtClean="0"/>
-              <a:t>12</a:t>
+              <a:t>14</a:t>
             </a:fld>
             <a:endParaRPr lang="es-CL"/>
           </a:p>
@@ -10568,7 +11278,7 @@
 </p:sld>
 </file>
 
-<file path=ppt/slides/slide14.xml><?xml version="1.0" encoding="utf-8"?>
+<file path=ppt/slides/slide16.xml><?xml version="1.0" encoding="utf-8"?>
 <p:sld xmlns:a="http://schemas.openxmlformats.org/drawingml/2006/main" xmlns:r="http://schemas.openxmlformats.org/officeDocument/2006/relationships" xmlns:p="http://schemas.openxmlformats.org/presentationml/2006/main">
   <p:cSld>
     <p:spTree>
@@ -10595,7 +11305,12 @@
             <p:ph type="title"/>
           </p:nvPr>
         </p:nvSpPr>
-        <p:spPr/>
+        <p:spPr>
+          <a:xfrm>
+            <a:off x="1332412" y="2801423"/>
+            <a:ext cx="9692640" cy="1397124"/>
+          </a:xfrm>
+        </p:spPr>
         <p:txBody>
           <a:bodyPr>
             <a:normAutofit/>
@@ -10618,111 +11333,10 @@
               <a:t>Diseño y construcción </a:t>
             </a:r>
             <a:r>
-              <a:rPr lang="es-CL" dirty="0" err="1" smtClean="0"/>
-              <a:t>backend</a:t>
+              <a:rPr lang="es-CL" dirty="0" smtClean="0"/>
+              <a:t>back end</a:t>
             </a:r>
             <a:endParaRPr lang="en-US" dirty="0"/>
-          </a:p>
-        </p:txBody>
-      </p:sp>
-      <p:sp>
-        <p:nvSpPr>
-          <p:cNvPr id="3" name="Content Placeholder 2"/>
-          <p:cNvSpPr>
-            <a:spLocks noGrp="1"/>
-          </p:cNvSpPr>
-          <p:nvPr>
-            <p:ph idx="1"/>
-          </p:nvPr>
-        </p:nvSpPr>
-        <p:spPr/>
-        <p:txBody>
-          <a:bodyPr>
-            <a:normAutofit/>
-          </a:bodyPr>
-          <a:lstStyle/>
-          <a:p>
-            <a:r>
-              <a:rPr lang="es-CL" sz="3200" dirty="0" smtClean="0">
-                <a:latin typeface="Calibri" panose="020F0502020204030204" pitchFamily="34" charset="0"/>
-              </a:rPr>
-              <a:t>Arquitectura</a:t>
-            </a:r>
-          </a:p>
-          <a:p>
-            <a:pPr lvl="1"/>
-            <a:r>
-              <a:rPr lang="es-CL" sz="2800" dirty="0" smtClean="0">
-                <a:latin typeface="Calibri" panose="020F0502020204030204" pitchFamily="34" charset="0"/>
-              </a:rPr>
-              <a:t>RFC</a:t>
-            </a:r>
-            <a:endParaRPr lang="es-CL" sz="2800" dirty="0">
-              <a:latin typeface="Calibri" panose="020F0502020204030204" pitchFamily="34" charset="0"/>
-            </a:endParaRPr>
-          </a:p>
-          <a:p>
-            <a:pPr lvl="1"/>
-            <a:r>
-              <a:rPr lang="es-CL" sz="2800" dirty="0" smtClean="0">
-                <a:latin typeface="Calibri" panose="020F0502020204030204" pitchFamily="34" charset="0"/>
-              </a:rPr>
-              <a:t>Modelo de despliegue</a:t>
-            </a:r>
-          </a:p>
-          <a:p>
-            <a:r>
-              <a:rPr lang="es-CL" sz="3000" dirty="0" smtClean="0">
-                <a:latin typeface="Calibri" panose="020F0502020204030204" pitchFamily="34" charset="0"/>
-              </a:rPr>
-              <a:t>Modelo de datos</a:t>
-            </a:r>
-          </a:p>
-          <a:p>
-            <a:r>
-              <a:rPr lang="es-CL" sz="3000" dirty="0" smtClean="0">
-                <a:latin typeface="Calibri" panose="020F0502020204030204" pitchFamily="34" charset="0"/>
-              </a:rPr>
-              <a:t>Modelo de clases</a:t>
-            </a:r>
-          </a:p>
-          <a:p>
-            <a:pPr lvl="1"/>
-            <a:r>
-              <a:rPr lang="es-CL" sz="2800" dirty="0" smtClean="0">
-                <a:latin typeface="Calibri" panose="020F0502020204030204" pitchFamily="34" charset="0"/>
-              </a:rPr>
-              <a:t>Patrón utilizado</a:t>
-            </a:r>
-          </a:p>
-          <a:p>
-            <a:pPr lvl="1"/>
-            <a:r>
-              <a:rPr lang="es-CL" sz="2800" dirty="0" smtClean="0">
-                <a:latin typeface="Calibri" panose="020F0502020204030204" pitchFamily="34" charset="0"/>
-              </a:rPr>
-              <a:t>Nomenclatura de las clases</a:t>
-            </a:r>
-          </a:p>
-          <a:p>
-            <a:pPr lvl="1"/>
-            <a:r>
-              <a:rPr lang="es-CL" sz="2800" dirty="0" smtClean="0">
-                <a:latin typeface="Calibri" panose="020F0502020204030204" pitchFamily="34" charset="0"/>
-              </a:rPr>
-              <a:t>Metodología</a:t>
-            </a:r>
-            <a:endParaRPr lang="es-CL" sz="2800" dirty="0">
-              <a:latin typeface="Calibri" panose="020F0502020204030204" pitchFamily="34" charset="0"/>
-            </a:endParaRPr>
-          </a:p>
-          <a:p>
-            <a:pPr marL="274320" lvl="1" indent="0">
-              <a:buNone/>
-            </a:pPr>
-            <a:endParaRPr lang="es-CL" sz="3000" dirty="0" smtClean="0">
-              <a:latin typeface="Calibri" panose="020F0502020204030204" pitchFamily="34" charset="0"/>
-            </a:endParaRPr>
           </a:p>
         </p:txBody>
       </p:sp>
@@ -10745,7 +11359,7 @@
           <a:p>
             <a:fld id="{66B77C49-310C-4D67-A641-7D2CCF3E3B8A}" type="slidenum">
               <a:rPr lang="es-CL" smtClean="0"/>
-              <a:t>13</a:t>
+              <a:t>15</a:t>
             </a:fld>
             <a:endParaRPr lang="es-CL"/>
           </a:p>
@@ -10822,7 +11436,7 @@
 </p:sld>
 </file>
 
-<file path=ppt/slides/slide15.xml><?xml version="1.0" encoding="utf-8"?>
+<file path=ppt/slides/slide17.xml><?xml version="1.0" encoding="utf-8"?>
 <p:sld xmlns:a="http://schemas.openxmlformats.org/drawingml/2006/main" xmlns:r="http://schemas.openxmlformats.org/officeDocument/2006/relationships" xmlns:p="http://schemas.openxmlformats.org/presentationml/2006/main">
   <p:cSld>
     <p:spTree>
@@ -10910,7 +11524,7 @@
           <a:p>
             <a:fld id="{66B77C49-310C-4D67-A641-7D2CCF3E3B8A}" type="slidenum">
               <a:rPr lang="es-ES_tradnl" smtClean="0"/>
-              <a:t>14</a:t>
+              <a:t>16</a:t>
             </a:fld>
             <a:endParaRPr lang="es-ES_tradnl" dirty="0"/>
           </a:p>
@@ -11193,7 +11807,7 @@
 </p:sld>
 </file>
 
-<file path=ppt/slides/slide16.xml><?xml version="1.0" encoding="utf-8"?>
+<file path=ppt/slides/slide18.xml><?xml version="1.0" encoding="utf-8"?>
 <p:sld xmlns:a="http://schemas.openxmlformats.org/drawingml/2006/main" xmlns:r="http://schemas.openxmlformats.org/officeDocument/2006/relationships" xmlns:p="http://schemas.openxmlformats.org/presentationml/2006/main">
   <p:cSld>
     <p:spTree>
@@ -11255,7 +11869,7 @@
           <a:p>
             <a:fld id="{66B77C49-310C-4D67-A641-7D2CCF3E3B8A}" type="slidenum">
               <a:rPr lang="es-CL" smtClean="0"/>
-              <a:t>15</a:t>
+              <a:t>17</a:t>
             </a:fld>
             <a:endParaRPr lang="es-CL"/>
           </a:p>
@@ -11390,7 +12004,7 @@
 </p:sld>
 </file>
 
-<file path=ppt/slides/slide17.xml><?xml version="1.0" encoding="utf-8"?>
+<file path=ppt/slides/slide19.xml><?xml version="1.0" encoding="utf-8"?>
 <p:sld xmlns:a="http://schemas.openxmlformats.org/drawingml/2006/main" xmlns:r="http://schemas.openxmlformats.org/officeDocument/2006/relationships" xmlns:p="http://schemas.openxmlformats.org/presentationml/2006/main">
   <p:cSld>
     <p:spTree>
@@ -11426,7 +12040,7 @@
           <a:p>
             <a:fld id="{66B77C49-310C-4D67-A641-7D2CCF3E3B8A}" type="slidenum">
               <a:rPr lang="es-ES_tradnl" smtClean="0"/>
-              <a:t>16</a:t>
+              <a:t>18</a:t>
             </a:fld>
             <a:endParaRPr lang="es-ES_tradnl" dirty="0"/>
           </a:p>
@@ -11587,7 +12201,7 @@
 </p:sld>
 </file>
 
-<file path=ppt/slides/slide18.xml><?xml version="1.0" encoding="utf-8"?>
+<file path=ppt/slides/slide2.xml><?xml version="1.0" encoding="utf-8"?>
 <p:sld xmlns:a="http://schemas.openxmlformats.org/drawingml/2006/main" xmlns:r="http://schemas.openxmlformats.org/officeDocument/2006/relationships" xmlns:p="http://schemas.openxmlformats.org/presentationml/2006/main">
   <p:cSld>
     <p:spTree>
@@ -11606,6 +12220,123 @@
       </p:grpSpPr>
       <p:sp>
         <p:nvSpPr>
+          <p:cNvPr id="2" name="Title 1"/>
+          <p:cNvSpPr>
+            <a:spLocks noGrp="1"/>
+          </p:cNvSpPr>
+          <p:nvPr>
+            <p:ph type="title"/>
+          </p:nvPr>
+        </p:nvSpPr>
+        <p:spPr/>
+        <p:txBody>
+          <a:bodyPr/>
+          <a:lstStyle/>
+          <a:p>
+            <a:r>
+              <a:rPr lang="en-US" dirty="0" smtClean="0"/>
+              <a:t>Agenda</a:t>
+            </a:r>
+            <a:endParaRPr lang="en-US" dirty="0"/>
+          </a:p>
+        </p:txBody>
+      </p:sp>
+      <p:sp>
+        <p:nvSpPr>
+          <p:cNvPr id="3" name="Content Placeholder 2"/>
+          <p:cNvSpPr>
+            <a:spLocks noGrp="1"/>
+          </p:cNvSpPr>
+          <p:nvPr>
+            <p:ph idx="1"/>
+          </p:nvPr>
+        </p:nvSpPr>
+        <p:spPr/>
+        <p:txBody>
+          <a:bodyPr>
+            <a:normAutofit fontScale="92500" lnSpcReduction="10000"/>
+          </a:bodyPr>
+          <a:lstStyle/>
+          <a:p>
+            <a:r>
+              <a:rPr lang="es-ES_tradnl" sz="3200" dirty="0" smtClean="0"/>
+              <a:t>Cliente y problemática</a:t>
+            </a:r>
+          </a:p>
+          <a:p>
+            <a:r>
+              <a:rPr lang="es-ES_tradnl" sz="3200" dirty="0" smtClean="0"/>
+              <a:t>Iteración 1: Planificación del proyecto</a:t>
+            </a:r>
+            <a:endParaRPr lang="es-ES_tradnl" sz="3000" dirty="0" smtClean="0"/>
+          </a:p>
+          <a:p>
+            <a:pPr lvl="1"/>
+            <a:r>
+              <a:rPr lang="es-ES_tradnl" sz="3000" dirty="0" smtClean="0"/>
+              <a:t>Alcance</a:t>
+            </a:r>
+          </a:p>
+          <a:p>
+            <a:pPr lvl="1"/>
+            <a:r>
+              <a:rPr lang="es-ES_tradnl" sz="3000" dirty="0" smtClean="0"/>
+              <a:t>Organización del equipo</a:t>
+            </a:r>
+          </a:p>
+          <a:p>
+            <a:pPr lvl="1"/>
+            <a:r>
+              <a:rPr lang="es-ES_tradnl" sz="3000" dirty="0" smtClean="0"/>
+              <a:t>Calendarización y entregables</a:t>
+            </a:r>
+            <a:endParaRPr lang="es-ES_tradnl" sz="2800" dirty="0" smtClean="0"/>
+          </a:p>
+          <a:p>
+            <a:r>
+              <a:rPr lang="es-ES_tradnl" sz="3200" dirty="0" smtClean="0"/>
+              <a:t>Iteración 2: Diseño y construcción de </a:t>
+            </a:r>
+            <a:r>
+              <a:rPr lang="es-ES_tradnl" sz="3200" dirty="0" err="1" smtClean="0"/>
+              <a:t>backend</a:t>
+            </a:r>
+            <a:endParaRPr lang="es-ES_tradnl" sz="3200" dirty="0" smtClean="0"/>
+          </a:p>
+          <a:p>
+            <a:pPr lvl="1"/>
+            <a:r>
+              <a:rPr lang="es-ES_tradnl" sz="3000" dirty="0" smtClean="0"/>
+              <a:t>Arquitectura</a:t>
+            </a:r>
+          </a:p>
+          <a:p>
+            <a:pPr lvl="1"/>
+            <a:r>
+              <a:rPr lang="es-ES_tradnl" sz="3000" dirty="0"/>
+              <a:t>Modelo de clases, </a:t>
+            </a:r>
+            <a:r>
+              <a:rPr lang="es-ES_tradnl" sz="3000" dirty="0" smtClean="0"/>
+              <a:t>construcción y </a:t>
+            </a:r>
+            <a:r>
+              <a:rPr lang="es-ES_tradnl" sz="3000" dirty="0" err="1" smtClean="0"/>
+              <a:t>testing</a:t>
+            </a:r>
+            <a:endParaRPr lang="es-ES_tradnl" sz="3000" dirty="0" smtClean="0"/>
+          </a:p>
+          <a:p>
+            <a:pPr lvl="1"/>
+            <a:r>
+              <a:rPr lang="es-ES_tradnl" sz="3000" dirty="0" smtClean="0"/>
+              <a:t>Modelo de datos</a:t>
+            </a:r>
+          </a:p>
+        </p:txBody>
+      </p:sp>
+      <p:sp>
+        <p:nvSpPr>
           <p:cNvPr id="4" name="Slide Number Placeholder 3"/>
           <p:cNvSpPr>
             <a:spLocks noGrp="1"/>
@@ -11622,8 +12353,121 @@
           <a:lstStyle/>
           <a:p>
             <a:fld id="{66B77C49-310C-4D67-A641-7D2CCF3E3B8A}" type="slidenum">
+              <a:rPr lang="es-CL" smtClean="0"/>
+              <a:t>1</a:t>
+            </a:fld>
+            <a:endParaRPr lang="es-CL"/>
+          </a:p>
+        </p:txBody>
+      </p:sp>
+      <p:pic>
+        <p:nvPicPr>
+          <p:cNvPr id="5" name="Picture 2" descr="Resultado de imagen para duoc"/>
+          <p:cNvPicPr>
+            <a:picLocks noChangeAspect="1" noChangeArrowheads="1"/>
+          </p:cNvPicPr>
+          <p:nvPr/>
+        </p:nvPicPr>
+        <p:blipFill rotWithShape="1">
+          <a:blip r:embed="rId3">
+            <a:extLst>
+              <a:ext uri="{28A0092B-C50C-407E-A947-70E740481C1C}">
+                <a14:useLocalDpi xmlns:a14="http://schemas.microsoft.com/office/drawing/2010/main" val="0"/>
+              </a:ext>
+            </a:extLst>
+          </a:blip>
+          <a:srcRect t="13892" r="19022"/>
+          <a:stretch/>
+        </p:blipFill>
+        <p:spPr bwMode="auto">
+          <a:xfrm>
+            <a:off x="9023169" y="378822"/>
+            <a:ext cx="2001883" cy="524910"/>
+          </a:xfrm>
+          <a:prstGeom prst="rect">
+            <a:avLst/>
+          </a:prstGeom>
+          <a:noFill/>
+          <a:extLst>
+            <a:ext uri="{909E8E84-426E-40DD-AFC4-6F175D3DCCD1}">
+              <a14:hiddenFill xmlns:a14="http://schemas.microsoft.com/office/drawing/2010/main">
+                <a:solidFill>
+                  <a:srgbClr val="FFFFFF"/>
+                </a:solidFill>
+              </a14:hiddenFill>
+            </a:ext>
+          </a:extLst>
+        </p:spPr>
+      </p:pic>
+    </p:spTree>
+    <p:extLst>
+      <p:ext uri="{BB962C8B-B14F-4D97-AF65-F5344CB8AC3E}">
+        <p14:creationId xmlns:p14="http://schemas.microsoft.com/office/powerpoint/2010/main" val="1313367284"/>
+      </p:ext>
+    </p:extLst>
+  </p:cSld>
+  <p:clrMapOvr>
+    <a:masterClrMapping/>
+  </p:clrMapOvr>
+  <mc:AlternateContent xmlns:mc="http://schemas.openxmlformats.org/markup-compatibility/2006" xmlns:p14="http://schemas.microsoft.com/office/powerpoint/2010/main">
+    <mc:Choice Requires="p14">
+      <p:transition p14:dur="150">
+        <p:fade/>
+      </p:transition>
+    </mc:Choice>
+    <mc:Fallback xmlns="">
+      <p:transition>
+        <p:fade/>
+      </p:transition>
+    </mc:Fallback>
+  </mc:AlternateContent>
+  <p:timing>
+    <p:tnLst>
+      <p:par>
+        <p:cTn id="1" dur="indefinite" restart="never" nodeType="tmRoot"/>
+      </p:par>
+    </p:tnLst>
+  </p:timing>
+</p:sld>
+</file>
+
+<file path=ppt/slides/slide20.xml><?xml version="1.0" encoding="utf-8"?>
+<p:sld xmlns:a="http://schemas.openxmlformats.org/drawingml/2006/main" xmlns:r="http://schemas.openxmlformats.org/officeDocument/2006/relationships" xmlns:p="http://schemas.openxmlformats.org/presentationml/2006/main">
+  <p:cSld>
+    <p:spTree>
+      <p:nvGrpSpPr>
+        <p:cNvPr id="1" name=""/>
+        <p:cNvGrpSpPr/>
+        <p:nvPr/>
+      </p:nvGrpSpPr>
+      <p:grpSpPr>
+        <a:xfrm>
+          <a:off x="0" y="0"/>
+          <a:ext cx="0" cy="0"/>
+          <a:chOff x="0" y="0"/>
+          <a:chExt cx="0" cy="0"/>
+        </a:xfrm>
+      </p:grpSpPr>
+      <p:sp>
+        <p:nvSpPr>
+          <p:cNvPr id="4" name="Slide Number Placeholder 3"/>
+          <p:cNvSpPr>
+            <a:spLocks noGrp="1"/>
+          </p:cNvSpPr>
+          <p:nvPr>
+            <p:ph type="sldNum" sz="quarter" idx="12"/>
+          </p:nvPr>
+        </p:nvSpPr>
+        <p:spPr/>
+        <p:txBody>
+          <a:bodyPr>
+            <a:normAutofit lnSpcReduction="10000"/>
+          </a:bodyPr>
+          <a:lstStyle/>
+          <a:p>
+            <a:fld id="{66B77C49-310C-4D67-A641-7D2CCF3E3B8A}" type="slidenum">
               <a:rPr lang="es-ES_tradnl" smtClean="0"/>
-              <a:t>17</a:t>
+              <a:t>19</a:t>
             </a:fld>
             <a:endParaRPr lang="es-ES_tradnl" dirty="0"/>
           </a:p>
@@ -11784,7 +12628,7 @@
 </p:sld>
 </file>
 
-<file path=ppt/slides/slide19.xml><?xml version="1.0" encoding="utf-8"?>
+<file path=ppt/slides/slide21.xml><?xml version="1.0" encoding="utf-8"?>
 <p:sld xmlns:a="http://schemas.openxmlformats.org/drawingml/2006/main" xmlns:r="http://schemas.openxmlformats.org/officeDocument/2006/relationships" xmlns:p="http://schemas.openxmlformats.org/presentationml/2006/main">
   <p:cSld>
     <p:spTree>
@@ -11843,462 +12687,7 @@
           <a:p>
             <a:fld id="{66B77C49-310C-4D67-A641-7D2CCF3E3B8A}" type="slidenum">
               <a:rPr lang="es-ES_tradnl" smtClean="0"/>
-              <a:t>18</a:t>
-            </a:fld>
-            <a:endParaRPr lang="es-ES_tradnl" dirty="0"/>
-          </a:p>
-        </p:txBody>
-      </p:sp>
-      <p:pic>
-        <p:nvPicPr>
-          <p:cNvPr id="5" name="Picture 2" descr="Resultado de imagen para duoc"/>
-          <p:cNvPicPr>
-            <a:picLocks noChangeAspect="1" noChangeArrowheads="1"/>
-          </p:cNvPicPr>
-          <p:nvPr/>
-        </p:nvPicPr>
-        <p:blipFill rotWithShape="1">
-          <a:blip r:embed="rId3">
-            <a:extLst>
-              <a:ext uri="{28A0092B-C50C-407E-A947-70E740481C1C}">
-                <a14:useLocalDpi xmlns:a14="http://schemas.microsoft.com/office/drawing/2010/main" val="0"/>
-              </a:ext>
-            </a:extLst>
-          </a:blip>
-          <a:srcRect t="13892" r="19022"/>
-          <a:stretch/>
-        </p:blipFill>
-        <p:spPr bwMode="auto">
-          <a:xfrm>
-            <a:off x="9023169" y="378822"/>
-            <a:ext cx="2001883" cy="524910"/>
-          </a:xfrm>
-          <a:prstGeom prst="rect">
-            <a:avLst/>
-          </a:prstGeom>
-          <a:noFill/>
-          <a:extLst>
-            <a:ext uri="{909E8E84-426E-40DD-AFC4-6F175D3DCCD1}">
-              <a14:hiddenFill xmlns:a14="http://schemas.microsoft.com/office/drawing/2010/main">
-                <a:solidFill>
-                  <a:srgbClr val="FFFFFF"/>
-                </a:solidFill>
-              </a14:hiddenFill>
-            </a:ext>
-          </a:extLst>
-        </p:spPr>
-      </p:pic>
-      <p:pic>
-        <p:nvPicPr>
-          <p:cNvPr id="10" name="Imagen 9"/>
-          <p:cNvPicPr>
-            <a:picLocks noChangeAspect="1"/>
-          </p:cNvPicPr>
-          <p:nvPr/>
-        </p:nvPicPr>
-        <p:blipFill>
-          <a:blip r:embed="rId4">
-            <a:extLst>
-              <a:ext uri="{28A0092B-C50C-407E-A947-70E740481C1C}">
-                <a14:useLocalDpi xmlns:a14="http://schemas.microsoft.com/office/drawing/2010/main" val="0"/>
-              </a:ext>
-            </a:extLst>
-          </a:blip>
-          <a:stretch>
-            <a:fillRect/>
-          </a:stretch>
-        </p:blipFill>
-        <p:spPr>
-          <a:xfrm>
-            <a:off x="1581721" y="2035459"/>
-            <a:ext cx="4526471" cy="3929502"/>
-          </a:xfrm>
-          <a:prstGeom prst="rect">
-            <a:avLst/>
-          </a:prstGeom>
-        </p:spPr>
-      </p:pic>
-      <p:pic>
-        <p:nvPicPr>
-          <p:cNvPr id="11" name="Imagen 10"/>
-          <p:cNvPicPr>
-            <a:picLocks noChangeAspect="1"/>
-          </p:cNvPicPr>
-          <p:nvPr/>
-        </p:nvPicPr>
-        <p:blipFill rotWithShape="1">
-          <a:blip r:embed="rId5">
-            <a:extLst>
-              <a:ext uri="{28A0092B-C50C-407E-A947-70E740481C1C}">
-                <a14:useLocalDpi xmlns:a14="http://schemas.microsoft.com/office/drawing/2010/main" val="0"/>
-              </a:ext>
-            </a:extLst>
-          </a:blip>
-          <a:srcRect l="23752" t="16252" r="20360" b="14533"/>
-          <a:stretch/>
-        </p:blipFill>
-        <p:spPr>
-          <a:xfrm>
-            <a:off x="7421466" y="1775946"/>
-            <a:ext cx="1795988" cy="2224264"/>
-          </a:xfrm>
-          <a:prstGeom prst="rect">
-            <a:avLst/>
-          </a:prstGeom>
-        </p:spPr>
-      </p:pic>
-      <p:pic>
-        <p:nvPicPr>
-          <p:cNvPr id="12" name="Imagen 11"/>
-          <p:cNvPicPr>
-            <a:picLocks noChangeAspect="1"/>
-          </p:cNvPicPr>
-          <p:nvPr/>
-        </p:nvPicPr>
-        <p:blipFill>
-          <a:blip r:embed="rId6" cstate="print">
-            <a:extLst>
-              <a:ext uri="{28A0092B-C50C-407E-A947-70E740481C1C}">
-                <a14:useLocalDpi xmlns:a14="http://schemas.microsoft.com/office/drawing/2010/main" val="0"/>
-              </a:ext>
-            </a:extLst>
-          </a:blip>
-          <a:stretch>
-            <a:fillRect/>
-          </a:stretch>
-        </p:blipFill>
-        <p:spPr>
-          <a:xfrm>
-            <a:off x="7417360" y="4250267"/>
-            <a:ext cx="1800094" cy="1714694"/>
-          </a:xfrm>
-          <a:prstGeom prst="rect">
-            <a:avLst/>
-          </a:prstGeom>
-        </p:spPr>
-      </p:pic>
-    </p:spTree>
-    <p:extLst>
-      <p:ext uri="{BB962C8B-B14F-4D97-AF65-F5344CB8AC3E}">
-        <p14:creationId xmlns:p14="http://schemas.microsoft.com/office/powerpoint/2010/main" val="1819135733"/>
-      </p:ext>
-    </p:extLst>
-  </p:cSld>
-  <p:clrMapOvr>
-    <a:masterClrMapping/>
-  </p:clrMapOvr>
-  <mc:AlternateContent xmlns:mc="http://schemas.openxmlformats.org/markup-compatibility/2006" xmlns:p14="http://schemas.microsoft.com/office/powerpoint/2010/main">
-    <mc:Choice Requires="p14">
-      <p:transition p14:dur="150">
-        <p:fade/>
-      </p:transition>
-    </mc:Choice>
-    <mc:Fallback xmlns="">
-      <p:transition>
-        <p:fade/>
-      </p:transition>
-    </mc:Fallback>
-  </mc:AlternateContent>
-  <p:timing>
-    <p:tnLst>
-      <p:par>
-        <p:cTn id="1" dur="indefinite" restart="never" nodeType="tmRoot"/>
-      </p:par>
-    </p:tnLst>
-  </p:timing>
-</p:sld>
-</file>
-
-<file path=ppt/slides/slide2.xml><?xml version="1.0" encoding="utf-8"?>
-<p:sld xmlns:a="http://schemas.openxmlformats.org/drawingml/2006/main" xmlns:r="http://schemas.openxmlformats.org/officeDocument/2006/relationships" xmlns:p="http://schemas.openxmlformats.org/presentationml/2006/main">
-  <p:cSld>
-    <p:spTree>
-      <p:nvGrpSpPr>
-        <p:cNvPr id="1" name=""/>
-        <p:cNvGrpSpPr/>
-        <p:nvPr/>
-      </p:nvGrpSpPr>
-      <p:grpSpPr>
-        <a:xfrm>
-          <a:off x="0" y="0"/>
-          <a:ext cx="0" cy="0"/>
-          <a:chOff x="0" y="0"/>
-          <a:chExt cx="0" cy="0"/>
-        </a:xfrm>
-      </p:grpSpPr>
-      <p:sp>
-        <p:nvSpPr>
-          <p:cNvPr id="2" name="Title 1"/>
-          <p:cNvSpPr>
-            <a:spLocks noGrp="1"/>
-          </p:cNvSpPr>
-          <p:nvPr>
-            <p:ph type="title"/>
-          </p:nvPr>
-        </p:nvSpPr>
-        <p:spPr/>
-        <p:txBody>
-          <a:bodyPr/>
-          <a:lstStyle/>
-          <a:p>
-            <a:r>
-              <a:rPr lang="en-US" dirty="0" smtClean="0"/>
-              <a:t>Agenda</a:t>
-            </a:r>
-            <a:endParaRPr lang="en-US" dirty="0"/>
-          </a:p>
-        </p:txBody>
-      </p:sp>
-      <p:sp>
-        <p:nvSpPr>
-          <p:cNvPr id="3" name="Content Placeholder 2"/>
-          <p:cNvSpPr>
-            <a:spLocks noGrp="1"/>
-          </p:cNvSpPr>
-          <p:nvPr>
-            <p:ph idx="1"/>
-          </p:nvPr>
-        </p:nvSpPr>
-        <p:spPr/>
-        <p:txBody>
-          <a:bodyPr>
-            <a:normAutofit fontScale="92500" lnSpcReduction="10000"/>
-          </a:bodyPr>
-          <a:lstStyle/>
-          <a:p>
-            <a:r>
-              <a:rPr lang="es-ES_tradnl" sz="3200" dirty="0" smtClean="0"/>
-              <a:t>Cliente y problemática</a:t>
-            </a:r>
-          </a:p>
-          <a:p>
-            <a:r>
-              <a:rPr lang="es-ES_tradnl" sz="3200" dirty="0" smtClean="0"/>
-              <a:t>Iteración 1: Planificación del proyecto</a:t>
-            </a:r>
-            <a:endParaRPr lang="es-ES_tradnl" sz="3000" dirty="0" smtClean="0"/>
-          </a:p>
-          <a:p>
-            <a:pPr lvl="1"/>
-            <a:r>
-              <a:rPr lang="es-ES_tradnl" sz="3000" dirty="0" smtClean="0"/>
-              <a:t>Alcance</a:t>
-            </a:r>
-          </a:p>
-          <a:p>
-            <a:pPr lvl="1"/>
-            <a:r>
-              <a:rPr lang="es-ES_tradnl" sz="3000" dirty="0" smtClean="0"/>
-              <a:t>Organización del equipo</a:t>
-            </a:r>
-          </a:p>
-          <a:p>
-            <a:pPr lvl="1"/>
-            <a:r>
-              <a:rPr lang="es-ES_tradnl" sz="3000" dirty="0" smtClean="0"/>
-              <a:t>Calendarización y entregables</a:t>
-            </a:r>
-            <a:endParaRPr lang="es-ES_tradnl" sz="2800" dirty="0" smtClean="0"/>
-          </a:p>
-          <a:p>
-            <a:r>
-              <a:rPr lang="es-ES_tradnl" sz="3200" dirty="0" smtClean="0"/>
-              <a:t>Iteración 2: Diseño y construcción de </a:t>
-            </a:r>
-            <a:r>
-              <a:rPr lang="es-ES_tradnl" sz="3200" dirty="0" err="1" smtClean="0"/>
-              <a:t>backend</a:t>
-            </a:r>
-            <a:endParaRPr lang="es-ES_tradnl" sz="3200" dirty="0" smtClean="0"/>
-          </a:p>
-          <a:p>
-            <a:pPr lvl="1"/>
-            <a:r>
-              <a:rPr lang="es-ES_tradnl" sz="3000" dirty="0" smtClean="0"/>
-              <a:t>Arquitectura</a:t>
-            </a:r>
-          </a:p>
-          <a:p>
-            <a:pPr lvl="1"/>
-            <a:r>
-              <a:rPr lang="es-ES_tradnl" sz="3000" dirty="0"/>
-              <a:t>Modelo de clases, </a:t>
-            </a:r>
-            <a:r>
-              <a:rPr lang="es-ES_tradnl" sz="3000" dirty="0" smtClean="0"/>
-              <a:t>construcción y </a:t>
-            </a:r>
-            <a:r>
-              <a:rPr lang="es-ES_tradnl" sz="3000" dirty="0" err="1" smtClean="0"/>
-              <a:t>testing</a:t>
-            </a:r>
-            <a:endParaRPr lang="es-ES_tradnl" sz="3000" dirty="0" smtClean="0"/>
-          </a:p>
-          <a:p>
-            <a:pPr lvl="1"/>
-            <a:r>
-              <a:rPr lang="es-ES_tradnl" sz="3000" dirty="0" smtClean="0"/>
-              <a:t>Modelo de datos</a:t>
-            </a:r>
-          </a:p>
-        </p:txBody>
-      </p:sp>
-      <p:sp>
-        <p:nvSpPr>
-          <p:cNvPr id="4" name="Slide Number Placeholder 3"/>
-          <p:cNvSpPr>
-            <a:spLocks noGrp="1"/>
-          </p:cNvSpPr>
-          <p:nvPr>
-            <p:ph type="sldNum" sz="quarter" idx="12"/>
-          </p:nvPr>
-        </p:nvSpPr>
-        <p:spPr/>
-        <p:txBody>
-          <a:bodyPr>
-            <a:normAutofit lnSpcReduction="10000"/>
-          </a:bodyPr>
-          <a:lstStyle/>
-          <a:p>
-            <a:fld id="{66B77C49-310C-4D67-A641-7D2CCF3E3B8A}" type="slidenum">
-              <a:rPr lang="es-CL" smtClean="0"/>
-              <a:t>1</a:t>
-            </a:fld>
-            <a:endParaRPr lang="es-CL"/>
-          </a:p>
-        </p:txBody>
-      </p:sp>
-      <p:pic>
-        <p:nvPicPr>
-          <p:cNvPr id="5" name="Picture 2" descr="Resultado de imagen para duoc"/>
-          <p:cNvPicPr>
-            <a:picLocks noChangeAspect="1" noChangeArrowheads="1"/>
-          </p:cNvPicPr>
-          <p:nvPr/>
-        </p:nvPicPr>
-        <p:blipFill rotWithShape="1">
-          <a:blip r:embed="rId3">
-            <a:extLst>
-              <a:ext uri="{28A0092B-C50C-407E-A947-70E740481C1C}">
-                <a14:useLocalDpi xmlns:a14="http://schemas.microsoft.com/office/drawing/2010/main" val="0"/>
-              </a:ext>
-            </a:extLst>
-          </a:blip>
-          <a:srcRect t="13892" r="19022"/>
-          <a:stretch/>
-        </p:blipFill>
-        <p:spPr bwMode="auto">
-          <a:xfrm>
-            <a:off x="9023169" y="378822"/>
-            <a:ext cx="2001883" cy="524910"/>
-          </a:xfrm>
-          <a:prstGeom prst="rect">
-            <a:avLst/>
-          </a:prstGeom>
-          <a:noFill/>
-          <a:extLst>
-            <a:ext uri="{909E8E84-426E-40DD-AFC4-6F175D3DCCD1}">
-              <a14:hiddenFill xmlns:a14="http://schemas.microsoft.com/office/drawing/2010/main">
-                <a:solidFill>
-                  <a:srgbClr val="FFFFFF"/>
-                </a:solidFill>
-              </a14:hiddenFill>
-            </a:ext>
-          </a:extLst>
-        </p:spPr>
-      </p:pic>
-    </p:spTree>
-    <p:extLst>
-      <p:ext uri="{BB962C8B-B14F-4D97-AF65-F5344CB8AC3E}">
-        <p14:creationId xmlns:p14="http://schemas.microsoft.com/office/powerpoint/2010/main" val="1313367284"/>
-      </p:ext>
-    </p:extLst>
-  </p:cSld>
-  <p:clrMapOvr>
-    <a:masterClrMapping/>
-  </p:clrMapOvr>
-  <mc:AlternateContent xmlns:mc="http://schemas.openxmlformats.org/markup-compatibility/2006" xmlns:p14="http://schemas.microsoft.com/office/powerpoint/2010/main">
-    <mc:Choice Requires="p14">
-      <p:transition p14:dur="150">
-        <p:fade/>
-      </p:transition>
-    </mc:Choice>
-    <mc:Fallback xmlns="">
-      <p:transition>
-        <p:fade/>
-      </p:transition>
-    </mc:Fallback>
-  </mc:AlternateContent>
-  <p:timing>
-    <p:tnLst>
-      <p:par>
-        <p:cTn id="1" dur="indefinite" restart="never" nodeType="tmRoot"/>
-      </p:par>
-    </p:tnLst>
-  </p:timing>
-</p:sld>
-</file>
-
-<file path=ppt/slides/slide20.xml><?xml version="1.0" encoding="utf-8"?>
-<p:sld xmlns:a="http://schemas.openxmlformats.org/drawingml/2006/main" xmlns:r="http://schemas.openxmlformats.org/officeDocument/2006/relationships" xmlns:p="http://schemas.openxmlformats.org/presentationml/2006/main">
-  <p:cSld>
-    <p:spTree>
-      <p:nvGrpSpPr>
-        <p:cNvPr id="1" name=""/>
-        <p:cNvGrpSpPr/>
-        <p:nvPr/>
-      </p:nvGrpSpPr>
-      <p:grpSpPr>
-        <a:xfrm>
-          <a:off x="0" y="0"/>
-          <a:ext cx="0" cy="0"/>
-          <a:chOff x="0" y="0"/>
-          <a:chExt cx="0" cy="0"/>
-        </a:xfrm>
-      </p:grpSpPr>
-      <p:sp>
-        <p:nvSpPr>
-          <p:cNvPr id="2" name="Title 1"/>
-          <p:cNvSpPr>
-            <a:spLocks noGrp="1"/>
-          </p:cNvSpPr>
-          <p:nvPr>
-            <p:ph type="title"/>
-          </p:nvPr>
-        </p:nvSpPr>
-        <p:spPr/>
-        <p:txBody>
-          <a:bodyPr/>
-          <a:lstStyle/>
-          <a:p>
-            <a:r>
-              <a:rPr lang="es-ES_tradnl" dirty="0" smtClean="0"/>
-              <a:t>Modelo de clases</a:t>
-            </a:r>
-            <a:endParaRPr lang="es-ES_tradnl" dirty="0"/>
-          </a:p>
-        </p:txBody>
-      </p:sp>
-      <p:sp>
-        <p:nvSpPr>
-          <p:cNvPr id="4" name="Slide Number Placeholder 3"/>
-          <p:cNvSpPr>
-            <a:spLocks noGrp="1"/>
-          </p:cNvSpPr>
-          <p:nvPr>
-            <p:ph type="sldNum" sz="quarter" idx="12"/>
-          </p:nvPr>
-        </p:nvSpPr>
-        <p:spPr/>
-        <p:txBody>
-          <a:bodyPr>
-            <a:normAutofit lnSpcReduction="10000"/>
-          </a:bodyPr>
-          <a:lstStyle/>
-          <a:p>
-            <a:fld id="{66B77C49-310C-4D67-A641-7D2CCF3E3B8A}" type="slidenum">
-              <a:rPr lang="es-ES_tradnl" smtClean="0"/>
-              <a:t>19</a:t>
+              <a:t>20</a:t>
             </a:fld>
             <a:endParaRPr lang="es-ES_tradnl" dirty="0"/>
           </a:p>
@@ -12365,8 +12754,67 @@
         </p:blipFill>
         <p:spPr>
           <a:xfrm>
-            <a:off x="3974592" y="1905000"/>
+            <a:off x="1526360" y="1905000"/>
             <a:ext cx="4267200" cy="4267200"/>
+          </a:xfrm>
+          <a:prstGeom prst="rect">
+            <a:avLst/>
+          </a:prstGeom>
+        </p:spPr>
+      </p:pic>
+      <p:pic>
+        <p:nvPicPr>
+          <p:cNvPr id="6" name="Imagen 10"/>
+          <p:cNvPicPr>
+            <a:picLocks noChangeAspect="1"/>
+          </p:cNvPicPr>
+          <p:nvPr/>
+        </p:nvPicPr>
+        <p:blipFill rotWithShape="1">
+          <a:blip r:embed="rId5">
+            <a:extLst>
+              <a:ext uri="{28A0092B-C50C-407E-A947-70E740481C1C}">
+                <a14:useLocalDpi xmlns:a14="http://schemas.microsoft.com/office/drawing/2010/main" val="0"/>
+              </a:ext>
+            </a:extLst>
+          </a:blip>
+          <a:srcRect l="23752" t="16252" r="20360" b="14533"/>
+          <a:stretch/>
+        </p:blipFill>
+        <p:spPr>
+          <a:xfrm>
+            <a:off x="7421466" y="1775946"/>
+            <a:ext cx="1795988" cy="2224264"/>
+          </a:xfrm>
+          <a:prstGeom prst="rect">
+            <a:avLst/>
+          </a:prstGeom>
+        </p:spPr>
+      </p:pic>
+      <p:pic>
+        <p:nvPicPr>
+          <p:cNvPr id="7" name="Imagen 11"/>
+          <p:cNvPicPr>
+            <a:picLocks noChangeAspect="1"/>
+          </p:cNvPicPr>
+          <p:nvPr/>
+        </p:nvPicPr>
+        <p:blipFill>
+          <a:blip r:embed="rId6" cstate="print">
+            <a:extLst>
+              <a:ext uri="{28A0092B-C50C-407E-A947-70E740481C1C}">
+                <a14:useLocalDpi xmlns:a14="http://schemas.microsoft.com/office/drawing/2010/main" val="0"/>
+              </a:ext>
+            </a:extLst>
+          </a:blip>
+          <a:stretch>
+            <a:fillRect/>
+          </a:stretch>
+        </p:blipFill>
+        <p:spPr>
+          <a:xfrm>
+            <a:off x="7417360" y="4250267"/>
+            <a:ext cx="1800094" cy="1714694"/>
           </a:xfrm>
           <a:prstGeom prst="rect">
             <a:avLst/>
@@ -12377,168 +12825,6 @@
     <p:extLst>
       <p:ext uri="{BB962C8B-B14F-4D97-AF65-F5344CB8AC3E}">
         <p14:creationId xmlns:p14="http://schemas.microsoft.com/office/powerpoint/2010/main" val="1274074628"/>
-      </p:ext>
-    </p:extLst>
-  </p:cSld>
-  <p:clrMapOvr>
-    <a:masterClrMapping/>
-  </p:clrMapOvr>
-  <mc:AlternateContent xmlns:mc="http://schemas.openxmlformats.org/markup-compatibility/2006" xmlns:p14="http://schemas.microsoft.com/office/powerpoint/2010/main">
-    <mc:Choice Requires="p14">
-      <p:transition p14:dur="150">
-        <p:fade/>
-      </p:transition>
-    </mc:Choice>
-    <mc:Fallback xmlns="">
-      <p:transition>
-        <p:fade/>
-      </p:transition>
-    </mc:Fallback>
-  </mc:AlternateContent>
-  <p:timing>
-    <p:tnLst>
-      <p:par>
-        <p:cTn id="1" dur="indefinite" restart="never" nodeType="tmRoot"/>
-      </p:par>
-    </p:tnLst>
-  </p:timing>
-</p:sld>
-</file>
-
-<file path=ppt/slides/slide21.xml><?xml version="1.0" encoding="utf-8"?>
-<p:sld xmlns:a="http://schemas.openxmlformats.org/drawingml/2006/main" xmlns:r="http://schemas.openxmlformats.org/officeDocument/2006/relationships" xmlns:p="http://schemas.openxmlformats.org/presentationml/2006/main">
-  <p:cSld>
-    <p:spTree>
-      <p:nvGrpSpPr>
-        <p:cNvPr id="1" name=""/>
-        <p:cNvGrpSpPr/>
-        <p:nvPr/>
-      </p:nvGrpSpPr>
-      <p:grpSpPr>
-        <a:xfrm>
-          <a:off x="0" y="0"/>
-          <a:ext cx="0" cy="0"/>
-          <a:chOff x="0" y="0"/>
-          <a:chExt cx="0" cy="0"/>
-        </a:xfrm>
-      </p:grpSpPr>
-      <p:sp>
-        <p:nvSpPr>
-          <p:cNvPr id="2" name="Title 1"/>
-          <p:cNvSpPr>
-            <a:spLocks noGrp="1"/>
-          </p:cNvSpPr>
-          <p:nvPr>
-            <p:ph type="title"/>
-          </p:nvPr>
-        </p:nvSpPr>
-        <p:spPr/>
-        <p:txBody>
-          <a:bodyPr/>
-          <a:lstStyle/>
-          <a:p>
-            <a:r>
-              <a:rPr lang="es-ES_tradnl" dirty="0" smtClean="0"/>
-              <a:t>Metodología orientada a </a:t>
-            </a:r>
-            <a:r>
-              <a:rPr lang="es-ES_tradnl" dirty="0" err="1" smtClean="0"/>
-              <a:t>testing</a:t>
-            </a:r>
-            <a:endParaRPr lang="es-ES_tradnl" dirty="0"/>
-          </a:p>
-        </p:txBody>
-      </p:sp>
-      <p:sp>
-        <p:nvSpPr>
-          <p:cNvPr id="4" name="Slide Number Placeholder 3"/>
-          <p:cNvSpPr>
-            <a:spLocks noGrp="1"/>
-          </p:cNvSpPr>
-          <p:nvPr>
-            <p:ph type="sldNum" sz="quarter" idx="12"/>
-          </p:nvPr>
-        </p:nvSpPr>
-        <p:spPr/>
-        <p:txBody>
-          <a:bodyPr>
-            <a:normAutofit lnSpcReduction="10000"/>
-          </a:bodyPr>
-          <a:lstStyle/>
-          <a:p>
-            <a:fld id="{66B77C49-310C-4D67-A641-7D2CCF3E3B8A}" type="slidenum">
-              <a:rPr lang="es-ES_tradnl" smtClean="0"/>
-              <a:t>20</a:t>
-            </a:fld>
-            <a:endParaRPr lang="es-ES_tradnl" dirty="0"/>
-          </a:p>
-        </p:txBody>
-      </p:sp>
-      <p:pic>
-        <p:nvPicPr>
-          <p:cNvPr id="5" name="Picture 2" descr="Resultado de imagen para duoc"/>
-          <p:cNvPicPr>
-            <a:picLocks noChangeAspect="1" noChangeArrowheads="1"/>
-          </p:cNvPicPr>
-          <p:nvPr/>
-        </p:nvPicPr>
-        <p:blipFill rotWithShape="1">
-          <a:blip r:embed="rId3">
-            <a:extLst>
-              <a:ext uri="{28A0092B-C50C-407E-A947-70E740481C1C}">
-                <a14:useLocalDpi xmlns:a14="http://schemas.microsoft.com/office/drawing/2010/main" val="0"/>
-              </a:ext>
-            </a:extLst>
-          </a:blip>
-          <a:srcRect t="13892" r="19022"/>
-          <a:stretch/>
-        </p:blipFill>
-        <p:spPr bwMode="auto">
-          <a:xfrm>
-            <a:off x="9023169" y="378822"/>
-            <a:ext cx="2001883" cy="524910"/>
-          </a:xfrm>
-          <a:prstGeom prst="rect">
-            <a:avLst/>
-          </a:prstGeom>
-          <a:noFill/>
-          <a:extLst>
-            <a:ext uri="{909E8E84-426E-40DD-AFC4-6F175D3DCCD1}">
-              <a14:hiddenFill xmlns:a14="http://schemas.microsoft.com/office/drawing/2010/main">
-                <a:solidFill>
-                  <a:srgbClr val="FFFFFF"/>
-                </a:solidFill>
-              </a14:hiddenFill>
-            </a:ext>
-          </a:extLst>
-        </p:spPr>
-      </p:pic>
-      <p:graphicFrame>
-        <p:nvGraphicFramePr>
-          <p:cNvPr id="8" name="Diagrama 7"/>
-          <p:cNvGraphicFramePr/>
-          <p:nvPr>
-            <p:extLst>
-              <p:ext uri="{D42A27DB-BD31-4B8C-83A1-F6EECF244321}">
-                <p14:modId xmlns:p14="http://schemas.microsoft.com/office/powerpoint/2010/main" val="992563441"/>
-              </p:ext>
-            </p:extLst>
-          </p:nvPr>
-        </p:nvGraphicFramePr>
-        <p:xfrm>
-          <a:off x="2266817" y="1270001"/>
-          <a:ext cx="7198916" cy="4902200"/>
-        </p:xfrm>
-        <a:graphic>
-          <a:graphicData uri="http://schemas.openxmlformats.org/drawingml/2006/diagram">
-            <dgm:relIds xmlns:dgm="http://schemas.openxmlformats.org/drawingml/2006/diagram" xmlns:r="http://schemas.openxmlformats.org/officeDocument/2006/relationships" r:dm="rId4" r:lo="rId5" r:qs="rId6" r:cs="rId7"/>
-          </a:graphicData>
-        </a:graphic>
-      </p:graphicFrame>
-    </p:spTree>
-    <p:extLst>
-      <p:ext uri="{BB962C8B-B14F-4D97-AF65-F5344CB8AC3E}">
-        <p14:creationId xmlns:p14="http://schemas.microsoft.com/office/powerpoint/2010/main" val="3263868211"/>
       </p:ext>
     </p:extLst>
   </p:cSld>
@@ -12586,7 +12872,7 @@
       </p:grpSpPr>
       <p:sp>
         <p:nvSpPr>
-          <p:cNvPr id="2" name="Título 1"/>
+          <p:cNvPr id="2" name="Title 1"/>
           <p:cNvSpPr>
             <a:spLocks noGrp="1"/>
           </p:cNvSpPr>
@@ -12599,37 +12885,21 @@
           <a:bodyPr/>
           <a:lstStyle/>
           <a:p>
-            <a:pPr algn="ctr"/>
-            <a:r>
-              <a:rPr lang="es-ES" dirty="0" smtClean="0"/>
-              <a:t>¿Preguntas?</a:t>
-            </a:r>
-            <a:endParaRPr lang="es-CL" dirty="0"/>
-          </a:p>
-        </p:txBody>
-      </p:sp>
-      <p:sp>
-        <p:nvSpPr>
-          <p:cNvPr id="3" name="Marcador de contenido 2"/>
-          <p:cNvSpPr>
-            <a:spLocks noGrp="1"/>
-          </p:cNvSpPr>
-          <p:nvPr>
-            <p:ph idx="1"/>
-          </p:nvPr>
-        </p:nvSpPr>
-        <p:spPr/>
-        <p:txBody>
-          <a:bodyPr/>
-          <a:lstStyle/>
-          <a:p>
-            <a:endParaRPr lang="es-CL" dirty="0"/>
-          </a:p>
-        </p:txBody>
-      </p:sp>
-      <p:sp>
-        <p:nvSpPr>
-          <p:cNvPr id="4" name="Marcador de número de diapositiva 3"/>
+            <a:r>
+              <a:rPr lang="es-ES_tradnl" dirty="0" smtClean="0"/>
+              <a:t>Metodología orientada a </a:t>
+            </a:r>
+            <a:r>
+              <a:rPr lang="es-ES_tradnl" dirty="0" err="1" smtClean="0"/>
+              <a:t>testing</a:t>
+            </a:r>
+            <a:endParaRPr lang="es-ES_tradnl" dirty="0"/>
+          </a:p>
+        </p:txBody>
+      </p:sp>
+      <p:sp>
+        <p:nvSpPr>
+          <p:cNvPr id="4" name="Slide Number Placeholder 3"/>
           <p:cNvSpPr>
             <a:spLocks noGrp="1"/>
           </p:cNvSpPr>
@@ -12645,8 +12915,172 @@
           <a:lstStyle/>
           <a:p>
             <a:fld id="{66B77C49-310C-4D67-A641-7D2CCF3E3B8A}" type="slidenum">
+              <a:rPr lang="es-ES_tradnl" smtClean="0"/>
+              <a:t>21</a:t>
+            </a:fld>
+            <a:endParaRPr lang="es-ES_tradnl" dirty="0"/>
+          </a:p>
+        </p:txBody>
+      </p:sp>
+      <p:pic>
+        <p:nvPicPr>
+          <p:cNvPr id="5" name="Picture 2" descr="Resultado de imagen para duoc"/>
+          <p:cNvPicPr>
+            <a:picLocks noChangeAspect="1" noChangeArrowheads="1"/>
+          </p:cNvPicPr>
+          <p:nvPr/>
+        </p:nvPicPr>
+        <p:blipFill rotWithShape="1">
+          <a:blip r:embed="rId3">
+            <a:extLst>
+              <a:ext uri="{28A0092B-C50C-407E-A947-70E740481C1C}">
+                <a14:useLocalDpi xmlns:a14="http://schemas.microsoft.com/office/drawing/2010/main" val="0"/>
+              </a:ext>
+            </a:extLst>
+          </a:blip>
+          <a:srcRect t="13892" r="19022"/>
+          <a:stretch/>
+        </p:blipFill>
+        <p:spPr bwMode="auto">
+          <a:xfrm>
+            <a:off x="9023169" y="378822"/>
+            <a:ext cx="2001883" cy="524910"/>
+          </a:xfrm>
+          <a:prstGeom prst="rect">
+            <a:avLst/>
+          </a:prstGeom>
+          <a:noFill/>
+          <a:extLst>
+            <a:ext uri="{909E8E84-426E-40DD-AFC4-6F175D3DCCD1}">
+              <a14:hiddenFill xmlns:a14="http://schemas.microsoft.com/office/drawing/2010/main">
+                <a:solidFill>
+                  <a:srgbClr val="FFFFFF"/>
+                </a:solidFill>
+              </a14:hiddenFill>
+            </a:ext>
+          </a:extLst>
+        </p:spPr>
+      </p:pic>
+      <p:graphicFrame>
+        <p:nvGraphicFramePr>
+          <p:cNvPr id="8" name="Diagrama 7"/>
+          <p:cNvGraphicFramePr/>
+          <p:nvPr>
+            <p:extLst>
+              <p:ext uri="{D42A27DB-BD31-4B8C-83A1-F6EECF244321}">
+                <p14:modId xmlns:p14="http://schemas.microsoft.com/office/powerpoint/2010/main" val="992563441"/>
+              </p:ext>
+            </p:extLst>
+          </p:nvPr>
+        </p:nvGraphicFramePr>
+        <p:xfrm>
+          <a:off x="2266817" y="1270001"/>
+          <a:ext cx="7198916" cy="4902200"/>
+        </p:xfrm>
+        <a:graphic>
+          <a:graphicData uri="http://schemas.openxmlformats.org/drawingml/2006/diagram">
+            <dgm:relIds xmlns:dgm="http://schemas.openxmlformats.org/drawingml/2006/diagram" xmlns:r="http://schemas.openxmlformats.org/officeDocument/2006/relationships" r:dm="rId4" r:lo="rId5" r:qs="rId6" r:cs="rId7"/>
+          </a:graphicData>
+        </a:graphic>
+      </p:graphicFrame>
+    </p:spTree>
+    <p:extLst>
+      <p:ext uri="{BB962C8B-B14F-4D97-AF65-F5344CB8AC3E}">
+        <p14:creationId xmlns:p14="http://schemas.microsoft.com/office/powerpoint/2010/main" val="3263868211"/>
+      </p:ext>
+    </p:extLst>
+  </p:cSld>
+  <p:clrMapOvr>
+    <a:masterClrMapping/>
+  </p:clrMapOvr>
+  <mc:AlternateContent xmlns:mc="http://schemas.openxmlformats.org/markup-compatibility/2006" xmlns:p14="http://schemas.microsoft.com/office/powerpoint/2010/main">
+    <mc:Choice Requires="p14">
+      <p:transition p14:dur="150">
+        <p:fade/>
+      </p:transition>
+    </mc:Choice>
+    <mc:Fallback xmlns="">
+      <p:transition>
+        <p:fade/>
+      </p:transition>
+    </mc:Fallback>
+  </mc:AlternateContent>
+  <p:timing>
+    <p:tnLst>
+      <p:par>
+        <p:cTn id="1" dur="indefinite" restart="never" nodeType="tmRoot"/>
+      </p:par>
+    </p:tnLst>
+  </p:timing>
+</p:sld>
+</file>
+
+<file path=ppt/slides/slide23.xml><?xml version="1.0" encoding="utf-8"?>
+<p:sld xmlns:a="http://schemas.openxmlformats.org/drawingml/2006/main" xmlns:r="http://schemas.openxmlformats.org/officeDocument/2006/relationships" xmlns:p="http://schemas.openxmlformats.org/presentationml/2006/main">
+  <p:cSld>
+    <p:spTree>
+      <p:nvGrpSpPr>
+        <p:cNvPr id="1" name=""/>
+        <p:cNvGrpSpPr/>
+        <p:nvPr/>
+      </p:nvGrpSpPr>
+      <p:grpSpPr>
+        <a:xfrm>
+          <a:off x="0" y="0"/>
+          <a:ext cx="0" cy="0"/>
+          <a:chOff x="0" y="0"/>
+          <a:chExt cx="0" cy="0"/>
+        </a:xfrm>
+      </p:grpSpPr>
+      <p:sp>
+        <p:nvSpPr>
+          <p:cNvPr id="2" name="Título 1"/>
+          <p:cNvSpPr>
+            <a:spLocks noGrp="1"/>
+          </p:cNvSpPr>
+          <p:nvPr>
+            <p:ph type="title"/>
+          </p:nvPr>
+        </p:nvSpPr>
+        <p:spPr>
+          <a:xfrm>
+            <a:off x="878414" y="2344224"/>
+            <a:ext cx="9692640" cy="1397124"/>
+          </a:xfrm>
+        </p:spPr>
+        <p:txBody>
+          <a:bodyPr/>
+          <a:lstStyle/>
+          <a:p>
+            <a:pPr algn="ctr"/>
+            <a:r>
+              <a:rPr lang="es-ES" dirty="0" smtClean="0"/>
+              <a:t>¿Preguntas?</a:t>
+            </a:r>
+            <a:endParaRPr lang="es-CL" dirty="0"/>
+          </a:p>
+        </p:txBody>
+      </p:sp>
+      <p:sp>
+        <p:nvSpPr>
+          <p:cNvPr id="4" name="Marcador de número de diapositiva 3"/>
+          <p:cNvSpPr>
+            <a:spLocks noGrp="1"/>
+          </p:cNvSpPr>
+          <p:nvPr>
+            <p:ph type="sldNum" sz="quarter" idx="12"/>
+          </p:nvPr>
+        </p:nvSpPr>
+        <p:spPr/>
+        <p:txBody>
+          <a:bodyPr>
+            <a:normAutofit lnSpcReduction="10000"/>
+          </a:bodyPr>
+          <a:lstStyle/>
+          <a:p>
+            <a:fld id="{66B77C49-310C-4D67-A641-7D2CCF3E3B8A}" type="slidenum">
               <a:rPr lang="es-CL" smtClean="0"/>
-              <a:t>21</a:t>
+              <a:t>22</a:t>
             </a:fld>
             <a:endParaRPr lang="es-CL"/>
           </a:p>
@@ -12906,28 +13340,10 @@
           </a:bodyPr>
           <a:lstStyle/>
           <a:p>
-            <a:r>
-              <a:rPr lang="es-ES_tradnl" sz="3200" dirty="0" smtClean="0"/>
-              <a:t>Manejo de información relevante en papel</a:t>
-            </a:r>
-          </a:p>
-          <a:p>
-            <a:r>
-              <a:rPr lang="es-ES_tradnl" sz="3200" dirty="0" smtClean="0"/>
-              <a:t>Excesivo tiempo de espera</a:t>
-            </a:r>
-          </a:p>
-          <a:p>
-            <a:r>
-              <a:rPr lang="es-ES_tradnl" sz="3200" dirty="0" smtClean="0"/>
-              <a:t>Pacientes con información imprecisa</a:t>
-            </a:r>
-          </a:p>
-          <a:p>
-            <a:r>
-              <a:rPr lang="es-ES_tradnl" sz="3200" dirty="0" smtClean="0"/>
-              <a:t>Procesos financieros con alta tasa de error</a:t>
-            </a:r>
+            <a:pPr marL="0" indent="0">
+              <a:buNone/>
+            </a:pPr>
+            <a:endParaRPr lang="es-ES_tradnl" sz="3200" dirty="0" smtClean="0"/>
           </a:p>
           <a:p>
             <a:endParaRPr lang="es-ES_tradnl" sz="3200" dirty="0" smtClean="0"/>
@@ -12954,6 +13370,242 @@
             <a:fld id="{66B77C49-310C-4D67-A641-7D2CCF3E3B8A}" type="slidenum">
               <a:rPr lang="es-CL" smtClean="0"/>
               <a:t>3</a:t>
+            </a:fld>
+            <a:endParaRPr lang="es-CL"/>
+          </a:p>
+        </p:txBody>
+      </p:sp>
+      <p:pic>
+        <p:nvPicPr>
+          <p:cNvPr id="5" name="Picture 2" descr="Resultado de imagen para duoc"/>
+          <p:cNvPicPr>
+            <a:picLocks noChangeAspect="1" noChangeArrowheads="1"/>
+          </p:cNvPicPr>
+          <p:nvPr/>
+        </p:nvPicPr>
+        <p:blipFill rotWithShape="1">
+          <a:blip r:embed="rId3">
+            <a:extLst>
+              <a:ext uri="{28A0092B-C50C-407E-A947-70E740481C1C}">
+                <a14:useLocalDpi xmlns:a14="http://schemas.microsoft.com/office/drawing/2010/main" val="0"/>
+              </a:ext>
+            </a:extLst>
+          </a:blip>
+          <a:srcRect t="13892" r="19022"/>
+          <a:stretch/>
+        </p:blipFill>
+        <p:spPr bwMode="auto">
+          <a:xfrm>
+            <a:off x="9023169" y="378822"/>
+            <a:ext cx="2001883" cy="524910"/>
+          </a:xfrm>
+          <a:prstGeom prst="rect">
+            <a:avLst/>
+          </a:prstGeom>
+          <a:noFill/>
+          <a:extLst>
+            <a:ext uri="{909E8E84-426E-40DD-AFC4-6F175D3DCCD1}">
+              <a14:hiddenFill xmlns:a14="http://schemas.microsoft.com/office/drawing/2010/main">
+                <a:solidFill>
+                  <a:srgbClr val="FFFFFF"/>
+                </a:solidFill>
+              </a14:hiddenFill>
+            </a:ext>
+          </a:extLst>
+        </p:spPr>
+      </p:pic>
+      <p:sp>
+        <p:nvSpPr>
+          <p:cNvPr id="38" name="TextBox 2"/>
+          <p:cNvSpPr txBox="1"/>
+          <p:nvPr/>
+        </p:nvSpPr>
+        <p:spPr>
+          <a:xfrm>
+            <a:off x="3458889" y="6180137"/>
+            <a:ext cx="3350597" cy="369332"/>
+          </a:xfrm>
+          <a:prstGeom prst="rect">
+            <a:avLst/>
+          </a:prstGeom>
+          <a:noFill/>
+        </p:spPr>
+        <p:txBody>
+          <a:bodyPr wrap="none" rtlCol="0">
+            <a:spAutoFit/>
+          </a:bodyPr>
+          <a:lstStyle/>
+          <a:p>
+            <a:r>
+              <a:rPr lang="es-ES_tradnl" dirty="0" smtClean="0"/>
+              <a:t>Fig. 1: Diagrama de Ishikawa</a:t>
+            </a:r>
+            <a:endParaRPr lang="es-ES_tradnl" dirty="0"/>
+          </a:p>
+        </p:txBody>
+      </p:sp>
+      <p:pic>
+        <p:nvPicPr>
+          <p:cNvPr id="7" name="Picture 6"/>
+          <p:cNvPicPr>
+            <a:picLocks noChangeAspect="1"/>
+          </p:cNvPicPr>
+          <p:nvPr/>
+        </p:nvPicPr>
+        <p:blipFill>
+          <a:blip r:embed="rId4">
+            <a:extLst>
+              <a:ext uri="{28A0092B-C50C-407E-A947-70E740481C1C}">
+                <a14:useLocalDpi xmlns:a14="http://schemas.microsoft.com/office/drawing/2010/main" val="0"/>
+              </a:ext>
+            </a:extLst>
+          </a:blip>
+          <a:stretch>
+            <a:fillRect/>
+          </a:stretch>
+        </p:blipFill>
+        <p:spPr>
+          <a:xfrm>
+            <a:off x="1817569" y="1760060"/>
+            <a:ext cx="7483965" cy="4488815"/>
+          </a:xfrm>
+          <a:prstGeom prst="rect">
+            <a:avLst/>
+          </a:prstGeom>
+        </p:spPr>
+      </p:pic>
+    </p:spTree>
+    <p:extLst>
+      <p:ext uri="{BB962C8B-B14F-4D97-AF65-F5344CB8AC3E}">
+        <p14:creationId xmlns:p14="http://schemas.microsoft.com/office/powerpoint/2010/main" val="3275574921"/>
+      </p:ext>
+    </p:extLst>
+  </p:cSld>
+  <p:clrMapOvr>
+    <a:masterClrMapping/>
+  </p:clrMapOvr>
+  <mc:AlternateContent xmlns:mc="http://schemas.openxmlformats.org/markup-compatibility/2006" xmlns:p14="http://schemas.microsoft.com/office/powerpoint/2010/main">
+    <mc:Choice Requires="p14">
+      <p:transition p14:dur="150">
+        <p:fade/>
+      </p:transition>
+    </mc:Choice>
+    <mc:Fallback xmlns="">
+      <p:transition>
+        <p:fade/>
+      </p:transition>
+    </mc:Fallback>
+  </mc:AlternateContent>
+  <p:timing>
+    <p:tnLst>
+      <p:par>
+        <p:cTn id="1" dur="indefinite" restart="never" nodeType="tmRoot"/>
+      </p:par>
+    </p:tnLst>
+  </p:timing>
+</p:sld>
+</file>
+
+<file path=ppt/slides/slide5.xml><?xml version="1.0" encoding="utf-8"?>
+<p:sld xmlns:a="http://schemas.openxmlformats.org/drawingml/2006/main" xmlns:r="http://schemas.openxmlformats.org/officeDocument/2006/relationships" xmlns:p="http://schemas.openxmlformats.org/presentationml/2006/main">
+  <p:cSld>
+    <p:spTree>
+      <p:nvGrpSpPr>
+        <p:cNvPr id="1" name=""/>
+        <p:cNvGrpSpPr/>
+        <p:nvPr/>
+      </p:nvGrpSpPr>
+      <p:grpSpPr>
+        <a:xfrm>
+          <a:off x="0" y="0"/>
+          <a:ext cx="0" cy="0"/>
+          <a:chOff x="0" y="0"/>
+          <a:chExt cx="0" cy="0"/>
+        </a:xfrm>
+      </p:grpSpPr>
+      <p:sp>
+        <p:nvSpPr>
+          <p:cNvPr id="2" name="Title 1"/>
+          <p:cNvSpPr>
+            <a:spLocks noGrp="1"/>
+          </p:cNvSpPr>
+          <p:nvPr>
+            <p:ph type="title"/>
+          </p:nvPr>
+        </p:nvSpPr>
+        <p:spPr/>
+        <p:txBody>
+          <a:bodyPr/>
+          <a:lstStyle/>
+          <a:p>
+            <a:r>
+              <a:rPr lang="es-CL" dirty="0" smtClean="0"/>
+              <a:t>Problemática</a:t>
+            </a:r>
+            <a:endParaRPr lang="en-US" dirty="0"/>
+          </a:p>
+        </p:txBody>
+      </p:sp>
+      <p:sp>
+        <p:nvSpPr>
+          <p:cNvPr id="3" name="Content Placeholder 2"/>
+          <p:cNvSpPr>
+            <a:spLocks noGrp="1"/>
+          </p:cNvSpPr>
+          <p:nvPr>
+            <p:ph idx="1"/>
+          </p:nvPr>
+        </p:nvSpPr>
+        <p:spPr/>
+        <p:txBody>
+          <a:bodyPr>
+            <a:normAutofit/>
+          </a:bodyPr>
+          <a:lstStyle/>
+          <a:p>
+            <a:r>
+              <a:rPr lang="en-US" sz="6600" dirty="0" err="1" smtClean="0"/>
+              <a:t>Más</a:t>
+            </a:r>
+            <a:r>
+              <a:rPr lang="en-US" sz="6600" dirty="0" smtClean="0"/>
+              <a:t> </a:t>
+            </a:r>
+            <a:r>
+              <a:rPr lang="en-US" sz="6600" dirty="0" err="1" smtClean="0"/>
+              <a:t>pacientes</a:t>
+            </a:r>
+            <a:endParaRPr lang="en-US" sz="6600" dirty="0" smtClean="0"/>
+          </a:p>
+          <a:p>
+            <a:r>
+              <a:rPr lang="es-ES_tradnl" sz="6600" dirty="0" smtClean="0"/>
+              <a:t>Los procesos administrativos se manejan en papel.</a:t>
+            </a:r>
+            <a:endParaRPr lang="es-ES_tradnl" sz="6600" dirty="0" smtClean="0"/>
+          </a:p>
+        </p:txBody>
+      </p:sp>
+      <p:sp>
+        <p:nvSpPr>
+          <p:cNvPr id="4" name="Slide Number Placeholder 3"/>
+          <p:cNvSpPr>
+            <a:spLocks noGrp="1"/>
+          </p:cNvSpPr>
+          <p:nvPr>
+            <p:ph type="sldNum" sz="quarter" idx="12"/>
+          </p:nvPr>
+        </p:nvSpPr>
+        <p:spPr/>
+        <p:txBody>
+          <a:bodyPr>
+            <a:normAutofit lnSpcReduction="10000"/>
+          </a:bodyPr>
+          <a:lstStyle/>
+          <a:p>
+            <a:fld id="{66B77C49-310C-4D67-A641-7D2CCF3E3B8A}" type="slidenum">
+              <a:rPr lang="es-CL" smtClean="0"/>
+              <a:t>4</a:t>
             </a:fld>
             <a:endParaRPr lang="es-CL"/>
           </a:p>
@@ -13030,7 +13682,7 @@
 </p:sld>
 </file>
 
-<file path=ppt/slides/slide5.xml><?xml version="1.0" encoding="utf-8"?>
+<file path=ppt/slides/slide6.xml><?xml version="1.0" encoding="utf-8"?>
 <p:sld xmlns:a="http://schemas.openxmlformats.org/drawingml/2006/main" xmlns:r="http://schemas.openxmlformats.org/officeDocument/2006/relationships" xmlns:p="http://schemas.openxmlformats.org/presentationml/2006/main">
   <p:cSld>
     <p:spTree>
@@ -13063,10 +13715,10 @@
           <a:lstStyle/>
           <a:p>
             <a:r>
-              <a:rPr lang="es-CL" dirty="0" smtClean="0"/>
-              <a:t>Problemática</a:t>
-            </a:r>
-            <a:endParaRPr lang="en-US" dirty="0"/>
+              <a:rPr lang="es-ES_tradnl" dirty="0" smtClean="0"/>
+              <a:t>Consecuencias</a:t>
+            </a:r>
+            <a:endParaRPr lang="es-ES_tradnl" dirty="0"/>
           </a:p>
         </p:txBody>
       </p:sp>
@@ -13087,13 +13739,172 @@
           </a:bodyPr>
           <a:lstStyle/>
           <a:p>
-            <a:pPr marL="0" indent="0">
-              <a:buNone/>
-            </a:pPr>
-            <a:endParaRPr lang="es-ES_tradnl" sz="3200" dirty="0" smtClean="0"/>
-          </a:p>
-          <a:p>
-            <a:endParaRPr lang="es-ES_tradnl" sz="3200" dirty="0" smtClean="0"/>
+            <a:r>
+              <a:rPr lang="en-US" sz="3600" dirty="0" smtClean="0"/>
+              <a:t>Los </a:t>
+            </a:r>
+            <a:r>
+              <a:rPr lang="en-US" sz="3600" dirty="0" err="1"/>
+              <a:t>tiempos</a:t>
+            </a:r>
+            <a:r>
+              <a:rPr lang="en-US" sz="3600" dirty="0"/>
+              <a:t> de </a:t>
+            </a:r>
+            <a:r>
+              <a:rPr lang="en-US" sz="3600" dirty="0" err="1" smtClean="0"/>
+              <a:t>espera</a:t>
+            </a:r>
+            <a:r>
+              <a:rPr lang="en-US" sz="3600" dirty="0" smtClean="0"/>
+              <a:t> del </a:t>
+            </a:r>
+            <a:r>
+              <a:rPr lang="en-US" sz="3600" dirty="0" err="1" smtClean="0"/>
+              <a:t>paciente</a:t>
+            </a:r>
+            <a:r>
+              <a:rPr lang="en-US" sz="3600" dirty="0" smtClean="0"/>
+              <a:t> </a:t>
+            </a:r>
+            <a:r>
+              <a:rPr lang="en-US" sz="3600" dirty="0"/>
+              <a:t>son </a:t>
+            </a:r>
+            <a:r>
+              <a:rPr lang="en-US" sz="3600" dirty="0" smtClean="0"/>
+              <a:t>largos</a:t>
+            </a:r>
+          </a:p>
+          <a:p>
+            <a:r>
+              <a:rPr lang="en-US" sz="3600" dirty="0" err="1" smtClean="0"/>
+              <a:t>Inconsistencia</a:t>
+            </a:r>
+            <a:r>
+              <a:rPr lang="en-US" sz="3600" dirty="0" smtClean="0"/>
+              <a:t> </a:t>
+            </a:r>
+            <a:r>
+              <a:rPr lang="en-US" sz="3600" dirty="0" err="1"/>
+              <a:t>en</a:t>
+            </a:r>
+            <a:r>
+              <a:rPr lang="en-US" sz="3600" dirty="0"/>
+              <a:t> </a:t>
+            </a:r>
+            <a:r>
+              <a:rPr lang="en-US" sz="3600" dirty="0" err="1"/>
+              <a:t>los</a:t>
+            </a:r>
+            <a:r>
+              <a:rPr lang="en-US" sz="3600" dirty="0"/>
+              <a:t> </a:t>
+            </a:r>
+            <a:r>
+              <a:rPr lang="en-US" sz="3600" dirty="0" err="1"/>
+              <a:t>datos</a:t>
+            </a:r>
+            <a:r>
+              <a:rPr lang="en-US" sz="3600" dirty="0"/>
+              <a:t> </a:t>
+            </a:r>
+            <a:r>
+              <a:rPr lang="en-US" sz="3600" dirty="0" err="1"/>
+              <a:t>entregados</a:t>
+            </a:r>
+            <a:r>
+              <a:rPr lang="en-US" sz="3600" dirty="0"/>
+              <a:t> </a:t>
+            </a:r>
+            <a:r>
+              <a:rPr lang="en-US" sz="3600" dirty="0" smtClean="0"/>
+              <a:t>al </a:t>
+            </a:r>
+            <a:r>
+              <a:rPr lang="en-US" sz="3600" dirty="0" err="1" smtClean="0"/>
+              <a:t>paciente</a:t>
+            </a:r>
+            <a:endParaRPr lang="en-US" sz="3600" dirty="0" smtClean="0"/>
+          </a:p>
+          <a:p>
+            <a:r>
+              <a:rPr lang="en-US" sz="3600" dirty="0" err="1" smtClean="0"/>
+              <a:t>Tasa</a:t>
+            </a:r>
+            <a:r>
+              <a:rPr lang="en-US" sz="3600" dirty="0" smtClean="0"/>
+              <a:t> de </a:t>
+            </a:r>
+            <a:r>
+              <a:rPr lang="en-US" sz="3600" dirty="0" err="1" smtClean="0"/>
+              <a:t>errores</a:t>
+            </a:r>
+            <a:r>
+              <a:rPr lang="en-US" sz="3600" dirty="0" smtClean="0"/>
+              <a:t> </a:t>
+            </a:r>
+            <a:r>
+              <a:rPr lang="en-US" sz="3600" dirty="0" err="1" smtClean="0"/>
+              <a:t>en</a:t>
+            </a:r>
+            <a:r>
+              <a:rPr lang="en-US" sz="3600" dirty="0" smtClean="0"/>
+              <a:t> </a:t>
+            </a:r>
+            <a:r>
+              <a:rPr lang="en-US" sz="3600" dirty="0" err="1"/>
+              <a:t>los</a:t>
+            </a:r>
+            <a:r>
+              <a:rPr lang="en-US" sz="3600" dirty="0"/>
+              <a:t> </a:t>
+            </a:r>
+            <a:r>
+              <a:rPr lang="en-US" sz="3600" dirty="0" err="1"/>
+              <a:t>procesos</a:t>
+            </a:r>
+            <a:r>
+              <a:rPr lang="en-US" sz="3600" dirty="0"/>
+              <a:t> </a:t>
+            </a:r>
+            <a:r>
+              <a:rPr lang="en-US" sz="3600" dirty="0" err="1" smtClean="0"/>
+              <a:t>financieros</a:t>
+            </a:r>
+            <a:r>
+              <a:rPr lang="en-US" sz="3600" dirty="0" smtClean="0"/>
+              <a:t> </a:t>
+            </a:r>
+            <a:r>
+              <a:rPr lang="en-US" sz="3600" dirty="0" err="1"/>
+              <a:t>considerados</a:t>
+            </a:r>
+            <a:r>
+              <a:rPr lang="en-US" sz="3600" dirty="0"/>
+              <a:t> </a:t>
+            </a:r>
+            <a:r>
+              <a:rPr lang="en-US" sz="3600" dirty="0" err="1" smtClean="0"/>
+              <a:t>altas</a:t>
+            </a:r>
+            <a:r>
+              <a:rPr lang="en-US" sz="3600" dirty="0" smtClean="0"/>
+              <a:t> </a:t>
+            </a:r>
+            <a:r>
+              <a:rPr lang="en-US" sz="3600" dirty="0" err="1" smtClean="0"/>
+              <a:t>por</a:t>
+            </a:r>
+            <a:r>
+              <a:rPr lang="en-US" sz="3600" dirty="0" smtClean="0"/>
+              <a:t> la </a:t>
+            </a:r>
+            <a:r>
+              <a:rPr lang="en-US" sz="3600" dirty="0" err="1" smtClean="0"/>
+              <a:t>gerencia</a:t>
+            </a:r>
+            <a:endParaRPr lang="es-ES_tradnl" sz="3600" dirty="0"/>
           </a:p>
         </p:txBody>
       </p:sp>
@@ -13116,115 +13927,16 @@
           <a:p>
             <a:fld id="{66B77C49-310C-4D67-A641-7D2CCF3E3B8A}" type="slidenum">
               <a:rPr lang="es-CL" smtClean="0"/>
-              <a:t>4</a:t>
+              <a:t>5</a:t>
             </a:fld>
             <a:endParaRPr lang="es-CL"/>
           </a:p>
         </p:txBody>
       </p:sp>
-      <p:pic>
-        <p:nvPicPr>
-          <p:cNvPr id="5" name="Picture 2" descr="Resultado de imagen para duoc"/>
-          <p:cNvPicPr>
-            <a:picLocks noChangeAspect="1" noChangeArrowheads="1"/>
-          </p:cNvPicPr>
-          <p:nvPr/>
-        </p:nvPicPr>
-        <p:blipFill rotWithShape="1">
-          <a:blip r:embed="rId3">
-            <a:extLst>
-              <a:ext uri="{28A0092B-C50C-407E-A947-70E740481C1C}">
-                <a14:useLocalDpi xmlns:a14="http://schemas.microsoft.com/office/drawing/2010/main" val="0"/>
-              </a:ext>
-            </a:extLst>
-          </a:blip>
-          <a:srcRect t="13892" r="19022"/>
-          <a:stretch/>
-        </p:blipFill>
-        <p:spPr bwMode="auto">
-          <a:xfrm>
-            <a:off x="9023169" y="378822"/>
-            <a:ext cx="2001883" cy="524910"/>
-          </a:xfrm>
-          <a:prstGeom prst="rect">
-            <a:avLst/>
-          </a:prstGeom>
-          <a:noFill/>
-          <a:extLst>
-            <a:ext uri="{909E8E84-426E-40DD-AFC4-6F175D3DCCD1}">
-              <a14:hiddenFill xmlns:a14="http://schemas.microsoft.com/office/drawing/2010/main">
-                <a:solidFill>
-                  <a:srgbClr val="FFFFFF"/>
-                </a:solidFill>
-              </a14:hiddenFill>
-            </a:ext>
-          </a:extLst>
-        </p:spPr>
-      </p:pic>
-      <p:sp>
-        <p:nvSpPr>
-          <p:cNvPr id="38" name="TextBox 2"/>
-          <p:cNvSpPr txBox="1"/>
-          <p:nvPr/>
-        </p:nvSpPr>
-        <p:spPr>
-          <a:xfrm>
-            <a:off x="3458889" y="6180137"/>
-            <a:ext cx="3350597" cy="369332"/>
-          </a:xfrm>
-          <a:prstGeom prst="rect">
-            <a:avLst/>
-          </a:prstGeom>
-          <a:noFill/>
-        </p:spPr>
-        <p:txBody>
-          <a:bodyPr wrap="none" rtlCol="0">
-            <a:spAutoFit/>
-          </a:bodyPr>
-          <a:lstStyle/>
-          <a:p>
-            <a:r>
-              <a:rPr lang="es-ES_tradnl" dirty="0" smtClean="0"/>
-              <a:t>Fig. 1: Diagrama de Ishikawa</a:t>
-            </a:r>
-            <a:endParaRPr lang="es-ES_tradnl" dirty="0"/>
-          </a:p>
-        </p:txBody>
-      </p:sp>
-      <p:pic>
-        <p:nvPicPr>
-          <p:cNvPr id="39" name="Imagen 38"/>
-          <p:cNvPicPr>
-            <a:picLocks noChangeAspect="1"/>
-          </p:cNvPicPr>
-          <p:nvPr/>
-        </p:nvPicPr>
-        <p:blipFill>
-          <a:blip r:embed="rId4">
-            <a:extLst>
-              <a:ext uri="{28A0092B-C50C-407E-A947-70E740481C1C}">
-                <a14:useLocalDpi xmlns:a14="http://schemas.microsoft.com/office/drawing/2010/main" val="0"/>
-              </a:ext>
-            </a:extLst>
-          </a:blip>
-          <a:stretch>
-            <a:fillRect/>
-          </a:stretch>
-        </p:blipFill>
-        <p:spPr>
-          <a:xfrm>
-            <a:off x="1763309" y="1588446"/>
-            <a:ext cx="7592485" cy="4591691"/>
-          </a:xfrm>
-          <a:prstGeom prst="rect">
-            <a:avLst/>
-          </a:prstGeom>
-        </p:spPr>
-      </p:pic>
     </p:spTree>
     <p:extLst>
       <p:ext uri="{BB962C8B-B14F-4D97-AF65-F5344CB8AC3E}">
-        <p14:creationId xmlns:p14="http://schemas.microsoft.com/office/powerpoint/2010/main" val="3275574921"/>
+        <p14:creationId xmlns:p14="http://schemas.microsoft.com/office/powerpoint/2010/main" val="1411186099"/>
       </p:ext>
     </p:extLst>
   </p:cSld>
@@ -13243,17 +13955,10 @@
       </p:transition>
     </mc:Fallback>
   </mc:AlternateContent>
-  <p:timing>
-    <p:tnLst>
-      <p:par>
-        <p:cTn id="1" dur="indefinite" restart="never" nodeType="tmRoot"/>
-      </p:par>
-    </p:tnLst>
-  </p:timing>
 </p:sld>
 </file>
 
-<file path=ppt/slides/slide6.xml><?xml version="1.0" encoding="utf-8"?>
+<file path=ppt/slides/slide7.xml><?xml version="1.0" encoding="utf-8"?>
 <p:sld xmlns:a="http://schemas.openxmlformats.org/drawingml/2006/main" xmlns:r="http://schemas.openxmlformats.org/officeDocument/2006/relationships" xmlns:p="http://schemas.openxmlformats.org/presentationml/2006/main">
   <p:cSld>
     <p:spTree>
@@ -13280,7 +13985,12 @@
             <p:ph type="title"/>
           </p:nvPr>
         </p:nvSpPr>
-        <p:spPr/>
+        <p:spPr>
+          <a:xfrm>
+            <a:off x="1600200" y="2691198"/>
+            <a:ext cx="9692640" cy="1397124"/>
+          </a:xfrm>
+        </p:spPr>
         <p:txBody>
           <a:bodyPr/>
           <a:lstStyle/>
@@ -13297,72 +14007,6 @@
               <a:t>Planificación del proyecto</a:t>
             </a:r>
             <a:endParaRPr lang="en-US" dirty="0"/>
-          </a:p>
-        </p:txBody>
-      </p:sp>
-      <p:sp>
-        <p:nvSpPr>
-          <p:cNvPr id="3" name="Content Placeholder 2"/>
-          <p:cNvSpPr>
-            <a:spLocks noGrp="1"/>
-          </p:cNvSpPr>
-          <p:nvPr>
-            <p:ph idx="1"/>
-          </p:nvPr>
-        </p:nvSpPr>
-        <p:spPr/>
-        <p:txBody>
-          <a:bodyPr>
-            <a:normAutofit/>
-          </a:bodyPr>
-          <a:lstStyle/>
-          <a:p>
-            <a:r>
-              <a:rPr lang="es-CL" sz="3200" dirty="0" smtClean="0">
-                <a:latin typeface="Calibri" panose="020F0502020204030204" pitchFamily="34" charset="0"/>
-              </a:rPr>
-              <a:t>Alcance</a:t>
-            </a:r>
-            <a:endParaRPr lang="es-CL" sz="3000" dirty="0">
-              <a:latin typeface="Calibri" panose="020F0502020204030204" pitchFamily="34" charset="0"/>
-            </a:endParaRPr>
-          </a:p>
-          <a:p>
-            <a:pPr lvl="1"/>
-            <a:r>
-              <a:rPr lang="es-CL" sz="2800" dirty="0" smtClean="0">
-                <a:latin typeface="Calibri" panose="020F0502020204030204" pitchFamily="34" charset="0"/>
-              </a:rPr>
-              <a:t>Objetivos</a:t>
-            </a:r>
-          </a:p>
-          <a:p>
-            <a:pPr lvl="1"/>
-            <a:r>
-              <a:rPr lang="es-CL" sz="2800" dirty="0" smtClean="0">
-                <a:latin typeface="Calibri" panose="020F0502020204030204" pitchFamily="34" charset="0"/>
-              </a:rPr>
-              <a:t>Requerimientos</a:t>
-            </a:r>
-          </a:p>
-          <a:p>
-            <a:r>
-              <a:rPr lang="es-CL" sz="3000" dirty="0" smtClean="0">
-                <a:latin typeface="Calibri" panose="020F0502020204030204" pitchFamily="34" charset="0"/>
-              </a:rPr>
-              <a:t>Organización del equipo</a:t>
-            </a:r>
-          </a:p>
-          <a:p>
-            <a:r>
-              <a:rPr lang="es-CL" sz="3000" dirty="0" smtClean="0">
-                <a:latin typeface="Calibri" panose="020F0502020204030204" pitchFamily="34" charset="0"/>
-              </a:rPr>
-              <a:t>Calendarización y entregables</a:t>
-            </a:r>
-            <a:endParaRPr lang="es-CL" sz="3200" dirty="0" smtClean="0">
-              <a:latin typeface="Calibri" panose="020F0502020204030204" pitchFamily="34" charset="0"/>
-            </a:endParaRPr>
           </a:p>
         </p:txBody>
       </p:sp>
@@ -13385,7 +14029,7 @@
           <a:p>
             <a:fld id="{66B77C49-310C-4D67-A641-7D2CCF3E3B8A}" type="slidenum">
               <a:rPr lang="es-CL" smtClean="0"/>
-              <a:t>5</a:t>
+              <a:t>6</a:t>
             </a:fld>
             <a:endParaRPr lang="es-CL"/>
           </a:p>
@@ -13462,7 +14106,7 @@
 </p:sld>
 </file>
 
-<file path=ppt/slides/slide7.xml><?xml version="1.0" encoding="utf-8"?>
+<file path=ppt/slides/slide8.xml><?xml version="1.0" encoding="utf-8"?>
 <p:sld xmlns:a="http://schemas.openxmlformats.org/drawingml/2006/main" xmlns:r="http://schemas.openxmlformats.org/officeDocument/2006/relationships" xmlns:p="http://schemas.openxmlformats.org/presentationml/2006/main">
   <p:cSld>
     <p:spTree>
@@ -13515,19 +14159,15 @@
         <p:spPr/>
         <p:txBody>
           <a:bodyPr>
-            <a:normAutofit/>
+            <a:noAutofit/>
           </a:bodyPr>
           <a:lstStyle/>
           <a:p>
             <a:r>
-              <a:rPr lang="es-ES_tradnl" sz="3200" dirty="0">
-                <a:latin typeface="Calibri" panose="020F0502020204030204" pitchFamily="34" charset="0"/>
-              </a:rPr>
+              <a:rPr lang="es-ES_tradnl" sz="5400" dirty="0"/>
               <a:t>Mejorar los resultados de los procesos del centro médico Hipócrates mediante una solución integrada de software.</a:t>
             </a:r>
-            <a:endParaRPr lang="es-CL" sz="3200" dirty="0">
-              <a:latin typeface="Calibri" panose="020F0502020204030204" pitchFamily="34" charset="0"/>
-            </a:endParaRPr>
+            <a:endParaRPr lang="es-CL" sz="5400" dirty="0"/>
           </a:p>
         </p:txBody>
       </p:sp>
@@ -13550,7 +14190,7 @@
           <a:p>
             <a:fld id="{66B77C49-310C-4D67-A641-7D2CCF3E3B8A}" type="slidenum">
               <a:rPr lang="es-CL" smtClean="0"/>
-              <a:t>6</a:t>
+              <a:t>7</a:t>
             </a:fld>
             <a:endParaRPr lang="es-CL"/>
           </a:p>
@@ -13627,7 +14267,7 @@
 </p:sld>
 </file>
 
-<file path=ppt/slides/slide8.xml><?xml version="1.0" encoding="utf-8"?>
+<file path=ppt/slides/slide9.xml><?xml version="1.0" encoding="utf-8"?>
 <p:sld xmlns:a="http://schemas.openxmlformats.org/drawingml/2006/main" xmlns:r="http://schemas.openxmlformats.org/officeDocument/2006/relationships" xmlns:p="http://schemas.openxmlformats.org/presentationml/2006/main">
   <p:cSld>
     <p:spTree>
@@ -13685,96 +14325,47 @@
         </p:spPr>
         <p:txBody>
           <a:bodyPr>
-            <a:normAutofit fontScale="92500" lnSpcReduction="20000"/>
+            <a:noAutofit/>
           </a:bodyPr>
           <a:lstStyle/>
           <a:p>
-            <a:pPr marL="342900" marR="211455" lvl="0" indent="-342900" algn="just">
+            <a:pPr marR="211455" algn="just">
               <a:spcAft>
                 <a:spcPts val="0"/>
               </a:spcAft>
-              <a:buFont typeface="+mj-lt"/>
-              <a:buAutoNum type="arabicPeriod"/>
             </a:pPr>
             <a:r>
-              <a:rPr lang="es-ES_tradnl" sz="3200" dirty="0">
-                <a:latin typeface="Calibri" panose="020F0502020204030204" pitchFamily="34" charset="0"/>
+              <a:rPr lang="es-ES_tradnl" sz="4000" dirty="0">
                 <a:ea typeface="Calibri" panose="020F0502020204030204" pitchFamily="34" charset="0"/>
                 <a:cs typeface="Calibri" panose="020F0502020204030204" pitchFamily="34" charset="0"/>
               </a:rPr>
               <a:t>Reducir el tiempo empleado en el pago de honorarios en al menos un 50% del tiempo de ejecución.</a:t>
             </a:r>
-            <a:endParaRPr lang="es-CL" sz="3200" dirty="0">
-              <a:latin typeface="Calibri" panose="020F0502020204030204" pitchFamily="34" charset="0"/>
+            <a:endParaRPr lang="es-CL" sz="4000" dirty="0">
               <a:ea typeface="Calibri" panose="020F0502020204030204" pitchFamily="34" charset="0"/>
               <a:cs typeface="Times New Roman" panose="02020603050405020304" pitchFamily="18" charset="0"/>
             </a:endParaRPr>
           </a:p>
           <a:p>
-            <a:pPr marL="342900" marR="211455" lvl="0" indent="-342900" algn="just">
+            <a:pPr marR="211455" algn="just">
               <a:spcAft>
                 <a:spcPts val="0"/>
               </a:spcAft>
-              <a:buFont typeface="+mj-lt"/>
-              <a:buAutoNum type="arabicPeriod"/>
             </a:pPr>
             <a:r>
-              <a:rPr lang="es-ES_tradnl" sz="3200" dirty="0">
-                <a:latin typeface="Calibri" panose="020F0502020204030204" pitchFamily="34" charset="0"/>
+              <a:rPr lang="es-ES_tradnl" sz="4000" dirty="0">
                 <a:ea typeface="Calibri" panose="020F0502020204030204" pitchFamily="34" charset="0"/>
                 <a:cs typeface="Calibri" panose="020F0502020204030204" pitchFamily="34" charset="0"/>
               </a:rPr>
-              <a:t>Reducir la incertidumbre de pacientes frente a sus atenciones y sus resultados al menos a un 2%.</a:t>
-            </a:r>
-            <a:endParaRPr lang="es-CL" sz="3200" dirty="0">
-              <a:latin typeface="Calibri" panose="020F0502020204030204" pitchFamily="34" charset="0"/>
-              <a:ea typeface="Calibri" panose="020F0502020204030204" pitchFamily="34" charset="0"/>
-              <a:cs typeface="Times New Roman" panose="02020603050405020304" pitchFamily="18" charset="0"/>
-            </a:endParaRPr>
-          </a:p>
-          <a:p>
-            <a:pPr marL="342900" marR="211455" lvl="0" indent="-342900" algn="just">
-              <a:spcAft>
-                <a:spcPts val="0"/>
-              </a:spcAft>
-              <a:buFont typeface="+mj-lt"/>
-              <a:buAutoNum type="arabicPeriod"/>
-            </a:pPr>
-            <a:r>
-              <a:rPr lang="es-ES_tradnl" sz="3200" dirty="0">
-                <a:latin typeface="Calibri" panose="020F0502020204030204" pitchFamily="34" charset="0"/>
+              <a:t>Reducir la incertidumbre de pacientes frente a sus atenciones y sus resultados al menos a un 2</a:t>
+            </a:r>
+            <a:r>
+              <a:rPr lang="es-ES_tradnl" sz="4000" dirty="0" smtClean="0">
                 <a:ea typeface="Calibri" panose="020F0502020204030204" pitchFamily="34" charset="0"/>
                 <a:cs typeface="Calibri" panose="020F0502020204030204" pitchFamily="34" charset="0"/>
               </a:rPr>
-              <a:t>Asegurar la confiabilidad de la información de las cajas de pago en al menos un 99%.</a:t>
-            </a:r>
-            <a:endParaRPr lang="es-CL" sz="3200" dirty="0">
-              <a:latin typeface="Calibri" panose="020F0502020204030204" pitchFamily="34" charset="0"/>
-              <a:ea typeface="Calibri" panose="020F0502020204030204" pitchFamily="34" charset="0"/>
-              <a:cs typeface="Times New Roman" panose="02020603050405020304" pitchFamily="18" charset="0"/>
-            </a:endParaRPr>
-          </a:p>
-          <a:p>
-            <a:pPr marL="342900" marR="211455" lvl="0" indent="-342900" algn="just">
-              <a:spcAft>
-                <a:spcPts val="0"/>
-              </a:spcAft>
-              <a:buFont typeface="+mj-lt"/>
-              <a:buAutoNum type="arabicPeriod"/>
-            </a:pPr>
-            <a:r>
-              <a:rPr lang="es-ES_tradnl" sz="3200" dirty="0">
-                <a:latin typeface="Calibri" panose="020F0502020204030204" pitchFamily="34" charset="0"/>
-                <a:ea typeface="Calibri" panose="020F0502020204030204" pitchFamily="34" charset="0"/>
-                <a:cs typeface="Calibri" panose="020F0502020204030204" pitchFamily="34" charset="0"/>
-              </a:rPr>
-              <a:t>Incrementar información de detalle de procedimientos de médicos, enfermeros y/o tecnólogos en al menos un 99% de las ocasiones. </a:t>
-            </a:r>
-            <a:endParaRPr lang="es-CL" sz="3200" dirty="0">
-              <a:latin typeface="Calibri" panose="020F0502020204030204" pitchFamily="34" charset="0"/>
-              <a:ea typeface="Calibri" panose="020F0502020204030204" pitchFamily="34" charset="0"/>
-              <a:cs typeface="Times New Roman" panose="02020603050405020304" pitchFamily="18" charset="0"/>
-            </a:endParaRPr>
+              <a:t>%.</a:t>
+            </a:r>
           </a:p>
         </p:txBody>
       </p:sp>
@@ -13797,7 +14388,7 @@
           <a:p>
             <a:fld id="{66B77C49-310C-4D67-A641-7D2CCF3E3B8A}" type="slidenum">
               <a:rPr lang="es-CL" smtClean="0"/>
-              <a:t>7</a:t>
+              <a:t>8</a:t>
             </a:fld>
             <a:endParaRPr lang="es-CL"/>
           </a:p>
@@ -13846,283 +14437,6 @@
     <p:extLst>
       <p:ext uri="{BB962C8B-B14F-4D97-AF65-F5344CB8AC3E}">
         <p14:creationId xmlns:p14="http://schemas.microsoft.com/office/powerpoint/2010/main" val="2355102668"/>
-      </p:ext>
-    </p:extLst>
-  </p:cSld>
-  <p:clrMapOvr>
-    <a:masterClrMapping/>
-  </p:clrMapOvr>
-  <mc:AlternateContent xmlns:mc="http://schemas.openxmlformats.org/markup-compatibility/2006" xmlns:p14="http://schemas.microsoft.com/office/powerpoint/2010/main">
-    <mc:Choice Requires="p14">
-      <p:transition p14:dur="150">
-        <p:fade/>
-      </p:transition>
-    </mc:Choice>
-    <mc:Fallback xmlns="">
-      <p:transition>
-        <p:fade/>
-      </p:transition>
-    </mc:Fallback>
-  </mc:AlternateContent>
-  <p:timing>
-    <p:tnLst>
-      <p:par>
-        <p:cTn id="1" dur="indefinite" restart="never" nodeType="tmRoot"/>
-      </p:par>
-    </p:tnLst>
-  </p:timing>
-</p:sld>
-</file>
-
-<file path=ppt/slides/slide9.xml><?xml version="1.0" encoding="utf-8"?>
-<p:sld xmlns:a="http://schemas.openxmlformats.org/drawingml/2006/main" xmlns:r="http://schemas.openxmlformats.org/officeDocument/2006/relationships" xmlns:p="http://schemas.openxmlformats.org/presentationml/2006/main">
-  <p:cSld>
-    <p:spTree>
-      <p:nvGrpSpPr>
-        <p:cNvPr id="1" name=""/>
-        <p:cNvGrpSpPr/>
-        <p:nvPr/>
-      </p:nvGrpSpPr>
-      <p:grpSpPr>
-        <a:xfrm>
-          <a:off x="0" y="0"/>
-          <a:ext cx="0" cy="0"/>
-          <a:chOff x="0" y="0"/>
-          <a:chExt cx="0" cy="0"/>
-        </a:xfrm>
-      </p:grpSpPr>
-      <p:sp>
-        <p:nvSpPr>
-          <p:cNvPr id="2" name="Title 1"/>
-          <p:cNvSpPr>
-            <a:spLocks noGrp="1"/>
-          </p:cNvSpPr>
-          <p:nvPr>
-            <p:ph type="title"/>
-          </p:nvPr>
-        </p:nvSpPr>
-        <p:spPr/>
-        <p:txBody>
-          <a:bodyPr/>
-          <a:lstStyle/>
-          <a:p>
-            <a:r>
-              <a:rPr lang="es-CL" dirty="0" smtClean="0"/>
-              <a:t>Requerimientos del negocio</a:t>
-            </a:r>
-            <a:endParaRPr lang="en-US" dirty="0"/>
-          </a:p>
-        </p:txBody>
-      </p:sp>
-      <p:sp>
-        <p:nvSpPr>
-          <p:cNvPr id="3" name="Content Placeholder 2"/>
-          <p:cNvSpPr>
-            <a:spLocks noGrp="1"/>
-          </p:cNvSpPr>
-          <p:nvPr>
-            <p:ph idx="1"/>
-          </p:nvPr>
-        </p:nvSpPr>
-        <p:spPr>
-          <a:xfrm>
-            <a:off x="1261872" y="1828801"/>
-            <a:ext cx="8595360" cy="4343400"/>
-          </a:xfrm>
-        </p:spPr>
-        <p:txBody>
-          <a:bodyPr>
-            <a:normAutofit/>
-          </a:bodyPr>
-          <a:lstStyle/>
-          <a:p>
-            <a:pPr marL="627063" lvl="3" indent="-514350" fontAlgn="base">
-              <a:buFont typeface="+mj-lt"/>
-              <a:buAutoNum type="arabicPeriod"/>
-            </a:pPr>
-            <a:r>
-              <a:rPr lang="es-CL" sz="3000" dirty="0">
-                <a:latin typeface="Calibri" panose="020F0502020204030204" pitchFamily="34" charset="0"/>
-              </a:rPr>
-              <a:t>Administrar horas agendadas</a:t>
-            </a:r>
-            <a:endParaRPr lang="es-CL" sz="3000" i="1" dirty="0">
-              <a:latin typeface="Calibri" panose="020F0502020204030204" pitchFamily="34" charset="0"/>
-            </a:endParaRPr>
-          </a:p>
-          <a:p>
-            <a:pPr marL="627063" lvl="3" indent="-514350" fontAlgn="base">
-              <a:buFont typeface="+mj-lt"/>
-              <a:buAutoNum type="arabicPeriod"/>
-            </a:pPr>
-            <a:r>
-              <a:rPr lang="es-CL" sz="3000" dirty="0">
-                <a:latin typeface="Calibri" panose="020F0502020204030204" pitchFamily="34" charset="0"/>
-              </a:rPr>
-              <a:t>Pagar honorarios de médicos periódicamente</a:t>
-            </a:r>
-            <a:endParaRPr lang="es-CL" sz="3000" i="1" dirty="0">
-              <a:latin typeface="Calibri" panose="020F0502020204030204" pitchFamily="34" charset="0"/>
-            </a:endParaRPr>
-          </a:p>
-          <a:p>
-            <a:pPr marL="627063" lvl="3" indent="-514350" fontAlgn="base">
-              <a:buFont typeface="+mj-lt"/>
-              <a:buAutoNum type="arabicPeriod"/>
-            </a:pPr>
-            <a:r>
-              <a:rPr lang="es-CL" sz="3000" dirty="0">
-                <a:latin typeface="Calibri" panose="020F0502020204030204" pitchFamily="34" charset="0"/>
-              </a:rPr>
-              <a:t>Mantener fichas médicas de todos los pacientes</a:t>
-            </a:r>
-            <a:endParaRPr lang="es-CL" sz="3000" i="1" dirty="0">
-              <a:latin typeface="Calibri" panose="020F0502020204030204" pitchFamily="34" charset="0"/>
-            </a:endParaRPr>
-          </a:p>
-          <a:p>
-            <a:pPr marL="627063" lvl="3" indent="-514350" fontAlgn="base">
-              <a:buFont typeface="+mj-lt"/>
-              <a:buAutoNum type="arabicPeriod"/>
-            </a:pPr>
-            <a:r>
-              <a:rPr lang="es-CL" sz="3000" dirty="0">
-                <a:latin typeface="Calibri" panose="020F0502020204030204" pitchFamily="34" charset="0"/>
-              </a:rPr>
-              <a:t>Mejorar el acceso a la información al personal médico</a:t>
-            </a:r>
-            <a:endParaRPr lang="es-CL" sz="3000" i="1" dirty="0">
-              <a:latin typeface="Calibri" panose="020F0502020204030204" pitchFamily="34" charset="0"/>
-            </a:endParaRPr>
-          </a:p>
-          <a:p>
-            <a:pPr marL="627063" lvl="3" indent="-514350" fontAlgn="base">
-              <a:buFont typeface="+mj-lt"/>
-              <a:buAutoNum type="arabicPeriod"/>
-            </a:pPr>
-            <a:r>
-              <a:rPr lang="es-CL" sz="3000" dirty="0">
-                <a:latin typeface="Calibri" panose="020F0502020204030204" pitchFamily="34" charset="0"/>
-              </a:rPr>
-              <a:t>Mantener las cajas</a:t>
-            </a:r>
-            <a:endParaRPr lang="es-CL" sz="3000" i="1" dirty="0">
-              <a:latin typeface="Calibri" panose="020F0502020204030204" pitchFamily="34" charset="0"/>
-            </a:endParaRPr>
-          </a:p>
-          <a:p>
-            <a:pPr marL="627063" lvl="3" indent="-514350" fontAlgn="base">
-              <a:buFont typeface="+mj-lt"/>
-              <a:buAutoNum type="arabicPeriod"/>
-            </a:pPr>
-            <a:r>
-              <a:rPr lang="es-CL" sz="3000" dirty="0">
-                <a:latin typeface="Calibri" panose="020F0502020204030204" pitchFamily="34" charset="0"/>
-              </a:rPr>
-              <a:t>Entregar resultados de exámenes a pacientes</a:t>
-            </a:r>
-            <a:endParaRPr lang="es-CL" sz="3000" i="1" dirty="0">
-              <a:latin typeface="Calibri" panose="020F0502020204030204" pitchFamily="34" charset="0"/>
-            </a:endParaRPr>
-          </a:p>
-          <a:p>
-            <a:pPr marL="627063" lvl="3" indent="-514350" fontAlgn="base">
-              <a:buFont typeface="+mj-lt"/>
-              <a:buAutoNum type="arabicPeriod"/>
-            </a:pPr>
-            <a:r>
-              <a:rPr lang="es-CL" sz="3000" dirty="0">
-                <a:latin typeface="Calibri" panose="020F0502020204030204" pitchFamily="34" charset="0"/>
-              </a:rPr>
-              <a:t>Consultar estado de los seguros de los pacientes</a:t>
-            </a:r>
-            <a:endParaRPr lang="es-CL" sz="3000" i="1" dirty="0">
-              <a:latin typeface="Calibri" panose="020F0502020204030204" pitchFamily="34" charset="0"/>
-            </a:endParaRPr>
-          </a:p>
-          <a:p>
-            <a:pPr marL="0" marR="211455" lvl="0" indent="0" algn="just">
-              <a:spcAft>
-                <a:spcPts val="0"/>
-              </a:spcAft>
-              <a:buNone/>
-            </a:pPr>
-            <a:endParaRPr lang="es-CL" sz="3200" dirty="0">
-              <a:latin typeface="Calibri" panose="020F0502020204030204" pitchFamily="34" charset="0"/>
-              <a:ea typeface="Calibri" panose="020F0502020204030204" pitchFamily="34" charset="0"/>
-              <a:cs typeface="Times New Roman" panose="02020603050405020304" pitchFamily="18" charset="0"/>
-            </a:endParaRPr>
-          </a:p>
-        </p:txBody>
-      </p:sp>
-      <p:sp>
-        <p:nvSpPr>
-          <p:cNvPr id="4" name="Slide Number Placeholder 3"/>
-          <p:cNvSpPr>
-            <a:spLocks noGrp="1"/>
-          </p:cNvSpPr>
-          <p:nvPr>
-            <p:ph type="sldNum" sz="quarter" idx="12"/>
-          </p:nvPr>
-        </p:nvSpPr>
-        <p:spPr/>
-        <p:txBody>
-          <a:bodyPr>
-            <a:normAutofit lnSpcReduction="10000"/>
-          </a:bodyPr>
-          <a:lstStyle/>
-          <a:p>
-            <a:fld id="{66B77C49-310C-4D67-A641-7D2CCF3E3B8A}" type="slidenum">
-              <a:rPr lang="es-CL" smtClean="0"/>
-              <a:t>8</a:t>
-            </a:fld>
-            <a:endParaRPr lang="es-CL"/>
-          </a:p>
-        </p:txBody>
-      </p:sp>
-      <p:pic>
-        <p:nvPicPr>
-          <p:cNvPr id="5" name="Picture 2" descr="Resultado de imagen para duoc"/>
-          <p:cNvPicPr>
-            <a:picLocks noChangeAspect="1" noChangeArrowheads="1"/>
-          </p:cNvPicPr>
-          <p:nvPr/>
-        </p:nvPicPr>
-        <p:blipFill rotWithShape="1">
-          <a:blip r:embed="rId3">
-            <a:extLst>
-              <a:ext uri="{28A0092B-C50C-407E-A947-70E740481C1C}">
-                <a14:useLocalDpi xmlns:a14="http://schemas.microsoft.com/office/drawing/2010/main" val="0"/>
-              </a:ext>
-            </a:extLst>
-          </a:blip>
-          <a:srcRect t="13892" r="19022"/>
-          <a:stretch/>
-        </p:blipFill>
-        <p:spPr bwMode="auto">
-          <a:xfrm>
-            <a:off x="9023169" y="378822"/>
-            <a:ext cx="2001883" cy="524910"/>
-          </a:xfrm>
-          <a:prstGeom prst="rect">
-            <a:avLst/>
-          </a:prstGeom>
-          <a:noFill/>
-          <a:extLst>
-            <a:ext uri="{909E8E84-426E-40DD-AFC4-6F175D3DCCD1}">
-              <a14:hiddenFill xmlns:a14="http://schemas.microsoft.com/office/drawing/2010/main">
-                <a:solidFill>
-                  <a:srgbClr val="FFFFFF"/>
-                </a:solidFill>
-              </a14:hiddenFill>
-            </a:ext>
-          </a:extLst>
-        </p:spPr>
-      </p:pic>
-    </p:spTree>
-    <p:extLst>
-      <p:ext uri="{BB962C8B-B14F-4D97-AF65-F5344CB8AC3E}">
-        <p14:creationId xmlns:p14="http://schemas.microsoft.com/office/powerpoint/2010/main" val="1212593131"/>
       </p:ext>
     </p:extLst>
   </p:cSld>
